--- a/Kick-Off do Projeto.pptx
+++ b/Kick-Off do Projeto.pptx
@@ -5,20 +5,22 @@
     <p:sldMasterId id="2147483648" r:id="rId1"/>
   </p:sldMasterIdLst>
   <p:notesMasterIdLst>
-    <p:notesMasterId r:id="rId13"/>
+    <p:notesMasterId r:id="rId15"/>
   </p:notesMasterIdLst>
   <p:sldIdLst>
     <p:sldId id="261" r:id="rId2"/>
     <p:sldId id="262" r:id="rId3"/>
     <p:sldId id="263" r:id="rId4"/>
     <p:sldId id="264" r:id="rId5"/>
-    <p:sldId id="265" r:id="rId6"/>
-    <p:sldId id="266" r:id="rId7"/>
-    <p:sldId id="267" r:id="rId8"/>
-    <p:sldId id="268" r:id="rId9"/>
-    <p:sldId id="274" r:id="rId10"/>
-    <p:sldId id="276" r:id="rId11"/>
-    <p:sldId id="277" r:id="rId12"/>
+    <p:sldId id="267" r:id="rId6"/>
+    <p:sldId id="268" r:id="rId7"/>
+    <p:sldId id="269" r:id="rId8"/>
+    <p:sldId id="271" r:id="rId9"/>
+    <p:sldId id="272" r:id="rId10"/>
+    <p:sldId id="273" r:id="rId11"/>
+    <p:sldId id="274" r:id="rId12"/>
+    <p:sldId id="275" r:id="rId13"/>
+    <p:sldId id="277" r:id="rId14"/>
   </p:sldIdLst>
   <p:sldSz cx="9144000" cy="6858000" type="screen4x3"/>
   <p:notesSz cx="6858000" cy="9144000"/>
@@ -237,7 +239,7 @@
           <a:p>
             <a:fld id="{F1E00F00-A68E-4FC3-BDEB-7AA5B16458E6}" type="datetimeFigureOut">
               <a:rPr lang="pt-BR" smtClean="0"/>
-              <a:t>12/03/2020</a:t>
+              <a:t>02/04/2020</a:t>
             </a:fld>
             <a:endParaRPr lang="pt-BR" dirty="0"/>
           </a:p>
@@ -301,35 +303,35 @@
           <a:p>
             <a:pPr lvl="0"/>
             <a:r>
-              <a:rPr lang="en-US" smtClean="0"/>
+              <a:rPr lang="en-US"/>
               <a:t>Click to edit Master text styles</a:t>
             </a:r>
           </a:p>
           <a:p>
             <a:pPr lvl="1"/>
             <a:r>
-              <a:rPr lang="en-US" smtClean="0"/>
+              <a:rPr lang="en-US"/>
               <a:t>Second level</a:t>
             </a:r>
           </a:p>
           <a:p>
             <a:pPr lvl="2"/>
             <a:r>
-              <a:rPr lang="en-US" smtClean="0"/>
+              <a:rPr lang="en-US"/>
               <a:t>Third level</a:t>
             </a:r>
           </a:p>
           <a:p>
             <a:pPr lvl="3"/>
             <a:r>
-              <a:rPr lang="en-US" smtClean="0"/>
+              <a:rPr lang="en-US"/>
               <a:t>Fourth level</a:t>
             </a:r>
           </a:p>
           <a:p>
             <a:pPr lvl="4"/>
             <a:r>
-              <a:rPr lang="en-US" smtClean="0"/>
+              <a:rPr lang="en-US"/>
               <a:t>Fifth level</a:t>
             </a:r>
             <a:endParaRPr lang="pt-BR"/>
@@ -550,7 +552,7 @@
           <a:lstStyle/>
           <a:p>
             <a:r>
-              <a:rPr lang="pt-BR" sz="1200" kern="1200" dirty="0" smtClean="0">
+              <a:rPr lang="pt-BR" sz="1200" kern="1200" dirty="0">
                 <a:solidFill>
                   <a:schemeClr val="tx1"/>
                 </a:solidFill>
@@ -652,7 +654,7 @@
           <a:lstStyle/>
           <a:p>
             <a:r>
-              <a:rPr lang="pt-BR" sz="1200" kern="1200" dirty="0" smtClean="0">
+              <a:rPr lang="pt-BR" sz="1200" kern="1200" dirty="0">
                 <a:solidFill>
                   <a:schemeClr val="tx1"/>
                 </a:solidFill>
@@ -664,7 +666,7 @@
               <a:t>Descreva os requisitos a serem atendidos por</a:t>
             </a:r>
             <a:r>
-              <a:rPr lang="pt-BR" sz="1200" kern="1200" baseline="0" dirty="0" smtClean="0">
+              <a:rPr lang="pt-BR" sz="1200" kern="1200" baseline="0" dirty="0">
                 <a:solidFill>
                   <a:schemeClr val="tx1"/>
                 </a:solidFill>
@@ -678,7 +680,7 @@
           </a:p>
           <a:p>
             <a:r>
-              <a:rPr lang="pt-BR" sz="1200" kern="1200" baseline="0" dirty="0" smtClean="0">
+              <a:rPr lang="pt-BR" sz="1200" kern="1200" baseline="0" dirty="0">
                 <a:solidFill>
                   <a:schemeClr val="tx1"/>
                 </a:solidFill>
@@ -689,7 +691,7 @@
               </a:rPr>
               <a:t>Sempre que possível, gerar uma EAP/WBS para facilitar o entendimento do grupo</a:t>
             </a:r>
-            <a:endParaRPr lang="pt-BR" sz="1200" kern="1200" dirty="0" smtClean="0">
+            <a:endParaRPr lang="pt-BR" sz="1200" kern="1200" dirty="0">
               <a:solidFill>
                 <a:schemeClr val="tx1"/>
               </a:solidFill>
@@ -701,7 +703,7 @@
           </a:p>
           <a:p>
             <a:r>
-              <a:rPr lang="pt-BR" sz="1200" kern="1200" dirty="0" smtClean="0">
+              <a:rPr lang="pt-BR" sz="1200" kern="1200" dirty="0">
                 <a:solidFill>
                   <a:schemeClr val="tx1"/>
                 </a:solidFill>
@@ -715,7 +717,7 @@
           </a:p>
           <a:p>
             <a:r>
-              <a:rPr lang="pt-BR" sz="1200" kern="1200" dirty="0" smtClean="0">
+              <a:rPr lang="pt-BR" sz="1200" kern="1200" dirty="0">
                 <a:solidFill>
                   <a:schemeClr val="tx1"/>
                 </a:solidFill>
@@ -729,7 +731,7 @@
           </a:p>
           <a:p>
             <a:r>
-              <a:rPr lang="pt-BR" sz="1200" kern="1200" dirty="0" smtClean="0">
+              <a:rPr lang="pt-BR" sz="1200" kern="1200" dirty="0">
                 <a:solidFill>
                   <a:schemeClr val="tx1"/>
                 </a:solidFill>
@@ -743,7 +745,7 @@
           </a:p>
           <a:p>
             <a:r>
-              <a:rPr lang="pt-BR" sz="1200" kern="1200" dirty="0" smtClean="0">
+              <a:rPr lang="pt-BR" sz="1200" kern="1200" dirty="0">
                 <a:solidFill>
                   <a:schemeClr val="tx1"/>
                 </a:solidFill>
@@ -821,76 +823,63 @@
       </p:grpSpPr>
       <p:sp>
         <p:nvSpPr>
-          <p:cNvPr id="2" name="Slide Image Placeholder 1"/>
+          <p:cNvPr id="61442" name="Rectangle 7"/>
           <p:cNvSpPr>
-            <a:spLocks noGrp="1" noRot="1" noChangeAspect="1"/>
+            <a:spLocks noGrp="1" noChangeArrowheads="1"/>
+          </p:cNvSpPr>
+          <p:nvPr>
+            <p:ph type="sldNum" sz="quarter" idx="5"/>
+          </p:nvPr>
+        </p:nvSpPr>
+        <p:spPr>
+          <a:noFill/>
+        </p:spPr>
+        <p:txBody>
+          <a:bodyPr/>
+          <a:lstStyle/>
+          <a:p>
+            <a:fld id="{647ADA36-494D-43F3-B02E-E27FA7D989E2}" type="slidenum">
+              <a:rPr lang="en-US"/>
+              <a:pPr/>
+              <a:t>7</a:t>
+            </a:fld>
+            <a:endParaRPr lang="en-US" dirty="0"/>
+          </a:p>
+        </p:txBody>
+      </p:sp>
+      <p:sp>
+        <p:nvSpPr>
+          <p:cNvPr id="61443" name="Rectangle 2"/>
+          <p:cNvSpPr>
+            <a:spLocks noGrp="1" noRot="1" noChangeAspect="1" noChangeArrowheads="1" noTextEdit="1"/>
           </p:cNvSpPr>
           <p:nvPr>
             <p:ph type="sldImg"/>
           </p:nvPr>
         </p:nvSpPr>
-        <p:spPr/>
+        <p:spPr>
+          <a:ln/>
+        </p:spPr>
       </p:sp>
       <p:sp>
         <p:nvSpPr>
-          <p:cNvPr id="3" name="Notes Placeholder 2"/>
+          <p:cNvPr id="61444" name="Rectangle 3"/>
           <p:cNvSpPr>
-            <a:spLocks noGrp="1"/>
+            <a:spLocks noGrp="1" noChangeArrowheads="1"/>
           </p:cNvSpPr>
           <p:nvPr>
             <p:ph type="body" idx="1"/>
           </p:nvPr>
         </p:nvSpPr>
-        <p:spPr/>
+        <p:spPr>
+          <a:noFill/>
+          <a:ln/>
+        </p:spPr>
         <p:txBody>
           <a:bodyPr/>
           <a:lstStyle/>
           <a:p>
-            <a:r>
-              <a:rPr lang="pt-BR" dirty="0" smtClean="0"/>
-              <a:t>Sempre que possível gerar graficamente para facilitar o entendimento e discussão</a:t>
-            </a:r>
-          </a:p>
-          <a:p>
-            <a:r>
-              <a:rPr lang="pt-BR" dirty="0" smtClean="0"/>
-              <a:t>Sugiro</a:t>
-            </a:r>
-            <a:r>
-              <a:rPr lang="pt-BR" baseline="0" dirty="0" smtClean="0"/>
-              <a:t> gerar o cronograma com seus responsáveis e depois gerar usando o WBS Chart Pro a EAP com seus responsáveis</a:t>
-            </a:r>
-          </a:p>
-          <a:p>
-            <a:endParaRPr lang="pt-BR" dirty="0"/>
-          </a:p>
-        </p:txBody>
-      </p:sp>
-      <p:sp>
-        <p:nvSpPr>
-          <p:cNvPr id="4" name="Slide Number Placeholder 3"/>
-          <p:cNvSpPr>
-            <a:spLocks noGrp="1"/>
-          </p:cNvSpPr>
-          <p:nvPr>
-            <p:ph type="sldNum" sz="quarter" idx="10"/>
-          </p:nvPr>
-        </p:nvSpPr>
-        <p:spPr/>
-        <p:txBody>
-          <a:bodyPr/>
-          <a:lstStyle/>
-          <a:p>
-            <a:pPr>
-              <a:defRPr/>
-            </a:pPr>
-            <a:fld id="{B0DF4161-56F3-4665-8FCE-FD5B43FE23B9}" type="slidenum">
-              <a:rPr lang="en-US" smtClean="0"/>
-              <a:pPr>
-                <a:defRPr/>
-              </a:pPr>
-              <a:t>5</a:t>
-            </a:fld>
+            <a:pPr eaLnBrk="1" hangingPunct="1"/>
             <a:endParaRPr lang="en-US" dirty="0"/>
           </a:p>
         </p:txBody>
@@ -898,7 +887,7 @@
     </p:spTree>
     <p:extLst>
       <p:ext uri="{BB962C8B-B14F-4D97-AF65-F5344CB8AC3E}">
-        <p14:creationId xmlns:p14="http://schemas.microsoft.com/office/powerpoint/2010/main" val="28554852"/>
+        <p14:creationId xmlns:p14="http://schemas.microsoft.com/office/powerpoint/2010/main" val="3199068159"/>
       </p:ext>
     </p:extLst>
   </p:cSld>
@@ -927,144 +916,63 @@
       </p:grpSpPr>
       <p:sp>
         <p:nvSpPr>
-          <p:cNvPr id="2" name="Slide Image Placeholder 1"/>
+          <p:cNvPr id="64514" name="Rectangle 7"/>
           <p:cNvSpPr>
-            <a:spLocks noGrp="1" noRot="1" noChangeAspect="1"/>
+            <a:spLocks noGrp="1" noChangeArrowheads="1"/>
+          </p:cNvSpPr>
+          <p:nvPr>
+            <p:ph type="sldNum" sz="quarter" idx="5"/>
+          </p:nvPr>
+        </p:nvSpPr>
+        <p:spPr>
+          <a:noFill/>
+        </p:spPr>
+        <p:txBody>
+          <a:bodyPr/>
+          <a:lstStyle/>
+          <a:p>
+            <a:fld id="{A20762C9-7F47-4EB6-989A-14970CA6F1A4}" type="slidenum">
+              <a:rPr lang="en-US"/>
+              <a:pPr/>
+              <a:t>8</a:t>
+            </a:fld>
+            <a:endParaRPr lang="en-US" dirty="0"/>
+          </a:p>
+        </p:txBody>
+      </p:sp>
+      <p:sp>
+        <p:nvSpPr>
+          <p:cNvPr id="64515" name="Rectangle 2"/>
+          <p:cNvSpPr>
+            <a:spLocks noGrp="1" noRot="1" noChangeAspect="1" noChangeArrowheads="1" noTextEdit="1"/>
           </p:cNvSpPr>
           <p:nvPr>
             <p:ph type="sldImg"/>
           </p:nvPr>
         </p:nvSpPr>
-        <p:spPr/>
+        <p:spPr>
+          <a:ln/>
+        </p:spPr>
       </p:sp>
       <p:sp>
         <p:nvSpPr>
-          <p:cNvPr id="3" name="Notes Placeholder 2"/>
+          <p:cNvPr id="64516" name="Rectangle 3"/>
           <p:cNvSpPr>
-            <a:spLocks noGrp="1"/>
+            <a:spLocks noGrp="1" noChangeArrowheads="1"/>
           </p:cNvSpPr>
           <p:nvPr>
             <p:ph type="body" idx="1"/>
           </p:nvPr>
         </p:nvSpPr>
-        <p:spPr/>
+        <p:spPr>
+          <a:noFill/>
+          <a:ln/>
+        </p:spPr>
         <p:txBody>
           <a:bodyPr/>
           <a:lstStyle/>
           <a:p>
-            <a:r>
-              <a:rPr lang="pt-BR" sz="1200" kern="1200" dirty="0" smtClean="0">
-                <a:solidFill>
-                  <a:schemeClr val="tx1"/>
-                </a:solidFill>
-                <a:effectLst/>
-                <a:latin typeface="Arial" charset="0"/>
-                <a:ea typeface="+mn-ea"/>
-                <a:cs typeface="+mn-cs"/>
-              </a:rPr>
-              <a:t>Descreva os requisitos do produto a serem atendidos Marcos</a:t>
-            </a:r>
-          </a:p>
-          <a:p>
-            <a:r>
-              <a:rPr lang="pt-BR" sz="1200" kern="1200" dirty="0" smtClean="0">
-                <a:solidFill>
-                  <a:schemeClr val="tx1"/>
-                </a:solidFill>
-                <a:effectLst/>
-                <a:latin typeface="Arial" charset="0"/>
-                <a:ea typeface="+mn-ea"/>
-                <a:cs typeface="+mn-cs"/>
-              </a:rPr>
-              <a:t>Previsão</a:t>
-            </a:r>
-          </a:p>
-          <a:p>
-            <a:r>
-              <a:rPr lang="pt-BR" sz="1200" kern="1200" dirty="0" smtClean="0">
-                <a:solidFill>
-                  <a:schemeClr val="tx1"/>
-                </a:solidFill>
-                <a:effectLst/>
-                <a:latin typeface="Arial" charset="0"/>
-                <a:ea typeface="+mn-ea"/>
-                <a:cs typeface="+mn-cs"/>
-              </a:rPr>
-              <a:t> </a:t>
-            </a:r>
-          </a:p>
-          <a:p>
-            <a:r>
-              <a:rPr lang="pt-BR" sz="1200" kern="1200" dirty="0" smtClean="0">
-                <a:solidFill>
-                  <a:schemeClr val="tx1"/>
-                </a:solidFill>
-                <a:effectLst/>
-                <a:latin typeface="Arial" charset="0"/>
-                <a:ea typeface="+mn-ea"/>
-                <a:cs typeface="+mn-cs"/>
-              </a:rPr>
-              <a:t> </a:t>
-            </a:r>
-          </a:p>
-          <a:p>
-            <a:r>
-              <a:rPr lang="pt-BR" sz="1200" kern="1200" dirty="0" smtClean="0">
-                <a:solidFill>
-                  <a:schemeClr val="tx1"/>
-                </a:solidFill>
-                <a:effectLst/>
-                <a:latin typeface="Arial" charset="0"/>
-                <a:ea typeface="+mn-ea"/>
-                <a:cs typeface="+mn-cs"/>
-              </a:rPr>
-              <a:t> </a:t>
-            </a:r>
-          </a:p>
-          <a:p>
-            <a:r>
-              <a:rPr lang="pt-BR" sz="1200" kern="1200" dirty="0" smtClean="0">
-                <a:solidFill>
-                  <a:schemeClr val="tx1"/>
-                </a:solidFill>
-                <a:effectLst/>
-                <a:latin typeface="Arial" charset="0"/>
-                <a:ea typeface="+mn-ea"/>
-                <a:cs typeface="+mn-cs"/>
-              </a:rPr>
-              <a:t> </a:t>
-            </a:r>
-          </a:p>
-          <a:p>
-            <a:endParaRPr lang="pt-BR" dirty="0"/>
-          </a:p>
-        </p:txBody>
-      </p:sp>
-      <p:sp>
-        <p:nvSpPr>
-          <p:cNvPr id="4" name="Slide Number Placeholder 3"/>
-          <p:cNvSpPr>
-            <a:spLocks noGrp="1"/>
-          </p:cNvSpPr>
-          <p:nvPr>
-            <p:ph type="sldNum" sz="quarter" idx="10"/>
-          </p:nvPr>
-        </p:nvSpPr>
-        <p:spPr/>
-        <p:txBody>
-          <a:bodyPr/>
-          <a:lstStyle/>
-          <a:p>
-            <a:pPr>
-              <a:defRPr/>
-            </a:pPr>
-            <a:fld id="{B0DF4161-56F3-4665-8FCE-FD5B43FE23B9}" type="slidenum">
-              <a:rPr lang="en-US" smtClean="0"/>
-              <a:pPr>
-                <a:defRPr/>
-              </a:pPr>
-              <a:t>6</a:t>
-            </a:fld>
+            <a:pPr eaLnBrk="1" hangingPunct="1"/>
             <a:endParaRPr lang="en-US" dirty="0"/>
           </a:p>
         </p:txBody>
@@ -1072,7 +980,7 @@
     </p:spTree>
     <p:extLst>
       <p:ext uri="{BB962C8B-B14F-4D97-AF65-F5344CB8AC3E}">
-        <p14:creationId xmlns:p14="http://schemas.microsoft.com/office/powerpoint/2010/main" val="798525632"/>
+        <p14:creationId xmlns:p14="http://schemas.microsoft.com/office/powerpoint/2010/main" val="2877204944"/>
       </p:ext>
     </p:extLst>
   </p:cSld>
@@ -1083,6 +991,192 @@
 </file>
 
 <file path=ppt/notesSlides/notesSlide5.xml><?xml version="1.0" encoding="utf-8"?>
+<p:notes xmlns:a="http://schemas.openxmlformats.org/drawingml/2006/main" xmlns:r="http://schemas.openxmlformats.org/officeDocument/2006/relationships" xmlns:p="http://schemas.openxmlformats.org/presentationml/2006/main">
+  <p:cSld>
+    <p:spTree>
+      <p:nvGrpSpPr>
+        <p:cNvPr id="1" name=""/>
+        <p:cNvGrpSpPr/>
+        <p:nvPr/>
+      </p:nvGrpSpPr>
+      <p:grpSpPr>
+        <a:xfrm>
+          <a:off x="0" y="0"/>
+          <a:ext cx="0" cy="0"/>
+          <a:chOff x="0" y="0"/>
+          <a:chExt cx="0" cy="0"/>
+        </a:xfrm>
+      </p:grpSpPr>
+      <p:sp>
+        <p:nvSpPr>
+          <p:cNvPr id="68610" name="Rectangle 7"/>
+          <p:cNvSpPr>
+            <a:spLocks noGrp="1" noChangeArrowheads="1"/>
+          </p:cNvSpPr>
+          <p:nvPr>
+            <p:ph type="sldNum" sz="quarter" idx="5"/>
+          </p:nvPr>
+        </p:nvSpPr>
+        <p:spPr>
+          <a:noFill/>
+        </p:spPr>
+        <p:txBody>
+          <a:bodyPr/>
+          <a:lstStyle/>
+          <a:p>
+            <a:fld id="{B7875290-A7BD-4869-8186-59FD815F6BD6}" type="slidenum">
+              <a:rPr lang="en-US"/>
+              <a:pPr/>
+              <a:t>9</a:t>
+            </a:fld>
+            <a:endParaRPr lang="en-US" dirty="0"/>
+          </a:p>
+        </p:txBody>
+      </p:sp>
+      <p:sp>
+        <p:nvSpPr>
+          <p:cNvPr id="68611" name="Rectangle 2"/>
+          <p:cNvSpPr>
+            <a:spLocks noGrp="1" noRot="1" noChangeAspect="1" noChangeArrowheads="1" noTextEdit="1"/>
+          </p:cNvSpPr>
+          <p:nvPr>
+            <p:ph type="sldImg"/>
+          </p:nvPr>
+        </p:nvSpPr>
+        <p:spPr>
+          <a:ln/>
+        </p:spPr>
+      </p:sp>
+      <p:sp>
+        <p:nvSpPr>
+          <p:cNvPr id="68612" name="Rectangle 3"/>
+          <p:cNvSpPr>
+            <a:spLocks noGrp="1" noChangeArrowheads="1"/>
+          </p:cNvSpPr>
+          <p:nvPr>
+            <p:ph type="body" idx="1"/>
+          </p:nvPr>
+        </p:nvSpPr>
+        <p:spPr>
+          <a:noFill/>
+          <a:ln/>
+        </p:spPr>
+        <p:txBody>
+          <a:bodyPr/>
+          <a:lstStyle/>
+          <a:p>
+            <a:pPr eaLnBrk="1" hangingPunct="1"/>
+            <a:endParaRPr lang="en-US" dirty="0"/>
+          </a:p>
+        </p:txBody>
+      </p:sp>
+    </p:spTree>
+    <p:extLst>
+      <p:ext uri="{BB962C8B-B14F-4D97-AF65-F5344CB8AC3E}">
+        <p14:creationId xmlns:p14="http://schemas.microsoft.com/office/powerpoint/2010/main" val="3391558596"/>
+      </p:ext>
+    </p:extLst>
+  </p:cSld>
+  <p:clrMapOvr>
+    <a:masterClrMapping/>
+  </p:clrMapOvr>
+</p:notes>
+</file>
+
+<file path=ppt/notesSlides/notesSlide6.xml><?xml version="1.0" encoding="utf-8"?>
+<p:notes xmlns:a="http://schemas.openxmlformats.org/drawingml/2006/main" xmlns:r="http://schemas.openxmlformats.org/officeDocument/2006/relationships" xmlns:p="http://schemas.openxmlformats.org/presentationml/2006/main">
+  <p:cSld>
+    <p:spTree>
+      <p:nvGrpSpPr>
+        <p:cNvPr id="1" name=""/>
+        <p:cNvGrpSpPr/>
+        <p:nvPr/>
+      </p:nvGrpSpPr>
+      <p:grpSpPr>
+        <a:xfrm>
+          <a:off x="0" y="0"/>
+          <a:ext cx="0" cy="0"/>
+          <a:chOff x="0" y="0"/>
+          <a:chExt cx="0" cy="0"/>
+        </a:xfrm>
+      </p:grpSpPr>
+      <p:sp>
+        <p:nvSpPr>
+          <p:cNvPr id="78850" name="Rectangle 7"/>
+          <p:cNvSpPr>
+            <a:spLocks noGrp="1" noChangeArrowheads="1"/>
+          </p:cNvSpPr>
+          <p:nvPr>
+            <p:ph type="sldNum" sz="quarter" idx="5"/>
+          </p:nvPr>
+        </p:nvSpPr>
+        <p:spPr>
+          <a:noFill/>
+        </p:spPr>
+        <p:txBody>
+          <a:bodyPr/>
+          <a:lstStyle/>
+          <a:p>
+            <a:fld id="{E4183DB0-4969-417F-80D7-CB2A0ACF105F}" type="slidenum">
+              <a:rPr lang="en-US"/>
+              <a:pPr/>
+              <a:t>10</a:t>
+            </a:fld>
+            <a:endParaRPr lang="en-US" dirty="0"/>
+          </a:p>
+        </p:txBody>
+      </p:sp>
+      <p:sp>
+        <p:nvSpPr>
+          <p:cNvPr id="78851" name="Rectangle 2"/>
+          <p:cNvSpPr>
+            <a:spLocks noGrp="1" noRot="1" noChangeAspect="1" noChangeArrowheads="1" noTextEdit="1"/>
+          </p:cNvSpPr>
+          <p:nvPr>
+            <p:ph type="sldImg"/>
+          </p:nvPr>
+        </p:nvSpPr>
+        <p:spPr>
+          <a:ln/>
+        </p:spPr>
+      </p:sp>
+      <p:sp>
+        <p:nvSpPr>
+          <p:cNvPr id="78852" name="Rectangle 3"/>
+          <p:cNvSpPr>
+            <a:spLocks noGrp="1" noChangeArrowheads="1"/>
+          </p:cNvSpPr>
+          <p:nvPr>
+            <p:ph type="body" idx="1"/>
+          </p:nvPr>
+        </p:nvSpPr>
+        <p:spPr>
+          <a:noFill/>
+          <a:ln/>
+        </p:spPr>
+        <p:txBody>
+          <a:bodyPr/>
+          <a:lstStyle/>
+          <a:p>
+            <a:pPr eaLnBrk="1" hangingPunct="1"/>
+            <a:endParaRPr lang="en-US" dirty="0"/>
+          </a:p>
+        </p:txBody>
+      </p:sp>
+    </p:spTree>
+    <p:extLst>
+      <p:ext uri="{BB962C8B-B14F-4D97-AF65-F5344CB8AC3E}">
+        <p14:creationId xmlns:p14="http://schemas.microsoft.com/office/powerpoint/2010/main" val="2460982486"/>
+      </p:ext>
+    </p:extLst>
+  </p:cSld>
+  <p:clrMapOvr>
+    <a:masterClrMapping/>
+  </p:clrMapOvr>
+</p:notes>
+</file>
+
+<file path=ppt/notesSlides/notesSlide7.xml><?xml version="1.0" encoding="utf-8"?>
 <p:notes xmlns:a="http://schemas.openxmlformats.org/drawingml/2006/main" xmlns:r="http://schemas.openxmlformats.org/officeDocument/2006/relationships" xmlns:p="http://schemas.openxmlformats.org/presentationml/2006/main">
   <p:cSld>
     <p:spTree>
@@ -1119,7 +1213,7 @@
             <a:fld id="{62C0DEB4-AA6E-4A20-8BAC-E3CC8A8C1C46}" type="slidenum">
               <a:rPr lang="en-US"/>
               <a:pPr/>
-              <a:t>9</a:t>
+              <a:t>11</a:t>
             </a:fld>
             <a:endParaRPr lang="en-US" dirty="0"/>
           </a:p>
@@ -1158,7 +1252,7 @@
           <a:lstStyle/>
           <a:p>
             <a:pPr eaLnBrk="1" hangingPunct="1"/>
-            <a:endParaRPr lang="en-US" dirty="0" smtClean="0"/>
+            <a:endParaRPr lang="en-US" dirty="0"/>
           </a:p>
         </p:txBody>
       </p:sp>
@@ -1175,7 +1269,100 @@
 </p:notes>
 </file>
 
-<file path=ppt/notesSlides/notesSlide6.xml><?xml version="1.0" encoding="utf-8"?>
+<file path=ppt/notesSlides/notesSlide8.xml><?xml version="1.0" encoding="utf-8"?>
+<p:notes xmlns:a="http://schemas.openxmlformats.org/drawingml/2006/main" xmlns:r="http://schemas.openxmlformats.org/officeDocument/2006/relationships" xmlns:p="http://schemas.openxmlformats.org/presentationml/2006/main">
+  <p:cSld>
+    <p:spTree>
+      <p:nvGrpSpPr>
+        <p:cNvPr id="1" name=""/>
+        <p:cNvGrpSpPr/>
+        <p:nvPr/>
+      </p:nvGrpSpPr>
+      <p:grpSpPr>
+        <a:xfrm>
+          <a:off x="0" y="0"/>
+          <a:ext cx="0" cy="0"/>
+          <a:chOff x="0" y="0"/>
+          <a:chExt cx="0" cy="0"/>
+        </a:xfrm>
+      </p:grpSpPr>
+      <p:sp>
+        <p:nvSpPr>
+          <p:cNvPr id="87042" name="Rectangle 7"/>
+          <p:cNvSpPr>
+            <a:spLocks noGrp="1" noChangeArrowheads="1"/>
+          </p:cNvSpPr>
+          <p:nvPr>
+            <p:ph type="sldNum" sz="quarter" idx="5"/>
+          </p:nvPr>
+        </p:nvSpPr>
+        <p:spPr>
+          <a:noFill/>
+        </p:spPr>
+        <p:txBody>
+          <a:bodyPr/>
+          <a:lstStyle/>
+          <a:p>
+            <a:fld id="{4B5C0E85-F21A-41B9-A686-6EE4F1F4FF45}" type="slidenum">
+              <a:rPr lang="en-US"/>
+              <a:pPr/>
+              <a:t>12</a:t>
+            </a:fld>
+            <a:endParaRPr lang="en-US" dirty="0"/>
+          </a:p>
+        </p:txBody>
+      </p:sp>
+      <p:sp>
+        <p:nvSpPr>
+          <p:cNvPr id="87043" name="Rectangle 2"/>
+          <p:cNvSpPr>
+            <a:spLocks noGrp="1" noRot="1" noChangeAspect="1" noChangeArrowheads="1" noTextEdit="1"/>
+          </p:cNvSpPr>
+          <p:nvPr>
+            <p:ph type="sldImg"/>
+          </p:nvPr>
+        </p:nvSpPr>
+        <p:spPr>
+          <a:ln/>
+        </p:spPr>
+      </p:sp>
+      <p:sp>
+        <p:nvSpPr>
+          <p:cNvPr id="87044" name="Rectangle 3"/>
+          <p:cNvSpPr>
+            <a:spLocks noGrp="1" noChangeArrowheads="1"/>
+          </p:cNvSpPr>
+          <p:nvPr>
+            <p:ph type="body" idx="1"/>
+          </p:nvPr>
+        </p:nvSpPr>
+        <p:spPr>
+          <a:noFill/>
+          <a:ln/>
+        </p:spPr>
+        <p:txBody>
+          <a:bodyPr/>
+          <a:lstStyle/>
+          <a:p>
+            <a:pPr eaLnBrk="1" hangingPunct="1"/>
+            <a:endParaRPr lang="en-US" dirty="0"/>
+          </a:p>
+        </p:txBody>
+      </p:sp>
+    </p:spTree>
+    <p:extLst>
+      <p:ext uri="{BB962C8B-B14F-4D97-AF65-F5344CB8AC3E}">
+        <p14:creationId xmlns:p14="http://schemas.microsoft.com/office/powerpoint/2010/main" val="3327362001"/>
+      </p:ext>
+    </p:extLst>
+  </p:cSld>
+  <p:clrMapOvr>
+    <a:masterClrMapping/>
+  </p:clrMapOvr>
+</p:notes>
+</file>
+
+<file path=ppt/notesSlides/notesSlide9.xml><?xml version="1.0" encoding="utf-8"?>
 <p:notes xmlns:a="http://schemas.openxmlformats.org/drawingml/2006/main" xmlns:r="http://schemas.openxmlformats.org/officeDocument/2006/relationships" xmlns:p="http://schemas.openxmlformats.org/presentationml/2006/main">
   <p:cSld>
     <p:bg>
@@ -1395,9 +1582,9 @@
                 <a:latin typeface="Tahoma" pitchFamily="34" charset="0"/>
               </a:rPr>
               <a:pPr eaLnBrk="1" hangingPunct="1"/>
-              <a:t>11</a:t>
+              <a:t>13</a:t>
             </a:fld>
-            <a:endParaRPr lang="en-GB" dirty="0" smtClean="0">
+            <a:endParaRPr lang="en-GB" dirty="0">
               <a:solidFill>
                 <a:srgbClr val="000000"/>
               </a:solidFill>
@@ -1602,7 +1789,7 @@
           <a:bodyPr wrap="none" anchor="ctr"/>
           <a:lstStyle/>
           <a:p>
-            <a:endParaRPr lang="en-US" dirty="0" smtClean="0"/>
+            <a:endParaRPr lang="en-US" dirty="0"/>
           </a:p>
         </p:txBody>
       </p:sp>
@@ -2203,7 +2390,7 @@
           <a:p>
             <a:pPr lvl="0"/>
             <a:r>
-              <a:rPr lang="en-US" noProof="0" smtClean="0"/>
+              <a:rPr lang="en-US" noProof="0"/>
               <a:t>Click to edit Master title style</a:t>
             </a:r>
           </a:p>
@@ -2241,7 +2428,7 @@
           <a:p>
             <a:pPr lvl="0"/>
             <a:r>
-              <a:rPr lang="en-US" noProof="0" smtClean="0"/>
+              <a:rPr lang="en-US" noProof="0"/>
               <a:t>Click to edit Master subtitle style</a:t>
             </a:r>
           </a:p>
@@ -2293,7 +2480,7 @@
           <a:lstStyle/>
           <a:p>
             <a:r>
-              <a:rPr lang="en-US" smtClean="0"/>
+              <a:rPr lang="en-US"/>
               <a:t>Click to edit Master title style</a:t>
             </a:r>
             <a:endParaRPr lang="pt-BR"/>
@@ -2317,35 +2504,35 @@
           <a:p>
             <a:pPr lvl="0"/>
             <a:r>
-              <a:rPr lang="en-US" smtClean="0"/>
+              <a:rPr lang="en-US"/>
               <a:t>Click to edit Master text styles</a:t>
             </a:r>
           </a:p>
           <a:p>
             <a:pPr lvl="1"/>
             <a:r>
-              <a:rPr lang="en-US" smtClean="0"/>
+              <a:rPr lang="en-US"/>
               <a:t>Second level</a:t>
             </a:r>
           </a:p>
           <a:p>
             <a:pPr lvl="2"/>
             <a:r>
-              <a:rPr lang="en-US" smtClean="0"/>
+              <a:rPr lang="en-US"/>
               <a:t>Third level</a:t>
             </a:r>
           </a:p>
           <a:p>
             <a:pPr lvl="3"/>
             <a:r>
-              <a:rPr lang="en-US" smtClean="0"/>
+              <a:rPr lang="en-US"/>
               <a:t>Fourth level</a:t>
             </a:r>
           </a:p>
           <a:p>
             <a:pPr lvl="4"/>
             <a:r>
-              <a:rPr lang="en-US" smtClean="0"/>
+              <a:rPr lang="en-US"/>
               <a:t>Fifth level</a:t>
             </a:r>
             <a:endParaRPr lang="pt-BR"/>
@@ -2398,7 +2585,7 @@
           <a:lstStyle/>
           <a:p>
             <a:r>
-              <a:rPr lang="en-US" smtClean="0"/>
+              <a:rPr lang="en-US"/>
               <a:t>Click to edit Master title style</a:t>
             </a:r>
             <a:endParaRPr lang="pt-BR"/>
@@ -2455,35 +2642,35 @@
           <a:p>
             <a:pPr lvl="0"/>
             <a:r>
-              <a:rPr lang="en-US" smtClean="0"/>
+              <a:rPr lang="en-US"/>
               <a:t>Click to edit Master text styles</a:t>
             </a:r>
           </a:p>
           <a:p>
             <a:pPr lvl="1"/>
             <a:r>
-              <a:rPr lang="en-US" smtClean="0"/>
+              <a:rPr lang="en-US"/>
               <a:t>Second level</a:t>
             </a:r>
           </a:p>
           <a:p>
             <a:pPr lvl="2"/>
             <a:r>
-              <a:rPr lang="en-US" smtClean="0"/>
+              <a:rPr lang="en-US"/>
               <a:t>Third level</a:t>
             </a:r>
           </a:p>
           <a:p>
             <a:pPr lvl="3"/>
             <a:r>
-              <a:rPr lang="en-US" smtClean="0"/>
+              <a:rPr lang="en-US"/>
               <a:t>Fourth level</a:t>
             </a:r>
           </a:p>
           <a:p>
             <a:pPr lvl="4"/>
             <a:r>
-              <a:rPr lang="en-US" smtClean="0"/>
+              <a:rPr lang="en-US"/>
               <a:t>Fifth level</a:t>
             </a:r>
             <a:endParaRPr lang="pt-BR"/>
@@ -2540,35 +2727,35 @@
           <a:p>
             <a:pPr lvl="0"/>
             <a:r>
-              <a:rPr lang="en-US" smtClean="0"/>
+              <a:rPr lang="en-US"/>
               <a:t>Click to edit Master text styles</a:t>
             </a:r>
           </a:p>
           <a:p>
             <a:pPr lvl="1"/>
             <a:r>
-              <a:rPr lang="en-US" smtClean="0"/>
+              <a:rPr lang="en-US"/>
               <a:t>Second level</a:t>
             </a:r>
           </a:p>
           <a:p>
             <a:pPr lvl="2"/>
             <a:r>
-              <a:rPr lang="en-US" smtClean="0"/>
+              <a:rPr lang="en-US"/>
               <a:t>Third level</a:t>
             </a:r>
           </a:p>
           <a:p>
             <a:pPr lvl="3"/>
             <a:r>
-              <a:rPr lang="en-US" smtClean="0"/>
+              <a:rPr lang="en-US"/>
               <a:t>Fourth level</a:t>
             </a:r>
           </a:p>
           <a:p>
             <a:pPr lvl="4"/>
             <a:r>
-              <a:rPr lang="en-US" smtClean="0"/>
+              <a:rPr lang="en-US"/>
               <a:t>Fifth level</a:t>
             </a:r>
             <a:endParaRPr lang="pt-BR"/>
@@ -2630,7 +2817,7 @@
           </a:lstStyle>
           <a:p>
             <a:r>
-              <a:rPr lang="en-US" smtClean="0"/>
+              <a:rPr lang="en-US"/>
               <a:t>Click to edit Master title style</a:t>
             </a:r>
             <a:endParaRPr lang="pt-BR"/>
@@ -2696,7 +2883,7 @@
           <a:p>
             <a:pPr lvl="0"/>
             <a:r>
-              <a:rPr lang="en-US" smtClean="0"/>
+              <a:rPr lang="en-US"/>
               <a:t>Click to edit Master text styles</a:t>
             </a:r>
           </a:p>
@@ -2752,35 +2939,35 @@
           <a:p>
             <a:pPr lvl="0"/>
             <a:r>
-              <a:rPr lang="en-US" smtClean="0"/>
+              <a:rPr lang="en-US"/>
               <a:t>Click to edit Master text styles</a:t>
             </a:r>
           </a:p>
           <a:p>
             <a:pPr lvl="1"/>
             <a:r>
-              <a:rPr lang="en-US" smtClean="0"/>
+              <a:rPr lang="en-US"/>
               <a:t>Second level</a:t>
             </a:r>
           </a:p>
           <a:p>
             <a:pPr lvl="2"/>
             <a:r>
-              <a:rPr lang="en-US" smtClean="0"/>
+              <a:rPr lang="en-US"/>
               <a:t>Third level</a:t>
             </a:r>
           </a:p>
           <a:p>
             <a:pPr lvl="3"/>
             <a:r>
-              <a:rPr lang="en-US" smtClean="0"/>
+              <a:rPr lang="en-US"/>
               <a:t>Fourth level</a:t>
             </a:r>
           </a:p>
           <a:p>
             <a:pPr lvl="4"/>
             <a:r>
-              <a:rPr lang="en-US" smtClean="0"/>
+              <a:rPr lang="en-US"/>
               <a:t>Fifth level</a:t>
             </a:r>
             <a:endParaRPr lang="pt-BR"/>
@@ -2846,7 +3033,7 @@
           <a:p>
             <a:pPr lvl="0"/>
             <a:r>
-              <a:rPr lang="en-US" smtClean="0"/>
+              <a:rPr lang="en-US"/>
               <a:t>Click to edit Master text styles</a:t>
             </a:r>
           </a:p>
@@ -2902,35 +3089,35 @@
           <a:p>
             <a:pPr lvl="0"/>
             <a:r>
-              <a:rPr lang="en-US" smtClean="0"/>
+              <a:rPr lang="en-US"/>
               <a:t>Click to edit Master text styles</a:t>
             </a:r>
           </a:p>
           <a:p>
             <a:pPr lvl="1"/>
             <a:r>
-              <a:rPr lang="en-US" smtClean="0"/>
+              <a:rPr lang="en-US"/>
               <a:t>Second level</a:t>
             </a:r>
           </a:p>
           <a:p>
             <a:pPr lvl="2"/>
             <a:r>
-              <a:rPr lang="en-US" smtClean="0"/>
+              <a:rPr lang="en-US"/>
               <a:t>Third level</a:t>
             </a:r>
           </a:p>
           <a:p>
             <a:pPr lvl="3"/>
             <a:r>
-              <a:rPr lang="en-US" smtClean="0"/>
+              <a:rPr lang="en-US"/>
               <a:t>Fourth level</a:t>
             </a:r>
           </a:p>
           <a:p>
             <a:pPr lvl="4"/>
             <a:r>
-              <a:rPr lang="en-US" smtClean="0"/>
+              <a:rPr lang="en-US"/>
               <a:t>Fifth level</a:t>
             </a:r>
             <a:endParaRPr lang="pt-BR"/>
@@ -2983,7 +3170,7 @@
           <a:lstStyle/>
           <a:p>
             <a:r>
-              <a:rPr lang="en-US" smtClean="0"/>
+              <a:rPr lang="en-US"/>
               <a:t>Click to edit Master title style</a:t>
             </a:r>
             <a:endParaRPr lang="pt-BR"/>
@@ -3036,7 +3223,7 @@
           <a:lstStyle/>
           <a:p>
             <a:r>
-              <a:rPr lang="en-US" smtClean="0"/>
+              <a:rPr lang="en-US"/>
               <a:t>Click to edit Master title style</a:t>
             </a:r>
             <a:endParaRPr lang="pt-BR"/>
@@ -3060,35 +3247,35 @@
           <a:p>
             <a:pPr lvl="0"/>
             <a:r>
-              <a:rPr lang="en-US" smtClean="0"/>
+              <a:rPr lang="en-US"/>
               <a:t>Click to edit Master text styles</a:t>
             </a:r>
           </a:p>
           <a:p>
             <a:pPr lvl="1"/>
             <a:r>
-              <a:rPr lang="en-US" smtClean="0"/>
+              <a:rPr lang="en-US"/>
               <a:t>Second level</a:t>
             </a:r>
           </a:p>
           <a:p>
             <a:pPr lvl="2"/>
             <a:r>
-              <a:rPr lang="en-US" smtClean="0"/>
+              <a:rPr lang="en-US"/>
               <a:t>Third level</a:t>
             </a:r>
           </a:p>
           <a:p>
             <a:pPr lvl="3"/>
             <a:r>
-              <a:rPr lang="en-US" smtClean="0"/>
+              <a:rPr lang="en-US"/>
               <a:t>Fourth level</a:t>
             </a:r>
           </a:p>
           <a:p>
             <a:pPr lvl="4"/>
             <a:r>
-              <a:rPr lang="en-US" smtClean="0"/>
+              <a:rPr lang="en-US"/>
               <a:t>Fifth level</a:t>
             </a:r>
             <a:endParaRPr lang="pt-BR"/>
@@ -3146,7 +3333,7 @@
           <a:lstStyle/>
           <a:p>
             <a:r>
-              <a:rPr lang="en-US" smtClean="0"/>
+              <a:rPr lang="en-US"/>
               <a:t>Click to edit Master title style</a:t>
             </a:r>
             <a:endParaRPr lang="pt-BR"/>
@@ -3175,35 +3362,35 @@
           <a:p>
             <a:pPr lvl="0"/>
             <a:r>
-              <a:rPr lang="en-US" smtClean="0"/>
+              <a:rPr lang="en-US"/>
               <a:t>Click to edit Master text styles</a:t>
             </a:r>
           </a:p>
           <a:p>
             <a:pPr lvl="1"/>
             <a:r>
-              <a:rPr lang="en-US" smtClean="0"/>
+              <a:rPr lang="en-US"/>
               <a:t>Second level</a:t>
             </a:r>
           </a:p>
           <a:p>
             <a:pPr lvl="2"/>
             <a:r>
-              <a:rPr lang="en-US" smtClean="0"/>
+              <a:rPr lang="en-US"/>
               <a:t>Third level</a:t>
             </a:r>
           </a:p>
           <a:p>
             <a:pPr lvl="3"/>
             <a:r>
-              <a:rPr lang="en-US" smtClean="0"/>
+              <a:rPr lang="en-US"/>
               <a:t>Fourth level</a:t>
             </a:r>
           </a:p>
           <a:p>
             <a:pPr lvl="4"/>
             <a:r>
-              <a:rPr lang="en-US" smtClean="0"/>
+              <a:rPr lang="en-US"/>
               <a:t>Fifth level</a:t>
             </a:r>
             <a:endParaRPr lang="pt-BR"/>
@@ -3801,7 +3988,7 @@
           <a:p>
             <a:pPr lvl="0"/>
             <a:r>
-              <a:rPr lang="en-US" altLang="pt-BR" smtClean="0"/>
+              <a:rPr lang="en-US" altLang="pt-BR"/>
               <a:t>Clique para editar o estilo do título mestre</a:t>
             </a:r>
           </a:p>
@@ -3869,35 +4056,35 @@
           <a:p>
             <a:pPr lvl="0"/>
             <a:r>
-              <a:rPr lang="en-US" noProof="0" smtClean="0"/>
+              <a:rPr lang="en-US" noProof="0"/>
               <a:t>Click to edit Master text styles</a:t>
             </a:r>
           </a:p>
           <a:p>
             <a:pPr lvl="1"/>
             <a:r>
-              <a:rPr lang="en-US" noProof="0" smtClean="0"/>
+              <a:rPr lang="en-US" noProof="0"/>
               <a:t>Second level</a:t>
             </a:r>
           </a:p>
           <a:p>
             <a:pPr lvl="2"/>
             <a:r>
-              <a:rPr lang="en-US" noProof="0" smtClean="0"/>
+              <a:rPr lang="en-US" noProof="0"/>
               <a:t>Third level</a:t>
             </a:r>
           </a:p>
           <a:p>
             <a:pPr lvl="3"/>
             <a:r>
-              <a:rPr lang="en-US" noProof="0" smtClean="0"/>
+              <a:rPr lang="en-US" noProof="0"/>
               <a:t>Fourth level</a:t>
             </a:r>
           </a:p>
           <a:p>
             <a:pPr lvl="4"/>
             <a:r>
-              <a:rPr lang="en-US" noProof="0" smtClean="0"/>
+              <a:rPr lang="en-US" noProof="0"/>
               <a:t>Fifth level</a:t>
             </a:r>
             <a:endParaRPr lang="pt-BR" noProof="0" dirty="0"/>
@@ -4062,7 +4249,7 @@
                 </a:solidFill>
                 <a:latin typeface="Arial" panose="020B0604020202020204" pitchFamily="34" charset="0"/>
               </a:rPr>
-              <a:t>12/03/2020</a:t>
+              <a:t>02/04/2020</a:t>
             </a:fld>
             <a:endParaRPr lang="en-US" altLang="pt-BR" sz="900" dirty="0">
               <a:solidFill>
@@ -4232,23 +4419,8 @@
                 </a:solidFill>
                 <a:latin typeface="Arial" panose="020B0604020202020204" pitchFamily="34" charset="0"/>
               </a:rPr>
-              <a:t>http</a:t>
-            </a:r>
-            <a:r>
-              <a:rPr lang="en-US" altLang="pt-BR" sz="900" dirty="0" smtClean="0">
-                <a:solidFill>
-                  <a:srgbClr val="FFFFFF"/>
-                </a:solidFill>
-                <a:latin typeface="Arial" panose="020B0604020202020204" pitchFamily="34" charset="0"/>
-              </a:rPr>
-              <a:t>://escritoriodeprojetos.com.br</a:t>
-            </a:r>
-            <a:endParaRPr lang="en-US" altLang="pt-BR" sz="900" dirty="0">
-              <a:solidFill>
-                <a:srgbClr val="FFFFFF"/>
-              </a:solidFill>
-              <a:latin typeface="Arial" panose="020B0604020202020204" pitchFamily="34" charset="0"/>
-            </a:endParaRPr>
+              <a:t>http://escritoriodeprojetos.com.br</a:t>
+            </a:r>
           </a:p>
         </p:txBody>
       </p:sp>
@@ -4742,36 +4914,27 @@
           <a:lstStyle/>
           <a:p>
             <a:r>
-              <a:rPr lang="en-US" dirty="0" smtClean="0"/>
+              <a:rPr lang="en-US" dirty="0"/>
               <a:t>Kick-Off</a:t>
             </a:r>
             <a:r>
-              <a:rPr lang="pt-BR" dirty="0" smtClean="0"/>
+              <a:rPr lang="pt-BR" dirty="0"/>
               <a:t> do Projeto</a:t>
-            </a:r>
-            <a:r>
-              <a:rPr lang="pt-BR" dirty="0"/>
-              <a:t/>
             </a:r>
             <a:br>
               <a:rPr lang="pt-BR" dirty="0"/>
             </a:br>
             <a:r>
               <a:rPr lang="pt-BR" dirty="0"/>
-              <a:t>[Projeto</a:t>
-            </a:r>
-            <a:r>
-              <a:rPr lang="pt-BR" dirty="0" smtClean="0"/>
-              <a:t>]</a:t>
+              <a:t>[Projeto]</a:t>
             </a:r>
             <a:br>
-              <a:rPr lang="pt-BR" dirty="0" smtClean="0"/>
+              <a:rPr lang="pt-BR" dirty="0"/>
             </a:br>
             <a:r>
-              <a:rPr lang="pt-BR" dirty="0" smtClean="0"/>
+              <a:rPr lang="pt-BR" dirty="0"/>
               <a:t>[Cliente]</a:t>
             </a:r>
-            <a:endParaRPr lang="pt-BR" dirty="0"/>
           </a:p>
         </p:txBody>
       </p:sp>
@@ -4796,10 +4959,9 @@
           <a:lstStyle/>
           <a:p>
             <a:r>
-              <a:rPr lang="pt-BR" dirty="0" smtClean="0"/>
+              <a:rPr lang="pt-BR" dirty="0"/>
               <a:t>[Gerente do Projeto]</a:t>
             </a:r>
-            <a:endParaRPr lang="pt-BR" dirty="0"/>
           </a:p>
         </p:txBody>
       </p:sp>
@@ -4813,13 +4975,6 @@
   <p:clrMapOvr>
     <a:masterClrMapping/>
   </p:clrMapOvr>
-  <p:timing>
-    <p:tnLst>
-      <p:par>
-        <p:cTn id="1" dur="indefinite" restart="never" nodeType="tmRoot"/>
-      </p:par>
-    </p:tnLst>
-  </p:timing>
 </p:sld>
 </file>
 
@@ -4842,7 +4997,7 @@
       </p:grpSpPr>
       <p:sp>
         <p:nvSpPr>
-          <p:cNvPr id="269314" name="Rectangle 2"/>
+          <p:cNvPr id="34819" name="Rectangle 2"/>
           <p:cNvSpPr>
             <a:spLocks noGrp="1" noChangeArrowheads="1"/>
           </p:cNvSpPr>
@@ -4855,29 +5010,22 @@
           <a:bodyPr/>
           <a:lstStyle/>
           <a:p>
-            <a:r>
-              <a:rPr lang="pt-BR" dirty="0" smtClean="0"/>
-              <a:t>Próximos</a:t>
-            </a:r>
-            <a:r>
-              <a:rPr lang="en-US" dirty="0" smtClean="0"/>
-              <a:t> </a:t>
-            </a:r>
-            <a:r>
-              <a:rPr lang="en-US" dirty="0"/>
-              <a:t>Passos</a:t>
+            <a:pPr eaLnBrk="1" hangingPunct="1"/>
+            <a:r>
+              <a:rPr lang="pt-BR" dirty="0"/>
+              <a:t>Execução e Controle</a:t>
             </a:r>
           </a:p>
         </p:txBody>
       </p:sp>
       <p:sp>
         <p:nvSpPr>
-          <p:cNvPr id="269315" name="Rectangle 3"/>
+          <p:cNvPr id="34820" name="Rectangle 3"/>
           <p:cNvSpPr>
             <a:spLocks noGrp="1" noChangeArrowheads="1"/>
           </p:cNvSpPr>
           <p:nvPr>
-            <p:ph type="body" idx="1"/>
+            <p:ph idx="1"/>
           </p:nvPr>
         </p:nvSpPr>
         <p:spPr/>
@@ -4885,41 +5033,1496 @@
           <a:bodyPr/>
           <a:lstStyle/>
           <a:p>
-            <a:r>
-              <a:rPr lang="pt-BR" dirty="0" smtClean="0"/>
-              <a:t>Registar ata do Kick-off e aprovar o termo de abertura do projeto</a:t>
-            </a:r>
-          </a:p>
-          <a:p>
-            <a:r>
-              <a:rPr lang="pt-BR" dirty="0" smtClean="0"/>
-              <a:t>Próxima reunião em ...</a:t>
-            </a:r>
-            <a:endParaRPr lang="pt-BR" dirty="0"/>
+            <a:pPr eaLnBrk="1" hangingPunct="1"/>
+            <a:r>
+              <a:rPr lang="pt-BR" dirty="0"/>
+              <a:t>Objetivo: coordenar os recursos para realizar o que foi planejado e controlar variação ocorrida.</a:t>
+            </a:r>
+          </a:p>
+          <a:p>
+            <a:pPr eaLnBrk="1" hangingPunct="1"/>
+            <a:r>
+              <a:rPr lang="pt-BR" dirty="0"/>
+              <a:t>Variações identificadas por comparação do realizado com linhas de base de prazo, custo e escopo salvas no planejamento.</a:t>
+            </a:r>
+          </a:p>
+          <a:p>
+            <a:pPr eaLnBrk="1" hangingPunct="1"/>
+            <a:r>
+              <a:rPr lang="pt-BR" dirty="0"/>
+              <a:t>GP:</a:t>
+            </a:r>
+          </a:p>
+          <a:p>
+            <a:pPr lvl="1" eaLnBrk="1" hangingPunct="1"/>
+            <a:r>
+              <a:rPr lang="pt-BR" dirty="0"/>
+              <a:t>Certifica-se que as entregas estejam alinhadas com o escopo;</a:t>
+            </a:r>
+          </a:p>
+          <a:p>
+            <a:pPr lvl="1" eaLnBrk="1" hangingPunct="1"/>
+            <a:r>
+              <a:rPr lang="pt-BR" dirty="0"/>
+              <a:t>Defende o escopo de mudanças;</a:t>
+            </a:r>
+          </a:p>
+          <a:p>
+            <a:pPr lvl="1" eaLnBrk="1" hangingPunct="1"/>
+            <a:r>
+              <a:rPr lang="pt-BR" dirty="0"/>
+              <a:t>Confirma o nível de qualidade do trabalho executado;</a:t>
+            </a:r>
+          </a:p>
+          <a:p>
+            <a:pPr lvl="1" eaLnBrk="1" hangingPunct="1"/>
+            <a:r>
+              <a:rPr lang="pt-BR" dirty="0"/>
+              <a:t>Controla variações ocorridas;</a:t>
+            </a:r>
+          </a:p>
+          <a:p>
+            <a:pPr lvl="1" eaLnBrk="1" hangingPunct="1"/>
+            <a:r>
+              <a:rPr lang="pt-BR" dirty="0"/>
+              <a:t>Comunica o progresso do projeto aos principais interessados.</a:t>
+            </a:r>
+          </a:p>
+          <a:p>
+            <a:pPr eaLnBrk="1" hangingPunct="1"/>
+            <a:r>
+              <a:rPr lang="pt-BR" dirty="0"/>
+              <a:t>Equipe do projeto executa suas atividades e relata o progresso ao GP.</a:t>
+            </a:r>
           </a:p>
         </p:txBody>
       </p:sp>
     </p:spTree>
     <p:extLst>
       <p:ext uri="{BB962C8B-B14F-4D97-AF65-F5344CB8AC3E}">
-        <p14:creationId xmlns:p14="http://schemas.microsoft.com/office/powerpoint/2010/main" val="559843780"/>
+        <p14:creationId xmlns:p14="http://schemas.microsoft.com/office/powerpoint/2010/main" val="2084728375"/>
       </p:ext>
     </p:extLst>
   </p:cSld>
   <p:clrMapOvr>
     <a:masterClrMapping/>
   </p:clrMapOvr>
-  <p:timing>
-    <p:tnLst>
-      <p:par>
-        <p:cTn id="1" dur="indefinite" restart="never" nodeType="tmRoot"/>
-      </p:par>
-    </p:tnLst>
-  </p:timing>
+  <p:transition/>
 </p:sld>
 </file>
 
 <file path=ppt/slides/slide11.xml><?xml version="1.0" encoding="utf-8"?>
+<p:sld xmlns:a="http://schemas.openxmlformats.org/drawingml/2006/main" xmlns:r="http://schemas.openxmlformats.org/officeDocument/2006/relationships" xmlns:p="http://schemas.openxmlformats.org/presentationml/2006/main">
+  <p:cSld>
+    <p:spTree>
+      <p:nvGrpSpPr>
+        <p:cNvPr id="1" name=""/>
+        <p:cNvGrpSpPr/>
+        <p:nvPr/>
+      </p:nvGrpSpPr>
+      <p:grpSpPr>
+        <a:xfrm>
+          <a:off x="0" y="0"/>
+          <a:ext cx="0" cy="0"/>
+          <a:chOff x="0" y="0"/>
+          <a:chExt cx="0" cy="0"/>
+        </a:xfrm>
+      </p:grpSpPr>
+      <p:sp>
+        <p:nvSpPr>
+          <p:cNvPr id="35843" name="Rectangle 2"/>
+          <p:cNvSpPr>
+            <a:spLocks noGrp="1" noChangeArrowheads="1"/>
+          </p:cNvSpPr>
+          <p:nvPr>
+            <p:ph type="title"/>
+          </p:nvPr>
+        </p:nvSpPr>
+        <p:spPr/>
+        <p:txBody>
+          <a:bodyPr/>
+          <a:lstStyle/>
+          <a:p>
+            <a:pPr eaLnBrk="1" hangingPunct="1"/>
+            <a:r>
+              <a:rPr lang="pt-BR" dirty="0"/>
+              <a:t>Execução e Controle – Principais artefatos</a:t>
+            </a:r>
+          </a:p>
+        </p:txBody>
+      </p:sp>
+      <p:graphicFrame>
+        <p:nvGraphicFramePr>
+          <p:cNvPr id="5" name="Group 3"/>
+          <p:cNvGraphicFramePr>
+            <a:graphicFrameLocks/>
+          </p:cNvGraphicFramePr>
+          <p:nvPr>
+            <p:extLst>
+              <p:ext uri="{D42A27DB-BD31-4B8C-83A1-F6EECF244321}">
+                <p14:modId xmlns:p14="http://schemas.microsoft.com/office/powerpoint/2010/main" val="2900667527"/>
+              </p:ext>
+            </p:extLst>
+          </p:nvPr>
+        </p:nvGraphicFramePr>
+        <p:xfrm>
+          <a:off x="71438" y="1124744"/>
+          <a:ext cx="9037066" cy="2328672"/>
+        </p:xfrm>
+        <a:graphic>
+          <a:graphicData uri="http://schemas.openxmlformats.org/drawingml/2006/table">
+            <a:tbl>
+              <a:tblPr firstRow="1">
+                <a:tableStyleId>{69012ECD-51FC-41F1-AA8D-1B2483CD663E}</a:tableStyleId>
+              </a:tblPr>
+              <a:tblGrid>
+                <a:gridCol w="1672356">
+                  <a:extLst>
+                    <a:ext uri="{9D8B030D-6E8A-4147-A177-3AD203B41FA5}">
+                      <a16:colId xmlns:a16="http://schemas.microsoft.com/office/drawing/2014/main" val="20000"/>
+                    </a:ext>
+                  </a:extLst>
+                </a:gridCol>
+                <a:gridCol w="3415751">
+                  <a:extLst>
+                    <a:ext uri="{9D8B030D-6E8A-4147-A177-3AD203B41FA5}">
+                      <a16:colId xmlns:a16="http://schemas.microsoft.com/office/drawing/2014/main" val="20001"/>
+                    </a:ext>
+                  </a:extLst>
+                </a:gridCol>
+                <a:gridCol w="1280906">
+                  <a:extLst>
+                    <a:ext uri="{9D8B030D-6E8A-4147-A177-3AD203B41FA5}">
+                      <a16:colId xmlns:a16="http://schemas.microsoft.com/office/drawing/2014/main" val="20002"/>
+                    </a:ext>
+                  </a:extLst>
+                </a:gridCol>
+                <a:gridCol w="1707875">
+                  <a:extLst>
+                    <a:ext uri="{9D8B030D-6E8A-4147-A177-3AD203B41FA5}">
+                      <a16:colId xmlns:a16="http://schemas.microsoft.com/office/drawing/2014/main" val="20003"/>
+                    </a:ext>
+                  </a:extLst>
+                </a:gridCol>
+                <a:gridCol w="960178">
+                  <a:extLst>
+                    <a:ext uri="{9D8B030D-6E8A-4147-A177-3AD203B41FA5}">
+                      <a16:colId xmlns:a16="http://schemas.microsoft.com/office/drawing/2014/main" val="20004"/>
+                    </a:ext>
+                  </a:extLst>
+                </a:gridCol>
+              </a:tblGrid>
+              <a:tr h="329785">
+                <a:tc>
+                  <a:txBody>
+                    <a:bodyPr/>
+                    <a:lstStyle/>
+                    <a:p>
+                      <a:pPr marL="0" marR="0" lvl="0" indent="0" algn="l" defTabSz="914400" rtl="0" eaLnBrk="1" fontAlgn="base" latinLnBrk="0" hangingPunct="1">
+                        <a:lnSpc>
+                          <a:spcPct val="100000"/>
+                        </a:lnSpc>
+                        <a:spcBef>
+                          <a:spcPct val="20000"/>
+                        </a:spcBef>
+                        <a:spcAft>
+                          <a:spcPct val="0"/>
+                        </a:spcAft>
+                        <a:buClr>
+                          <a:schemeClr val="accent1"/>
+                        </a:buClr>
+                        <a:buSzTx/>
+                        <a:buFont typeface="Webdings" pitchFamily="18" charset="2"/>
+                        <a:buNone/>
+                        <a:tabLst/>
+                      </a:pPr>
+                      <a:r>
+                        <a:rPr kumimoji="0" lang="pt-BR" sz="1600" u="none" strike="noStrike" cap="none" normalizeH="0" baseline="0" dirty="0">
+                          <a:ln>
+                            <a:noFill/>
+                          </a:ln>
+                          <a:effectLst/>
+                        </a:rPr>
+                        <a:t>What?</a:t>
+                      </a:r>
+                    </a:p>
+                    <a:p>
+                      <a:pPr marL="0" marR="0" lvl="0" indent="0" algn="l" defTabSz="914400" rtl="0" eaLnBrk="1" fontAlgn="base" latinLnBrk="0" hangingPunct="1">
+                        <a:lnSpc>
+                          <a:spcPct val="100000"/>
+                        </a:lnSpc>
+                        <a:spcBef>
+                          <a:spcPct val="20000"/>
+                        </a:spcBef>
+                        <a:spcAft>
+                          <a:spcPct val="0"/>
+                        </a:spcAft>
+                        <a:buClr>
+                          <a:schemeClr val="accent1"/>
+                        </a:buClr>
+                        <a:buSzTx/>
+                        <a:buFont typeface="Webdings" pitchFamily="18" charset="2"/>
+                        <a:buNone/>
+                        <a:tabLst/>
+                      </a:pPr>
+                      <a:r>
+                        <a:rPr kumimoji="0" lang="pt-BR" sz="1400" u="none" strike="noStrike" cap="none" normalizeH="0" baseline="0" dirty="0">
+                          <a:ln>
+                            <a:noFill/>
+                          </a:ln>
+                          <a:effectLst/>
+                        </a:rPr>
+                        <a:t>Qual informação</a:t>
+                      </a:r>
+                      <a:endParaRPr kumimoji="0" lang="en-US" sz="1600" b="0" i="0" u="none" strike="noStrike" cap="none" normalizeH="0" baseline="0" dirty="0">
+                        <a:ln>
+                          <a:noFill/>
+                        </a:ln>
+                        <a:solidFill>
+                          <a:schemeClr val="tx2"/>
+                        </a:solidFill>
+                        <a:effectLst/>
+                        <a:latin typeface="Arial" charset="0"/>
+                      </a:endParaRPr>
+                    </a:p>
+                  </a:txBody>
+                  <a:tcPr horzOverflow="overflow"/>
+                </a:tc>
+                <a:tc>
+                  <a:txBody>
+                    <a:bodyPr/>
+                    <a:lstStyle/>
+                    <a:p>
+                      <a:pPr marL="0" marR="0" lvl="0" indent="0" algn="l" defTabSz="914400" rtl="0" eaLnBrk="1" fontAlgn="base" latinLnBrk="0" hangingPunct="1">
+                        <a:lnSpc>
+                          <a:spcPct val="100000"/>
+                        </a:lnSpc>
+                        <a:spcBef>
+                          <a:spcPct val="20000"/>
+                        </a:spcBef>
+                        <a:spcAft>
+                          <a:spcPct val="0"/>
+                        </a:spcAft>
+                        <a:buClr>
+                          <a:schemeClr val="accent1"/>
+                        </a:buClr>
+                        <a:buSzTx/>
+                        <a:buFont typeface="Webdings" pitchFamily="18" charset="2"/>
+                        <a:buNone/>
+                        <a:tabLst/>
+                      </a:pPr>
+                      <a:r>
+                        <a:rPr kumimoji="0" lang="pt-BR" sz="1600" u="none" strike="noStrike" cap="none" normalizeH="0" baseline="0" dirty="0">
+                          <a:ln>
+                            <a:noFill/>
+                          </a:ln>
+                          <a:effectLst/>
+                        </a:rPr>
+                        <a:t>Why?</a:t>
+                      </a:r>
+                    </a:p>
+                    <a:p>
+                      <a:pPr marL="0" marR="0" lvl="0" indent="0" algn="l" defTabSz="914400" rtl="0" eaLnBrk="1" fontAlgn="base" latinLnBrk="0" hangingPunct="1">
+                        <a:lnSpc>
+                          <a:spcPct val="100000"/>
+                        </a:lnSpc>
+                        <a:spcBef>
+                          <a:spcPct val="20000"/>
+                        </a:spcBef>
+                        <a:spcAft>
+                          <a:spcPct val="0"/>
+                        </a:spcAft>
+                        <a:buClr>
+                          <a:schemeClr val="accent1"/>
+                        </a:buClr>
+                        <a:buSzTx/>
+                        <a:buFont typeface="Webdings" pitchFamily="18" charset="2"/>
+                        <a:buNone/>
+                        <a:tabLst/>
+                      </a:pPr>
+                      <a:r>
+                        <a:rPr kumimoji="0" lang="pt-BR" sz="1400" u="none" strike="noStrike" cap="none" normalizeH="0" baseline="0" dirty="0">
+                          <a:ln>
+                            <a:noFill/>
+                          </a:ln>
+                          <a:effectLst/>
+                        </a:rPr>
+                        <a:t>Qual propósito</a:t>
+                      </a:r>
+                      <a:endParaRPr kumimoji="0" lang="en-US" sz="1400" b="0" i="0" u="none" strike="noStrike" cap="none" normalizeH="0" baseline="0" dirty="0">
+                        <a:ln>
+                          <a:noFill/>
+                        </a:ln>
+                        <a:solidFill>
+                          <a:schemeClr val="tx2"/>
+                        </a:solidFill>
+                        <a:effectLst/>
+                        <a:latin typeface="Arial" charset="0"/>
+                      </a:endParaRPr>
+                    </a:p>
+                  </a:txBody>
+                  <a:tcPr horzOverflow="overflow"/>
+                </a:tc>
+                <a:tc>
+                  <a:txBody>
+                    <a:bodyPr/>
+                    <a:lstStyle/>
+                    <a:p>
+                      <a:pPr marL="0" marR="0" lvl="0" indent="0" algn="l" defTabSz="914400" rtl="0" eaLnBrk="1" fontAlgn="base" latinLnBrk="0" hangingPunct="1">
+                        <a:lnSpc>
+                          <a:spcPct val="100000"/>
+                        </a:lnSpc>
+                        <a:spcBef>
+                          <a:spcPct val="20000"/>
+                        </a:spcBef>
+                        <a:spcAft>
+                          <a:spcPct val="0"/>
+                        </a:spcAft>
+                        <a:buClr>
+                          <a:schemeClr val="accent1"/>
+                        </a:buClr>
+                        <a:buSzTx/>
+                        <a:buFont typeface="Webdings" pitchFamily="18" charset="2"/>
+                        <a:buNone/>
+                        <a:tabLst/>
+                      </a:pPr>
+                      <a:r>
+                        <a:rPr kumimoji="0" lang="en-US" sz="1600" u="none" strike="noStrike" cap="none" normalizeH="0" baseline="0" dirty="0">
+                          <a:ln>
+                            <a:noFill/>
+                          </a:ln>
+                          <a:effectLst/>
+                        </a:rPr>
+                        <a:t>Who?</a:t>
+                      </a:r>
+                      <a:br>
+                        <a:rPr kumimoji="0" lang="en-US" sz="1600" u="none" strike="noStrike" cap="none" normalizeH="0" baseline="0" dirty="0">
+                          <a:ln>
+                            <a:noFill/>
+                          </a:ln>
+                          <a:effectLst/>
+                        </a:rPr>
+                      </a:br>
+                      <a:r>
+                        <a:rPr kumimoji="0" lang="pt-BR" sz="1400" u="none" strike="noStrike" cap="none" normalizeH="0" baseline="0" noProof="0" dirty="0">
+                          <a:ln>
+                            <a:noFill/>
+                          </a:ln>
+                          <a:effectLst/>
+                        </a:rPr>
+                        <a:t>Responsável</a:t>
+                      </a:r>
+                      <a:endParaRPr kumimoji="0" lang="pt-BR" sz="1600" b="0" i="0" u="none" strike="noStrike" cap="none" normalizeH="0" baseline="0" noProof="0" dirty="0">
+                        <a:ln>
+                          <a:noFill/>
+                        </a:ln>
+                        <a:solidFill>
+                          <a:schemeClr val="tx2"/>
+                        </a:solidFill>
+                        <a:effectLst/>
+                        <a:latin typeface="Arial" charset="0"/>
+                      </a:endParaRPr>
+                    </a:p>
+                  </a:txBody>
+                  <a:tcPr horzOverflow="overflow"/>
+                </a:tc>
+                <a:tc>
+                  <a:txBody>
+                    <a:bodyPr/>
+                    <a:lstStyle/>
+                    <a:p>
+                      <a:pPr marL="0" marR="0" lvl="0" indent="0" algn="l" defTabSz="914400" rtl="0" eaLnBrk="1" fontAlgn="base" latinLnBrk="0" hangingPunct="1">
+                        <a:lnSpc>
+                          <a:spcPct val="100000"/>
+                        </a:lnSpc>
+                        <a:spcBef>
+                          <a:spcPct val="20000"/>
+                        </a:spcBef>
+                        <a:spcAft>
+                          <a:spcPct val="0"/>
+                        </a:spcAft>
+                        <a:buClr>
+                          <a:schemeClr val="accent1"/>
+                        </a:buClr>
+                        <a:buSzTx/>
+                        <a:buFont typeface="Webdings" pitchFamily="18" charset="2"/>
+                        <a:buNone/>
+                        <a:tabLst/>
+                      </a:pPr>
+                      <a:r>
+                        <a:rPr kumimoji="0" lang="en-US" sz="1600" u="none" strike="noStrike" cap="none" normalizeH="0" baseline="0" dirty="0">
+                          <a:ln>
+                            <a:noFill/>
+                          </a:ln>
+                          <a:effectLst/>
+                        </a:rPr>
+                        <a:t>When?</a:t>
+                      </a:r>
+                    </a:p>
+                    <a:p>
+                      <a:pPr marL="0" marR="0" lvl="0" indent="0" algn="l" defTabSz="914400" rtl="0" eaLnBrk="1" fontAlgn="base" latinLnBrk="0" hangingPunct="1">
+                        <a:lnSpc>
+                          <a:spcPct val="100000"/>
+                        </a:lnSpc>
+                        <a:spcBef>
+                          <a:spcPct val="20000"/>
+                        </a:spcBef>
+                        <a:spcAft>
+                          <a:spcPct val="0"/>
+                        </a:spcAft>
+                        <a:buClr>
+                          <a:schemeClr val="accent1"/>
+                        </a:buClr>
+                        <a:buSzTx/>
+                        <a:buFont typeface="Webdings" pitchFamily="18" charset="2"/>
+                        <a:buNone/>
+                        <a:tabLst/>
+                      </a:pPr>
+                      <a:r>
+                        <a:rPr kumimoji="0" lang="pt-BR" sz="1400" u="none" strike="noStrike" cap="none" normalizeH="0" baseline="0" noProof="0" dirty="0">
+                          <a:ln>
+                            <a:noFill/>
+                          </a:ln>
+                          <a:effectLst/>
+                        </a:rPr>
+                        <a:t>Periodicidade</a:t>
+                      </a:r>
+                      <a:endParaRPr kumimoji="0" lang="pt-BR" sz="1400" b="0" i="0" u="none" strike="noStrike" cap="none" normalizeH="0" baseline="0" noProof="0" dirty="0">
+                        <a:ln>
+                          <a:noFill/>
+                        </a:ln>
+                        <a:solidFill>
+                          <a:schemeClr val="tx2"/>
+                        </a:solidFill>
+                        <a:effectLst/>
+                        <a:latin typeface="Arial" charset="0"/>
+                      </a:endParaRPr>
+                    </a:p>
+                  </a:txBody>
+                  <a:tcPr horzOverflow="overflow"/>
+                </a:tc>
+                <a:tc>
+                  <a:txBody>
+                    <a:bodyPr/>
+                    <a:lstStyle/>
+                    <a:p>
+                      <a:pPr marL="0" marR="0" lvl="0" indent="0" algn="l" defTabSz="914400" rtl="0" eaLnBrk="1" fontAlgn="base" latinLnBrk="0" hangingPunct="1">
+                        <a:lnSpc>
+                          <a:spcPct val="100000"/>
+                        </a:lnSpc>
+                        <a:spcBef>
+                          <a:spcPct val="20000"/>
+                        </a:spcBef>
+                        <a:spcAft>
+                          <a:spcPct val="0"/>
+                        </a:spcAft>
+                        <a:buClr>
+                          <a:schemeClr val="accent1"/>
+                        </a:buClr>
+                        <a:buSzTx/>
+                        <a:buFont typeface="Webdings" pitchFamily="18" charset="2"/>
+                        <a:buNone/>
+                        <a:tabLst/>
+                      </a:pPr>
+                      <a:r>
+                        <a:rPr kumimoji="0" lang="en-US" sz="1600" u="none" strike="noStrike" cap="none" normalizeH="0" baseline="0" dirty="0">
+                          <a:ln>
+                            <a:noFill/>
+                          </a:ln>
+                          <a:effectLst/>
+                        </a:rPr>
+                        <a:t>How?</a:t>
+                      </a:r>
+                    </a:p>
+                    <a:p>
+                      <a:pPr marL="0" marR="0" lvl="0" indent="0" algn="l" defTabSz="914400" rtl="0" eaLnBrk="1" fontAlgn="base" latinLnBrk="0" hangingPunct="1">
+                        <a:lnSpc>
+                          <a:spcPct val="100000"/>
+                        </a:lnSpc>
+                        <a:spcBef>
+                          <a:spcPct val="20000"/>
+                        </a:spcBef>
+                        <a:spcAft>
+                          <a:spcPct val="0"/>
+                        </a:spcAft>
+                        <a:buClr>
+                          <a:schemeClr val="accent1"/>
+                        </a:buClr>
+                        <a:buSzTx/>
+                        <a:buFont typeface="Webdings" pitchFamily="18" charset="2"/>
+                        <a:buNone/>
+                        <a:tabLst/>
+                      </a:pPr>
+                      <a:r>
+                        <a:rPr kumimoji="0" lang="en-US" sz="1400" u="none" strike="noStrike" cap="none" normalizeH="0" baseline="0" dirty="0">
+                          <a:ln>
+                            <a:noFill/>
+                          </a:ln>
+                          <a:effectLst/>
+                        </a:rPr>
+                        <a:t>Forma</a:t>
+                      </a:r>
+                      <a:endParaRPr kumimoji="0" lang="en-US" sz="1400" b="0" i="0" u="none" strike="noStrike" cap="none" normalizeH="0" baseline="0" dirty="0">
+                        <a:ln>
+                          <a:noFill/>
+                        </a:ln>
+                        <a:solidFill>
+                          <a:schemeClr val="tx2"/>
+                        </a:solidFill>
+                        <a:effectLst/>
+                        <a:latin typeface="Arial" charset="0"/>
+                      </a:endParaRPr>
+                    </a:p>
+                  </a:txBody>
+                  <a:tcPr horzOverflow="overflow"/>
+                </a:tc>
+                <a:extLst>
+                  <a:ext uri="{0D108BD9-81ED-4DB2-BD59-A6C34878D82A}">
+                    <a16:rowId xmlns:a16="http://schemas.microsoft.com/office/drawing/2014/main" val="10000"/>
+                  </a:ext>
+                </a:extLst>
+              </a:tr>
+              <a:tr h="329785">
+                <a:tc>
+                  <a:txBody>
+                    <a:bodyPr/>
+                    <a:lstStyle/>
+                    <a:p>
+                      <a:pPr marL="0" lvl="1">
+                        <a:lnSpc>
+                          <a:spcPct val="90000"/>
+                        </a:lnSpc>
+                      </a:pPr>
+                      <a:r>
+                        <a:rPr lang="pt-BR" sz="1600" dirty="0">
+                          <a:effectLst/>
+                          <a:hlinkClick r:id="rId3"/>
+                        </a:rPr>
+                        <a:t>Registro das mudanças</a:t>
+                      </a:r>
+                      <a:endParaRPr lang="pt-BR" sz="1600" kern="1200" dirty="0">
+                        <a:solidFill>
+                          <a:schemeClr val="tx2"/>
+                        </a:solidFill>
+                        <a:latin typeface="+mn-lt"/>
+                        <a:ea typeface="+mn-ea"/>
+                        <a:cs typeface="+mn-cs"/>
+                      </a:endParaRPr>
+                    </a:p>
+                  </a:txBody>
+                  <a:tcPr horzOverflow="overflow"/>
+                </a:tc>
+                <a:tc>
+                  <a:txBody>
+                    <a:bodyPr/>
+                    <a:lstStyle/>
+                    <a:p>
+                      <a:pPr marL="0" marR="0" lvl="0" indent="0" algn="l" defTabSz="914400" rtl="0" eaLnBrk="1" fontAlgn="base" latinLnBrk="0" hangingPunct="1">
+                        <a:lnSpc>
+                          <a:spcPct val="100000"/>
+                        </a:lnSpc>
+                        <a:spcBef>
+                          <a:spcPct val="20000"/>
+                        </a:spcBef>
+                        <a:spcAft>
+                          <a:spcPct val="0"/>
+                        </a:spcAft>
+                        <a:buClr>
+                          <a:schemeClr val="accent1"/>
+                        </a:buClr>
+                        <a:buSzTx/>
+                        <a:buFont typeface="Webdings" pitchFamily="18" charset="2"/>
+                        <a:buNone/>
+                        <a:tabLst/>
+                      </a:pPr>
+                      <a:r>
+                        <a:rPr kumimoji="0" lang="pt-BR" sz="1600" u="none" strike="noStrike" cap="none" normalizeH="0" baseline="0" dirty="0">
+                          <a:ln>
+                            <a:noFill/>
+                          </a:ln>
+                          <a:effectLst/>
+                        </a:rPr>
+                        <a:t>Registrar cada mudança solicitada e controlar seu status</a:t>
+                      </a:r>
+                      <a:endParaRPr kumimoji="0" lang="en-US" sz="1600" b="0" i="0" u="none" strike="noStrike" cap="none" normalizeH="0" baseline="0" dirty="0">
+                        <a:ln>
+                          <a:noFill/>
+                        </a:ln>
+                        <a:solidFill>
+                          <a:schemeClr val="tx2"/>
+                        </a:solidFill>
+                        <a:effectLst/>
+                        <a:latin typeface="Arial" charset="0"/>
+                      </a:endParaRPr>
+                    </a:p>
+                  </a:txBody>
+                  <a:tcPr horzOverflow="overflow"/>
+                </a:tc>
+                <a:tc>
+                  <a:txBody>
+                    <a:bodyPr/>
+                    <a:lstStyle/>
+                    <a:p>
+                      <a:pPr marL="0" marR="0" lvl="0" indent="0" algn="l" defTabSz="914400" rtl="0" eaLnBrk="1" fontAlgn="base" latinLnBrk="0" hangingPunct="1">
+                        <a:lnSpc>
+                          <a:spcPct val="100000"/>
+                        </a:lnSpc>
+                        <a:spcBef>
+                          <a:spcPct val="20000"/>
+                        </a:spcBef>
+                        <a:spcAft>
+                          <a:spcPct val="0"/>
+                        </a:spcAft>
+                        <a:buClr>
+                          <a:schemeClr val="accent1"/>
+                        </a:buClr>
+                        <a:buSzTx/>
+                        <a:buFont typeface="Webdings" pitchFamily="18" charset="2"/>
+                        <a:buNone/>
+                        <a:tabLst/>
+                      </a:pPr>
+                      <a:r>
+                        <a:rPr kumimoji="0" lang="en-US" sz="1600" u="none" strike="noStrike" cap="none" normalizeH="0" baseline="0" dirty="0">
+                          <a:ln>
+                            <a:noFill/>
+                          </a:ln>
+                          <a:effectLst/>
+                        </a:rPr>
+                        <a:t>GP</a:t>
+                      </a:r>
+                      <a:endParaRPr kumimoji="0" lang="en-US" sz="1600" b="0" i="0" u="none" strike="noStrike" cap="none" normalizeH="0" baseline="0" dirty="0">
+                        <a:ln>
+                          <a:noFill/>
+                        </a:ln>
+                        <a:solidFill>
+                          <a:schemeClr val="tx2"/>
+                        </a:solidFill>
+                        <a:effectLst/>
+                        <a:latin typeface="Arial" charset="0"/>
+                      </a:endParaRPr>
+                    </a:p>
+                  </a:txBody>
+                  <a:tcPr horzOverflow="overflow"/>
+                </a:tc>
+                <a:tc>
+                  <a:txBody>
+                    <a:bodyPr/>
+                    <a:lstStyle/>
+                    <a:p>
+                      <a:pPr marL="0" marR="0" lvl="0" indent="0" algn="l" defTabSz="914400" rtl="0" eaLnBrk="1" fontAlgn="base" latinLnBrk="0" hangingPunct="1">
+                        <a:lnSpc>
+                          <a:spcPct val="100000"/>
+                        </a:lnSpc>
+                        <a:spcBef>
+                          <a:spcPct val="20000"/>
+                        </a:spcBef>
+                        <a:spcAft>
+                          <a:spcPct val="0"/>
+                        </a:spcAft>
+                        <a:buClr>
+                          <a:schemeClr val="accent1"/>
+                        </a:buClr>
+                        <a:buSzTx/>
+                        <a:buFont typeface="Webdings" pitchFamily="18" charset="2"/>
+                        <a:buNone/>
+                        <a:tabLst/>
+                      </a:pPr>
+                      <a:r>
+                        <a:rPr kumimoji="0" lang="en-US" sz="1600" u="none" strike="noStrike" cap="none" normalizeH="0" baseline="0" dirty="0">
+                          <a:ln>
+                            <a:noFill/>
+                          </a:ln>
+                          <a:effectLst/>
+                        </a:rPr>
+                        <a:t>Nova </a:t>
+                      </a:r>
+                      <a:r>
+                        <a:rPr kumimoji="0" lang="pt-BR" sz="1600" u="none" strike="noStrike" cap="none" normalizeH="0" baseline="0" noProof="0" dirty="0">
+                          <a:ln>
+                            <a:noFill/>
+                          </a:ln>
+                          <a:effectLst/>
+                        </a:rPr>
+                        <a:t>solicitação</a:t>
+                      </a:r>
+                      <a:endParaRPr kumimoji="0" lang="pt-BR" sz="1600" b="0" i="0" u="none" strike="noStrike" cap="none" normalizeH="0" baseline="0" noProof="0" dirty="0">
+                        <a:ln>
+                          <a:noFill/>
+                        </a:ln>
+                        <a:solidFill>
+                          <a:schemeClr val="tx2"/>
+                        </a:solidFill>
+                        <a:effectLst/>
+                        <a:latin typeface="Arial" charset="0"/>
+                      </a:endParaRPr>
+                    </a:p>
+                  </a:txBody>
+                  <a:tcPr horzOverflow="overflow"/>
+                </a:tc>
+                <a:tc>
+                  <a:txBody>
+                    <a:bodyPr/>
+                    <a:lstStyle/>
+                    <a:p>
+                      <a:pPr marL="0" marR="0" lvl="0" indent="0" algn="l" defTabSz="914400" rtl="0" eaLnBrk="1" fontAlgn="base" latinLnBrk="0" hangingPunct="1">
+                        <a:lnSpc>
+                          <a:spcPct val="100000"/>
+                        </a:lnSpc>
+                        <a:spcBef>
+                          <a:spcPct val="20000"/>
+                        </a:spcBef>
+                        <a:spcAft>
+                          <a:spcPct val="0"/>
+                        </a:spcAft>
+                        <a:buClr>
+                          <a:schemeClr val="accent1"/>
+                        </a:buClr>
+                        <a:buSzTx/>
+                        <a:buFont typeface="Webdings" pitchFamily="18" charset="2"/>
+                        <a:buNone/>
+                        <a:tabLst/>
+                      </a:pPr>
+                      <a:r>
+                        <a:rPr kumimoji="0" lang="en-US" sz="1600" u="none" strike="noStrike" cap="none" normalizeH="0" baseline="0" dirty="0">
+                          <a:ln>
+                            <a:noFill/>
+                          </a:ln>
+                          <a:effectLst/>
+                        </a:rPr>
+                        <a:t>XLSX</a:t>
+                      </a:r>
+                      <a:endParaRPr kumimoji="0" lang="en-US" sz="1600" b="0" i="0" u="none" strike="noStrike" cap="none" normalizeH="0" baseline="0" dirty="0">
+                        <a:ln>
+                          <a:noFill/>
+                        </a:ln>
+                        <a:solidFill>
+                          <a:schemeClr val="tx2"/>
+                        </a:solidFill>
+                        <a:effectLst/>
+                        <a:latin typeface="Arial" charset="0"/>
+                      </a:endParaRPr>
+                    </a:p>
+                  </a:txBody>
+                  <a:tcPr horzOverflow="overflow"/>
+                </a:tc>
+                <a:extLst>
+                  <a:ext uri="{0D108BD9-81ED-4DB2-BD59-A6C34878D82A}">
+                    <a16:rowId xmlns:a16="http://schemas.microsoft.com/office/drawing/2014/main" val="10001"/>
+                  </a:ext>
+                </a:extLst>
+              </a:tr>
+              <a:tr h="329785">
+                <a:tc>
+                  <a:txBody>
+                    <a:bodyPr/>
+                    <a:lstStyle/>
+                    <a:p>
+                      <a:pPr marL="0" marR="0" lvl="0" indent="0" algn="l" defTabSz="914400" rtl="0" eaLnBrk="1" fontAlgn="base" latinLnBrk="0" hangingPunct="1">
+                        <a:lnSpc>
+                          <a:spcPct val="100000"/>
+                        </a:lnSpc>
+                        <a:spcBef>
+                          <a:spcPts val="0"/>
+                        </a:spcBef>
+                        <a:spcAft>
+                          <a:spcPct val="0"/>
+                        </a:spcAft>
+                        <a:buClr>
+                          <a:schemeClr val="accent1"/>
+                        </a:buClr>
+                        <a:buSzTx/>
+                        <a:buFont typeface="Webdings" pitchFamily="18" charset="2"/>
+                        <a:buNone/>
+                        <a:tabLst/>
+                        <a:defRPr/>
+                      </a:pPr>
+                      <a:r>
+                        <a:rPr lang="pt-BR" sz="1600" dirty="0">
+                          <a:hlinkClick r:id="rId4"/>
+                        </a:rPr>
+                        <a:t>Status Report</a:t>
+                      </a:r>
+                      <a:endParaRPr lang="pt-BR" sz="1600" dirty="0">
+                        <a:solidFill>
+                          <a:schemeClr val="bg2"/>
+                        </a:solidFill>
+                      </a:endParaRPr>
+                    </a:p>
+                  </a:txBody>
+                  <a:tcPr horzOverflow="overflow"/>
+                </a:tc>
+                <a:tc>
+                  <a:txBody>
+                    <a:bodyPr/>
+                    <a:lstStyle/>
+                    <a:p>
+                      <a:pPr marL="0" marR="0" lvl="0" indent="0" algn="l" defTabSz="914400" rtl="0" eaLnBrk="1" fontAlgn="base" latinLnBrk="0" hangingPunct="1">
+                        <a:lnSpc>
+                          <a:spcPct val="100000"/>
+                        </a:lnSpc>
+                        <a:spcBef>
+                          <a:spcPct val="20000"/>
+                        </a:spcBef>
+                        <a:spcAft>
+                          <a:spcPct val="0"/>
+                        </a:spcAft>
+                        <a:buClr>
+                          <a:schemeClr val="accent1"/>
+                        </a:buClr>
+                        <a:buSzTx/>
+                        <a:buFont typeface="Webdings" pitchFamily="18" charset="2"/>
+                        <a:buNone/>
+                        <a:tabLst/>
+                      </a:pPr>
+                      <a:r>
+                        <a:rPr kumimoji="0" lang="pt-BR" sz="1600" u="none" strike="noStrike" cap="none" normalizeH="0" baseline="0" dirty="0">
+                          <a:ln>
+                            <a:noFill/>
+                          </a:ln>
+                          <a:effectLst/>
+                        </a:rPr>
+                        <a:t>Divulgar informações pertinentes ao projeto</a:t>
+                      </a:r>
+                      <a:endParaRPr kumimoji="0" lang="en-US" sz="1600" b="0" i="0" u="none" strike="noStrike" cap="none" normalizeH="0" baseline="0" dirty="0">
+                        <a:ln>
+                          <a:noFill/>
+                        </a:ln>
+                        <a:solidFill>
+                          <a:schemeClr val="tx2"/>
+                        </a:solidFill>
+                        <a:effectLst/>
+                        <a:latin typeface="Arial" charset="0"/>
+                      </a:endParaRPr>
+                    </a:p>
+                  </a:txBody>
+                  <a:tcPr horzOverflow="overflow"/>
+                </a:tc>
+                <a:tc>
+                  <a:txBody>
+                    <a:bodyPr/>
+                    <a:lstStyle/>
+                    <a:p>
+                      <a:pPr marL="0" marR="0" lvl="0" indent="0" algn="l" defTabSz="914400" rtl="0" eaLnBrk="1" fontAlgn="base" latinLnBrk="0" hangingPunct="1">
+                        <a:lnSpc>
+                          <a:spcPct val="100000"/>
+                        </a:lnSpc>
+                        <a:spcBef>
+                          <a:spcPct val="20000"/>
+                        </a:spcBef>
+                        <a:spcAft>
+                          <a:spcPct val="0"/>
+                        </a:spcAft>
+                        <a:buClr>
+                          <a:schemeClr val="accent1"/>
+                        </a:buClr>
+                        <a:buSzTx/>
+                        <a:buFont typeface="Webdings" pitchFamily="18" charset="2"/>
+                        <a:buNone/>
+                        <a:tabLst/>
+                      </a:pPr>
+                      <a:r>
+                        <a:rPr kumimoji="0" lang="en-US" sz="1600" u="none" strike="noStrike" cap="none" normalizeH="0" baseline="0" dirty="0">
+                          <a:ln>
+                            <a:noFill/>
+                          </a:ln>
+                          <a:effectLst/>
+                        </a:rPr>
+                        <a:t>GP</a:t>
+                      </a:r>
+                      <a:endParaRPr kumimoji="0" lang="en-US" sz="1600" b="0" i="0" u="none" strike="noStrike" cap="none" normalizeH="0" baseline="0" dirty="0">
+                        <a:ln>
+                          <a:noFill/>
+                        </a:ln>
+                        <a:solidFill>
+                          <a:schemeClr val="tx2"/>
+                        </a:solidFill>
+                        <a:effectLst/>
+                        <a:latin typeface="Arial" charset="0"/>
+                      </a:endParaRPr>
+                    </a:p>
+                  </a:txBody>
+                  <a:tcPr horzOverflow="overflow"/>
+                </a:tc>
+                <a:tc>
+                  <a:txBody>
+                    <a:bodyPr/>
+                    <a:lstStyle/>
+                    <a:p>
+                      <a:pPr marL="0" marR="0" lvl="0" indent="0" algn="l" defTabSz="914400" rtl="0" eaLnBrk="1" fontAlgn="base" latinLnBrk="0" hangingPunct="1">
+                        <a:lnSpc>
+                          <a:spcPct val="100000"/>
+                        </a:lnSpc>
+                        <a:spcBef>
+                          <a:spcPct val="20000"/>
+                        </a:spcBef>
+                        <a:spcAft>
+                          <a:spcPct val="0"/>
+                        </a:spcAft>
+                        <a:buClr>
+                          <a:schemeClr val="accent1"/>
+                        </a:buClr>
+                        <a:buSzTx/>
+                        <a:buFont typeface="Webdings" pitchFamily="18" charset="2"/>
+                        <a:buNone/>
+                        <a:tabLst/>
+                      </a:pPr>
+                      <a:r>
+                        <a:rPr kumimoji="0" lang="pt-BR" sz="1600" u="none" strike="noStrike" cap="none" normalizeH="0" baseline="0" noProof="0" dirty="0">
+                          <a:ln>
+                            <a:noFill/>
+                          </a:ln>
+                          <a:effectLst/>
+                        </a:rPr>
+                        <a:t>Semanal</a:t>
+                      </a:r>
+                      <a:endParaRPr kumimoji="0" lang="pt-BR" sz="1600" b="0" i="0" u="none" strike="noStrike" cap="none" normalizeH="0" baseline="0" noProof="0" dirty="0">
+                        <a:ln>
+                          <a:noFill/>
+                        </a:ln>
+                        <a:solidFill>
+                          <a:schemeClr val="tx2"/>
+                        </a:solidFill>
+                        <a:effectLst/>
+                        <a:latin typeface="Arial" charset="0"/>
+                      </a:endParaRPr>
+                    </a:p>
+                  </a:txBody>
+                  <a:tcPr horzOverflow="overflow"/>
+                </a:tc>
+                <a:tc>
+                  <a:txBody>
+                    <a:bodyPr/>
+                    <a:lstStyle/>
+                    <a:p>
+                      <a:pPr marL="0" marR="0" lvl="0" indent="0" algn="l" defTabSz="914400" rtl="0" eaLnBrk="1" fontAlgn="base" latinLnBrk="0" hangingPunct="1">
+                        <a:lnSpc>
+                          <a:spcPct val="100000"/>
+                        </a:lnSpc>
+                        <a:spcBef>
+                          <a:spcPct val="20000"/>
+                        </a:spcBef>
+                        <a:spcAft>
+                          <a:spcPct val="0"/>
+                        </a:spcAft>
+                        <a:buClr>
+                          <a:schemeClr val="accent1"/>
+                        </a:buClr>
+                        <a:buSzTx/>
+                        <a:buFont typeface="Webdings" pitchFamily="18" charset="2"/>
+                        <a:buNone/>
+                        <a:tabLst/>
+                      </a:pPr>
+                      <a:r>
+                        <a:rPr kumimoji="0" lang="en-US" sz="1600" u="none" strike="noStrike" cap="none" normalizeH="0" baseline="0" dirty="0">
+                          <a:ln>
+                            <a:noFill/>
+                          </a:ln>
+                          <a:effectLst/>
+                        </a:rPr>
+                        <a:t>PPTX</a:t>
+                      </a:r>
+                      <a:endParaRPr kumimoji="0" lang="en-US" sz="1600" b="0" i="0" u="none" strike="noStrike" cap="none" normalizeH="0" baseline="0" dirty="0">
+                        <a:ln>
+                          <a:noFill/>
+                        </a:ln>
+                        <a:solidFill>
+                          <a:schemeClr val="tx2"/>
+                        </a:solidFill>
+                        <a:effectLst/>
+                        <a:latin typeface="Arial" charset="0"/>
+                      </a:endParaRPr>
+                    </a:p>
+                  </a:txBody>
+                  <a:tcPr horzOverflow="overflow"/>
+                </a:tc>
+                <a:extLst>
+                  <a:ext uri="{0D108BD9-81ED-4DB2-BD59-A6C34878D82A}">
+                    <a16:rowId xmlns:a16="http://schemas.microsoft.com/office/drawing/2014/main" val="10002"/>
+                  </a:ext>
+                </a:extLst>
+              </a:tr>
+              <a:tr h="329785">
+                <a:tc>
+                  <a:txBody>
+                    <a:bodyPr/>
+                    <a:lstStyle/>
+                    <a:p>
+                      <a:pPr marL="0" marR="0" lvl="0" indent="0" algn="l" defTabSz="914400" rtl="0" eaLnBrk="1" fontAlgn="base" latinLnBrk="0" hangingPunct="1">
+                        <a:lnSpc>
+                          <a:spcPct val="100000"/>
+                        </a:lnSpc>
+                        <a:spcBef>
+                          <a:spcPct val="20000"/>
+                        </a:spcBef>
+                        <a:spcAft>
+                          <a:spcPct val="0"/>
+                        </a:spcAft>
+                        <a:buClr>
+                          <a:schemeClr val="accent1"/>
+                        </a:buClr>
+                        <a:buSzTx/>
+                        <a:buFont typeface="Webdings" pitchFamily="18" charset="2"/>
+                        <a:buNone/>
+                        <a:tabLst/>
+                        <a:defRPr/>
+                      </a:pPr>
+                      <a:r>
+                        <a:rPr lang="pt-BR" sz="1600" dirty="0">
+                          <a:hlinkClick r:id="rId5"/>
+                        </a:rPr>
+                        <a:t>Issues Log</a:t>
+                      </a:r>
+                      <a:endParaRPr lang="pt-BR" sz="1600" dirty="0">
+                        <a:solidFill>
+                          <a:schemeClr val="bg2"/>
+                        </a:solidFill>
+                      </a:endParaRPr>
+                    </a:p>
+                  </a:txBody>
+                  <a:tcPr horzOverflow="overflow"/>
+                </a:tc>
+                <a:tc>
+                  <a:txBody>
+                    <a:bodyPr/>
+                    <a:lstStyle/>
+                    <a:p>
+                      <a:pPr marL="0" marR="0" lvl="0" indent="0" algn="l" defTabSz="914400" rtl="0" eaLnBrk="1" fontAlgn="base" latinLnBrk="0" hangingPunct="1">
+                        <a:lnSpc>
+                          <a:spcPct val="100000"/>
+                        </a:lnSpc>
+                        <a:spcBef>
+                          <a:spcPct val="20000"/>
+                        </a:spcBef>
+                        <a:spcAft>
+                          <a:spcPct val="0"/>
+                        </a:spcAft>
+                        <a:buClr>
+                          <a:schemeClr val="accent1"/>
+                        </a:buClr>
+                        <a:buSzTx/>
+                        <a:buFont typeface="Webdings" pitchFamily="18" charset="2"/>
+                        <a:buNone/>
+                        <a:tabLst/>
+                      </a:pPr>
+                      <a:r>
+                        <a:rPr kumimoji="0" lang="pt-BR" sz="1600" u="none" strike="noStrike" cap="none" normalizeH="0" baseline="0" dirty="0">
+                          <a:ln>
+                            <a:noFill/>
+                          </a:ln>
+                          <a:effectLst/>
+                        </a:rPr>
+                        <a:t>Registrar problemas enfrentados no projeto e monitora sua solução</a:t>
+                      </a:r>
+                      <a:endParaRPr kumimoji="0" lang="en-US" sz="1600" b="0" i="0" u="none" strike="noStrike" cap="none" normalizeH="0" baseline="0" dirty="0">
+                        <a:ln>
+                          <a:noFill/>
+                        </a:ln>
+                        <a:solidFill>
+                          <a:schemeClr val="tx2"/>
+                        </a:solidFill>
+                        <a:effectLst/>
+                        <a:latin typeface="Arial" charset="0"/>
+                      </a:endParaRPr>
+                    </a:p>
+                  </a:txBody>
+                  <a:tcPr horzOverflow="overflow"/>
+                </a:tc>
+                <a:tc>
+                  <a:txBody>
+                    <a:bodyPr/>
+                    <a:lstStyle/>
+                    <a:p>
+                      <a:pPr marL="0" marR="0" lvl="0" indent="0" algn="l" defTabSz="914400" rtl="0" eaLnBrk="1" fontAlgn="base" latinLnBrk="0" hangingPunct="1">
+                        <a:lnSpc>
+                          <a:spcPct val="100000"/>
+                        </a:lnSpc>
+                        <a:spcBef>
+                          <a:spcPct val="20000"/>
+                        </a:spcBef>
+                        <a:spcAft>
+                          <a:spcPct val="0"/>
+                        </a:spcAft>
+                        <a:buClr>
+                          <a:schemeClr val="accent1"/>
+                        </a:buClr>
+                        <a:buSzTx/>
+                        <a:buFont typeface="Webdings" pitchFamily="18" charset="2"/>
+                        <a:buNone/>
+                        <a:tabLst/>
+                      </a:pPr>
+                      <a:r>
+                        <a:rPr kumimoji="0" lang="en-US" sz="1600" u="none" strike="noStrike" cap="none" normalizeH="0" baseline="0" dirty="0">
+                          <a:ln>
+                            <a:noFill/>
+                          </a:ln>
+                          <a:effectLst/>
+                        </a:rPr>
+                        <a:t>GP</a:t>
+                      </a:r>
+                      <a:endParaRPr kumimoji="0" lang="en-US" sz="1600" b="0" i="0" u="none" strike="noStrike" cap="none" normalizeH="0" baseline="0" dirty="0">
+                        <a:ln>
+                          <a:noFill/>
+                        </a:ln>
+                        <a:solidFill>
+                          <a:schemeClr val="tx2"/>
+                        </a:solidFill>
+                        <a:effectLst/>
+                        <a:latin typeface="Arial" charset="0"/>
+                      </a:endParaRPr>
+                    </a:p>
+                  </a:txBody>
+                  <a:tcPr horzOverflow="overflow"/>
+                </a:tc>
+                <a:tc>
+                  <a:txBody>
+                    <a:bodyPr/>
+                    <a:lstStyle/>
+                    <a:p>
+                      <a:pPr marL="0" marR="0" lvl="0" indent="0" algn="l" defTabSz="914400" rtl="0" eaLnBrk="1" fontAlgn="base" latinLnBrk="0" hangingPunct="1">
+                        <a:lnSpc>
+                          <a:spcPct val="100000"/>
+                        </a:lnSpc>
+                        <a:spcBef>
+                          <a:spcPct val="20000"/>
+                        </a:spcBef>
+                        <a:spcAft>
+                          <a:spcPct val="0"/>
+                        </a:spcAft>
+                        <a:buClr>
+                          <a:schemeClr val="accent1"/>
+                        </a:buClr>
+                        <a:buSzTx/>
+                        <a:buFont typeface="Webdings" pitchFamily="18" charset="2"/>
+                        <a:buNone/>
+                        <a:tabLst/>
+                      </a:pPr>
+                      <a:r>
+                        <a:rPr kumimoji="0" lang="en-US" sz="1600" u="none" strike="noStrike" cap="none" normalizeH="0" baseline="0" dirty="0">
+                          <a:ln>
+                            <a:noFill/>
+                          </a:ln>
+                          <a:effectLst/>
+                        </a:rPr>
+                        <a:t>Novo </a:t>
+                      </a:r>
+                      <a:r>
+                        <a:rPr kumimoji="0" lang="pt-BR" sz="1600" u="none" strike="noStrike" cap="none" normalizeH="0" baseline="0" noProof="0" dirty="0">
+                          <a:ln>
+                            <a:noFill/>
+                          </a:ln>
+                          <a:effectLst/>
+                        </a:rPr>
+                        <a:t>problema</a:t>
+                      </a:r>
+                      <a:endParaRPr kumimoji="0" lang="pt-BR" sz="1600" b="0" i="0" u="none" strike="noStrike" cap="none" normalizeH="0" baseline="0" noProof="0" dirty="0">
+                        <a:ln>
+                          <a:noFill/>
+                        </a:ln>
+                        <a:solidFill>
+                          <a:schemeClr val="tx2"/>
+                        </a:solidFill>
+                        <a:effectLst/>
+                        <a:latin typeface="Arial" charset="0"/>
+                      </a:endParaRPr>
+                    </a:p>
+                  </a:txBody>
+                  <a:tcPr horzOverflow="overflow"/>
+                </a:tc>
+                <a:tc>
+                  <a:txBody>
+                    <a:bodyPr/>
+                    <a:lstStyle/>
+                    <a:p>
+                      <a:pPr marL="0" marR="0" lvl="0" indent="0" algn="l" defTabSz="914400" rtl="0" eaLnBrk="1" fontAlgn="base" latinLnBrk="0" hangingPunct="1">
+                        <a:lnSpc>
+                          <a:spcPct val="100000"/>
+                        </a:lnSpc>
+                        <a:spcBef>
+                          <a:spcPct val="20000"/>
+                        </a:spcBef>
+                        <a:spcAft>
+                          <a:spcPct val="0"/>
+                        </a:spcAft>
+                        <a:buClr>
+                          <a:schemeClr val="accent1"/>
+                        </a:buClr>
+                        <a:buSzTx/>
+                        <a:buFont typeface="Webdings" pitchFamily="18" charset="2"/>
+                        <a:buNone/>
+                        <a:tabLst/>
+                      </a:pPr>
+                      <a:r>
+                        <a:rPr kumimoji="0" lang="en-US" sz="1600" u="none" strike="noStrike" cap="none" normalizeH="0" baseline="0" dirty="0">
+                          <a:ln>
+                            <a:noFill/>
+                          </a:ln>
+                          <a:effectLst/>
+                        </a:rPr>
+                        <a:t>XLSX</a:t>
+                      </a:r>
+                      <a:endParaRPr kumimoji="0" lang="en-US" sz="1600" b="0" i="0" u="none" strike="noStrike" cap="none" normalizeH="0" baseline="0" dirty="0">
+                        <a:ln>
+                          <a:noFill/>
+                        </a:ln>
+                        <a:solidFill>
+                          <a:schemeClr val="tx2"/>
+                        </a:solidFill>
+                        <a:effectLst/>
+                        <a:latin typeface="Arial" charset="0"/>
+                      </a:endParaRPr>
+                    </a:p>
+                  </a:txBody>
+                  <a:tcPr horzOverflow="overflow"/>
+                </a:tc>
+                <a:extLst>
+                  <a:ext uri="{0D108BD9-81ED-4DB2-BD59-A6C34878D82A}">
+                    <a16:rowId xmlns:a16="http://schemas.microsoft.com/office/drawing/2014/main" val="10003"/>
+                  </a:ext>
+                </a:extLst>
+              </a:tr>
+            </a:tbl>
+          </a:graphicData>
+        </a:graphic>
+      </p:graphicFrame>
+    </p:spTree>
+    <p:extLst>
+      <p:ext uri="{BB962C8B-B14F-4D97-AF65-F5344CB8AC3E}">
+        <p14:creationId xmlns:p14="http://schemas.microsoft.com/office/powerpoint/2010/main" val="385075204"/>
+      </p:ext>
+    </p:extLst>
+  </p:cSld>
+  <p:clrMapOvr>
+    <a:masterClrMapping/>
+  </p:clrMapOvr>
+  <p:transition/>
+</p:sld>
+</file>
+
+<file path=ppt/slides/slide12.xml><?xml version="1.0" encoding="utf-8"?>
+<p:sld xmlns:a="http://schemas.openxmlformats.org/drawingml/2006/main" xmlns:r="http://schemas.openxmlformats.org/officeDocument/2006/relationships" xmlns:p="http://schemas.openxmlformats.org/presentationml/2006/main">
+  <p:cSld>
+    <p:spTree>
+      <p:nvGrpSpPr>
+        <p:cNvPr id="1" name=""/>
+        <p:cNvGrpSpPr/>
+        <p:nvPr/>
+      </p:nvGrpSpPr>
+      <p:grpSpPr>
+        <a:xfrm>
+          <a:off x="0" y="0"/>
+          <a:ext cx="0" cy="0"/>
+          <a:chOff x="0" y="0"/>
+          <a:chExt cx="0" cy="0"/>
+        </a:xfrm>
+      </p:grpSpPr>
+      <p:sp>
+        <p:nvSpPr>
+          <p:cNvPr id="43011" name="Rectangle 2"/>
+          <p:cNvSpPr>
+            <a:spLocks noGrp="1" noChangeArrowheads="1"/>
+          </p:cNvSpPr>
+          <p:nvPr>
+            <p:ph type="title"/>
+          </p:nvPr>
+        </p:nvSpPr>
+        <p:spPr/>
+        <p:txBody>
+          <a:bodyPr/>
+          <a:lstStyle/>
+          <a:p>
+            <a:pPr eaLnBrk="1" hangingPunct="1"/>
+            <a:r>
+              <a:rPr lang="pt-BR" dirty="0"/>
+              <a:t>Encerramento</a:t>
+            </a:r>
+          </a:p>
+        </p:txBody>
+      </p:sp>
+      <p:sp>
+        <p:nvSpPr>
+          <p:cNvPr id="43012" name="Rectangle 3"/>
+          <p:cNvSpPr>
+            <a:spLocks noGrp="1" noChangeArrowheads="1"/>
+          </p:cNvSpPr>
+          <p:nvPr>
+            <p:ph idx="1"/>
+          </p:nvPr>
+        </p:nvSpPr>
+        <p:spPr/>
+        <p:txBody>
+          <a:bodyPr/>
+          <a:lstStyle/>
+          <a:p>
+            <a:pPr eaLnBrk="1" hangingPunct="1">
+              <a:lnSpc>
+                <a:spcPct val="80000"/>
+              </a:lnSpc>
+            </a:pPr>
+            <a:r>
+              <a:rPr lang="pt-BR" dirty="0"/>
+              <a:t>Objetivos:</a:t>
+            </a:r>
+          </a:p>
+          <a:p>
+            <a:pPr lvl="1" eaLnBrk="1" hangingPunct="1">
+              <a:lnSpc>
+                <a:spcPct val="80000"/>
+              </a:lnSpc>
+            </a:pPr>
+            <a:r>
+              <a:rPr lang="pt-BR" dirty="0"/>
+              <a:t>Formalizar a aceitação final das entregas do projeto;</a:t>
+            </a:r>
+          </a:p>
+          <a:p>
+            <a:pPr lvl="1" eaLnBrk="1" hangingPunct="1">
+              <a:lnSpc>
+                <a:spcPct val="80000"/>
+              </a:lnSpc>
+            </a:pPr>
+            <a:r>
+              <a:rPr lang="pt-BR" dirty="0"/>
+              <a:t>Arquivar a documentação necessária;</a:t>
+            </a:r>
+          </a:p>
+          <a:p>
+            <a:pPr lvl="1" eaLnBrk="1" hangingPunct="1">
+              <a:lnSpc>
+                <a:spcPct val="80000"/>
+              </a:lnSpc>
+            </a:pPr>
+            <a:r>
+              <a:rPr lang="pt-BR" dirty="0"/>
+              <a:t>Atribuir a equipe do projeto a novos projetos;</a:t>
+            </a:r>
+          </a:p>
+          <a:p>
+            <a:pPr lvl="1" eaLnBrk="1" hangingPunct="1">
+              <a:lnSpc>
+                <a:spcPct val="80000"/>
+              </a:lnSpc>
+            </a:pPr>
+            <a:r>
+              <a:rPr lang="pt-BR" dirty="0"/>
+              <a:t>Analisar os problemas ocorridos no projeto para evitar que problemas similares ocorram em novos projetos;</a:t>
+            </a:r>
+          </a:p>
+          <a:p>
+            <a:pPr lvl="1" eaLnBrk="1" hangingPunct="1">
+              <a:lnSpc>
+                <a:spcPct val="80000"/>
+              </a:lnSpc>
+            </a:pPr>
+            <a:r>
+              <a:rPr lang="pt-BR" dirty="0"/>
+              <a:t>Definir e comunicar os responsáveis pela manutenção do sistema ou produto criado.</a:t>
+            </a:r>
+          </a:p>
+          <a:p>
+            <a:pPr eaLnBrk="1" hangingPunct="1">
+              <a:lnSpc>
+                <a:spcPct val="80000"/>
+              </a:lnSpc>
+            </a:pPr>
+            <a:r>
+              <a:rPr lang="pt-BR" dirty="0"/>
+              <a:t>Pré-requisitos</a:t>
+            </a:r>
+          </a:p>
+          <a:p>
+            <a:pPr lvl="1" eaLnBrk="1" hangingPunct="1">
+              <a:lnSpc>
+                <a:spcPct val="80000"/>
+              </a:lnSpc>
+            </a:pPr>
+            <a:r>
+              <a:rPr lang="pt-BR" dirty="0"/>
+              <a:t>Critérios de aceitação pré-definidos;</a:t>
+            </a:r>
+          </a:p>
+          <a:p>
+            <a:pPr lvl="1" eaLnBrk="1" hangingPunct="1">
+              <a:lnSpc>
+                <a:spcPct val="80000"/>
+              </a:lnSpc>
+            </a:pPr>
+            <a:r>
+              <a:rPr lang="pt-BR" dirty="0"/>
+              <a:t>Processo de aceitação final pré-definido;</a:t>
+            </a:r>
+          </a:p>
+          <a:p>
+            <a:pPr eaLnBrk="1" hangingPunct="1">
+              <a:lnSpc>
+                <a:spcPct val="80000"/>
+              </a:lnSpc>
+            </a:pPr>
+            <a:r>
+              <a:rPr lang="pt-BR" dirty="0"/>
+              <a:t>Fatores críticos de sucesso:</a:t>
+            </a:r>
+          </a:p>
+          <a:p>
+            <a:pPr lvl="1" eaLnBrk="1" hangingPunct="1">
+              <a:lnSpc>
+                <a:spcPct val="80000"/>
+              </a:lnSpc>
+            </a:pPr>
+            <a:r>
+              <a:rPr lang="pt-BR" dirty="0"/>
+              <a:t>Aceitação do usuário final;</a:t>
+            </a:r>
+          </a:p>
+          <a:p>
+            <a:pPr lvl="1" eaLnBrk="1" hangingPunct="1">
+              <a:lnSpc>
+                <a:spcPct val="80000"/>
+              </a:lnSpc>
+            </a:pPr>
+            <a:r>
+              <a:rPr lang="pt-BR" dirty="0"/>
+              <a:t>Objetivos do negócio e benefícios antecipados são alcançados;</a:t>
+            </a:r>
+          </a:p>
+          <a:p>
+            <a:pPr lvl="1" eaLnBrk="1" hangingPunct="1">
+              <a:lnSpc>
+                <a:spcPct val="80000"/>
+              </a:lnSpc>
+            </a:pPr>
+            <a:r>
+              <a:rPr lang="pt-BR" dirty="0"/>
+              <a:t>Objetivos do projeto alcançados;</a:t>
+            </a:r>
+          </a:p>
+          <a:p>
+            <a:pPr lvl="1" eaLnBrk="1" hangingPunct="1">
+              <a:lnSpc>
+                <a:spcPct val="80000"/>
+              </a:lnSpc>
+            </a:pPr>
+            <a:r>
+              <a:rPr lang="pt-BR" dirty="0"/>
+              <a:t>Materiais do projeto são arquivados.</a:t>
+            </a:r>
+          </a:p>
+        </p:txBody>
+      </p:sp>
+    </p:spTree>
+    <p:extLst>
+      <p:ext uri="{BB962C8B-B14F-4D97-AF65-F5344CB8AC3E}">
+        <p14:creationId xmlns:p14="http://schemas.microsoft.com/office/powerpoint/2010/main" val="2915766583"/>
+      </p:ext>
+    </p:extLst>
+  </p:cSld>
+  <p:clrMapOvr>
+    <a:masterClrMapping/>
+  </p:clrMapOvr>
+  <p:transition/>
+</p:sld>
+</file>
+
+<file path=ppt/slides/slide13.xml><?xml version="1.0" encoding="utf-8"?>
 <p:sld xmlns:a="http://schemas.openxmlformats.org/drawingml/2006/main" xmlns:r="http://schemas.openxmlformats.org/officeDocument/2006/relationships" xmlns:p="http://schemas.openxmlformats.org/presentationml/2006/main">
   <p:cSld>
     <p:spTree>
@@ -4988,51 +6591,39 @@
               <a:defRPr/>
             </a:pPr>
             <a:r>
-              <a:rPr lang="en-GB" dirty="0" smtClean="0">
+              <a:rPr lang="en-GB" dirty="0">
                 <a:latin typeface="Tahoma" pitchFamily="34" charset="0"/>
               </a:rPr>
               <a:t>Obrigado!</a:t>
             </a:r>
             <a:br>
-              <a:rPr lang="en-GB" dirty="0" smtClean="0">
+              <a:rPr lang="en-GB" dirty="0">
                 <a:latin typeface="Tahoma" pitchFamily="34" charset="0"/>
               </a:rPr>
             </a:br>
-            <a:r>
-              <a:rPr lang="en-GB" dirty="0" smtClean="0">
-                <a:latin typeface="Tahoma" pitchFamily="34" charset="0"/>
-              </a:rPr>
-              <a:t/>
-            </a:r>
             <a:br>
-              <a:rPr lang="en-GB" dirty="0" smtClean="0">
+              <a:rPr lang="en-GB" dirty="0">
                 <a:latin typeface="Tahoma" pitchFamily="34" charset="0"/>
               </a:rPr>
             </a:br>
             <a:r>
-              <a:rPr lang="en-GB" dirty="0" smtClean="0">
+              <a:rPr lang="en-GB" dirty="0">
                 <a:latin typeface="Tahoma" pitchFamily="34" charset="0"/>
               </a:rPr>
               <a:t>Eduardo Montes, PMP</a:t>
             </a:r>
             <a:br>
-              <a:rPr lang="en-GB" dirty="0" smtClean="0">
+              <a:rPr lang="en-GB" dirty="0">
                 <a:latin typeface="Tahoma" pitchFamily="34" charset="0"/>
               </a:rPr>
             </a:br>
-            <a:r>
-              <a:rPr lang="en-GB" dirty="0" smtClean="0">
-                <a:latin typeface="Tahoma" pitchFamily="34" charset="0"/>
-              </a:rPr>
-              <a:t/>
-            </a:r>
             <a:br>
-              <a:rPr lang="en-GB" dirty="0" smtClean="0">
+              <a:rPr lang="en-GB" dirty="0">
                 <a:latin typeface="Tahoma" pitchFamily="34" charset="0"/>
               </a:rPr>
             </a:br>
             <a:r>
-              <a:rPr lang="en-GB" dirty="0" smtClean="0">
+              <a:rPr lang="en-GB" dirty="0">
                 <a:latin typeface="Tahoma" pitchFamily="34" charset="0"/>
               </a:rPr>
               <a:t>eduardo@escritoriodeprojetos.com.br</a:t>
@@ -5136,18 +6727,14 @@
           <a:lstStyle/>
           <a:p>
             <a:r>
-              <a:rPr lang="pt-BR" dirty="0" smtClean="0"/>
+              <a:rPr lang="pt-BR" dirty="0"/>
               <a:t>A importância de engajar no projeto agora</a:t>
             </a:r>
           </a:p>
           <a:p>
             <a:r>
-              <a:rPr lang="pt-BR" dirty="0" smtClean="0"/>
-              <a:t>O </a:t>
-            </a:r>
-            <a:r>
               <a:rPr lang="pt-BR" dirty="0"/>
-              <a:t>Projeto</a:t>
+              <a:t>O Projeto</a:t>
             </a:r>
           </a:p>
           <a:p>
@@ -5187,47 +6774,42 @@
           </a:p>
           <a:p>
             <a:r>
-              <a:rPr lang="pt-BR" dirty="0" smtClean="0"/>
+              <a:rPr lang="pt-BR" dirty="0"/>
               <a:t>Como o projeto será gerenciado</a:t>
             </a:r>
           </a:p>
           <a:p>
             <a:pPr lvl="1"/>
             <a:r>
-              <a:rPr lang="pt-BR" dirty="0" smtClean="0"/>
+              <a:rPr lang="pt-BR" dirty="0"/>
               <a:t>Iniciação</a:t>
             </a:r>
           </a:p>
           <a:p>
             <a:pPr lvl="1"/>
             <a:r>
-              <a:rPr lang="pt-BR" dirty="0" smtClean="0"/>
+              <a:rPr lang="pt-BR" dirty="0"/>
               <a:t>Planejamento</a:t>
             </a:r>
-            <a:endParaRPr lang="pt-BR" dirty="0"/>
           </a:p>
           <a:p>
             <a:pPr lvl="1"/>
             <a:r>
-              <a:rPr lang="pt-BR" dirty="0" smtClean="0"/>
+              <a:rPr lang="pt-BR" dirty="0"/>
               <a:t>Execução e Controle</a:t>
             </a:r>
           </a:p>
           <a:p>
             <a:pPr lvl="1"/>
             <a:r>
-              <a:rPr lang="pt-BR" dirty="0" smtClean="0"/>
+              <a:rPr lang="pt-BR" dirty="0"/>
               <a:t>Encerramento</a:t>
             </a:r>
-            <a:endParaRPr lang="pt-BR" dirty="0"/>
-          </a:p>
-          <a:p>
-            <a:r>
-              <a:rPr lang="pt-BR" dirty="0" smtClean="0"/>
-              <a:t>Próximos Passos</a:t>
-            </a:r>
-          </a:p>
-          <a:p>
+          </a:p>
+          <a:p>
+            <a:pPr marL="0" indent="0">
+              <a:buNone/>
+            </a:pPr>
             <a:endParaRPr lang="pt-BR" dirty="0"/>
           </a:p>
         </p:txBody>
@@ -5242,13 +6824,6 @@
   <p:clrMapOvr>
     <a:masterClrMapping/>
   </p:clrMapOvr>
-  <p:timing>
-    <p:tnLst>
-      <p:par>
-        <p:cTn id="1" dur="indefinite" restart="never" nodeType="tmRoot"/>
-      </p:par>
-    </p:tnLst>
-  </p:timing>
 </p:sld>
 </file>
 
@@ -5285,10 +6860,9 @@
           <a:lstStyle/>
           <a:p>
             <a:r>
-              <a:rPr lang="pt-BR" dirty="0" smtClean="0"/>
+              <a:rPr lang="pt-BR" dirty="0"/>
               <a:t>Justificativa do Projeto</a:t>
             </a:r>
-            <a:endParaRPr lang="pt-BR" dirty="0"/>
           </a:p>
         </p:txBody>
       </p:sp>
@@ -5361,12 +6935,8 @@
               <a:t>objetivos SMART</a:t>
             </a:r>
             <a:r>
-              <a:rPr lang="pt-BR" sz="900" dirty="0" smtClean="0"/>
-              <a:t> </a:t>
-            </a:r>
-            <a:r>
               <a:rPr lang="pt-BR" sz="900" dirty="0"/>
-              <a:t>e critérios de sucesso relacionados.</a:t>
+              <a:t> e critérios de sucesso relacionados.</a:t>
             </a:r>
           </a:p>
           <a:p>
@@ -5375,38 +6945,18 @@
             </a:pPr>
             <a:r>
               <a:rPr lang="pt-BR" sz="900" dirty="0"/>
-              <a:t>SMART: </a:t>
-            </a:r>
-            <a:r>
-              <a:rPr lang="pt-BR" sz="900" dirty="0" smtClean="0"/>
-              <a:t>Specific</a:t>
-            </a:r>
-            <a:r>
-              <a:rPr lang="pt-BR" sz="900" dirty="0"/>
-              <a:t>: Específico, Measurable: Indicador e meta, </a:t>
-            </a:r>
-            <a:r>
-              <a:rPr lang="pt-BR" sz="900" dirty="0" smtClean="0"/>
-              <a:t>Assignable: Quem, </a:t>
-            </a:r>
-            <a:r>
-              <a:rPr lang="pt-BR" sz="900" dirty="0"/>
-              <a:t>Realistic: </a:t>
-            </a:r>
-            <a:r>
-              <a:rPr lang="pt-BR" sz="900" dirty="0" smtClean="0"/>
-              <a:t>realístico, Time-related: Quando ]</a:t>
-            </a:r>
-            <a:endParaRPr lang="pt-BR" dirty="0" smtClean="0"/>
-          </a:p>
-          <a:p>
-            <a:r>
-              <a:rPr lang="pt-BR" dirty="0" smtClean="0"/>
+              <a:t>SMART: Specific: Específico, Measurable: Indicador e meta, Assignable: Quem, Realistic: realístico, Time-related: Quando ]</a:t>
+            </a:r>
+            <a:endParaRPr lang="pt-BR" dirty="0"/>
+          </a:p>
+          <a:p>
+            <a:r>
+              <a:rPr lang="pt-BR" dirty="0"/>
               <a:t> </a:t>
             </a:r>
           </a:p>
           <a:p>
-            <a:endParaRPr lang="pt-BR" dirty="0" smtClean="0"/>
+            <a:endParaRPr lang="pt-BR" dirty="0"/>
           </a:p>
         </p:txBody>
       </p:sp>
@@ -5420,13 +6970,6 @@
   <p:clrMapOvr>
     <a:masterClrMapping/>
   </p:clrMapOvr>
-  <p:timing>
-    <p:tnLst>
-      <p:par>
-        <p:cTn id="1" dur="indefinite" restart="never" nodeType="tmRoot"/>
-      </p:par>
-    </p:tnLst>
-  </p:timing>
 </p:sld>
 </file>
 
@@ -5463,11 +7006,11 @@
           <a:lstStyle/>
           <a:p>
             <a:r>
-              <a:rPr lang="pt-BR" dirty="0" smtClean="0"/>
+              <a:rPr lang="pt-BR" dirty="0"/>
               <a:t>Escopo</a:t>
             </a:r>
             <a:r>
-              <a:rPr lang="en-US" dirty="0" smtClean="0"/>
+              <a:rPr lang="en-US" dirty="0"/>
               <a:t>-</a:t>
             </a:r>
             <a:r>
@@ -5498,19 +7041,39 @@
           <a:lstStyle/>
           <a:p>
             <a:r>
-              <a:rPr lang="pt-BR" dirty="0" smtClean="0"/>
+              <a:rPr lang="pt-BR" dirty="0"/>
               <a:t>Produtos</a:t>
             </a:r>
           </a:p>
           <a:p>
-            <a:endParaRPr lang="pt-BR" dirty="0" smtClean="0"/>
-          </a:p>
-          <a:p>
-            <a:r>
-              <a:rPr lang="pt-BR" dirty="0" smtClean="0"/>
+            <a:endParaRPr lang="pt-BR" dirty="0"/>
+          </a:p>
+          <a:p>
+            <a:r>
+              <a:rPr lang="pt-BR" dirty="0"/>
               <a:t>Principais requisitos:</a:t>
             </a:r>
+          </a:p>
+          <a:p>
             <a:endParaRPr lang="pt-BR" dirty="0"/>
+          </a:p>
+          <a:p>
+            <a:r>
+              <a:rPr lang="pt-BR" dirty="0"/>
+              <a:t>Premissas</a:t>
+            </a:r>
+          </a:p>
+          <a:p>
+            <a:r>
+              <a:rPr lang="pt-BR" dirty="0"/>
+              <a:t>Restrições</a:t>
+            </a:r>
+          </a:p>
+          <a:p>
+            <a:r>
+              <a:rPr lang="pt-BR" dirty="0"/>
+              <a:t>Riscos</a:t>
+            </a:r>
           </a:p>
         </p:txBody>
       </p:sp>
@@ -5524,1758 +7087,10 @@
   <p:clrMapOvr>
     <a:masterClrMapping/>
   </p:clrMapOvr>
-  <p:timing>
-    <p:tnLst>
-      <p:par>
-        <p:cTn id="1" dur="indefinite" restart="never" nodeType="tmRoot"/>
-      </p:par>
-    </p:tnLst>
-  </p:timing>
 </p:sld>
 </file>
 
 <file path=ppt/slides/slide5.xml><?xml version="1.0" encoding="utf-8"?>
-<p:sld xmlns:a="http://schemas.openxmlformats.org/drawingml/2006/main" xmlns:r="http://schemas.openxmlformats.org/officeDocument/2006/relationships" xmlns:p="http://schemas.openxmlformats.org/presentationml/2006/main">
-  <p:cSld>
-    <p:spTree>
-      <p:nvGrpSpPr>
-        <p:cNvPr id="1" name=""/>
-        <p:cNvGrpSpPr/>
-        <p:nvPr/>
-      </p:nvGrpSpPr>
-      <p:grpSpPr>
-        <a:xfrm>
-          <a:off x="0" y="0"/>
-          <a:ext cx="0" cy="0"/>
-          <a:chOff x="0" y="0"/>
-          <a:chExt cx="0" cy="0"/>
-        </a:xfrm>
-      </p:grpSpPr>
-      <p:sp>
-        <p:nvSpPr>
-          <p:cNvPr id="2" name="Title 1"/>
-          <p:cNvSpPr>
-            <a:spLocks noGrp="1"/>
-          </p:cNvSpPr>
-          <p:nvPr>
-            <p:ph type="title"/>
-          </p:nvPr>
-        </p:nvSpPr>
-        <p:spPr/>
-        <p:txBody>
-          <a:bodyPr/>
-          <a:lstStyle/>
-          <a:p>
-            <a:r>
-              <a:rPr lang="pt-BR" dirty="0" smtClean="0"/>
-              <a:t>Estrutura Analítica do Projeto (EAP/WBS)</a:t>
-            </a:r>
-            <a:endParaRPr lang="pt-BR" dirty="0"/>
-          </a:p>
-        </p:txBody>
-      </p:sp>
-      <p:sp>
-        <p:nvSpPr>
-          <p:cNvPr id="9" name="Content Placeholder 8"/>
-          <p:cNvSpPr>
-            <a:spLocks noGrp="1"/>
-          </p:cNvSpPr>
-          <p:nvPr>
-            <p:ph idx="1"/>
-          </p:nvPr>
-        </p:nvSpPr>
-        <p:spPr>
-          <a:xfrm>
-            <a:off x="539750" y="1066800"/>
-            <a:ext cx="8137525" cy="2722240"/>
-          </a:xfrm>
-        </p:spPr>
-        <p:txBody>
-          <a:bodyPr/>
-          <a:lstStyle/>
-          <a:p>
-            <a:endParaRPr lang="pt-BR" dirty="0"/>
-          </a:p>
-        </p:txBody>
-      </p:sp>
-      <p:sp>
-        <p:nvSpPr>
-          <p:cNvPr id="3" name="CaixaDeTexto 2"/>
-          <p:cNvSpPr txBox="1"/>
-          <p:nvPr/>
-        </p:nvSpPr>
-        <p:spPr>
-          <a:xfrm>
-            <a:off x="563563" y="4653136"/>
-            <a:ext cx="6298519" cy="461665"/>
-          </a:xfrm>
-          <a:prstGeom prst="rect">
-            <a:avLst/>
-          </a:prstGeom>
-          <a:noFill/>
-        </p:spPr>
-        <p:txBody>
-          <a:bodyPr wrap="none" rtlCol="0">
-            <a:spAutoFit/>
-          </a:bodyPr>
-          <a:lstStyle/>
-          <a:p>
-            <a:r>
-              <a:rPr lang="pt-BR" dirty="0" smtClean="0"/>
-              <a:t>Inserir aqui imagens ou layout do produto/projeto</a:t>
-            </a:r>
-            <a:endParaRPr lang="pt-BR" dirty="0"/>
-          </a:p>
-        </p:txBody>
-      </p:sp>
-    </p:spTree>
-    <p:extLst>
-      <p:ext uri="{BB962C8B-B14F-4D97-AF65-F5344CB8AC3E}">
-        <p14:creationId xmlns:p14="http://schemas.microsoft.com/office/powerpoint/2010/main" val="954253902"/>
-      </p:ext>
-    </p:extLst>
-  </p:cSld>
-  <p:clrMapOvr>
-    <a:masterClrMapping/>
-  </p:clrMapOvr>
-  <p:timing>
-    <p:tnLst>
-      <p:par>
-        <p:cTn id="1" dur="indefinite" restart="never" nodeType="tmRoot"/>
-      </p:par>
-    </p:tnLst>
-  </p:timing>
-</p:sld>
-</file>
-
-<file path=ppt/slides/slide6.xml><?xml version="1.0" encoding="utf-8"?>
-<p:sld xmlns:a="http://schemas.openxmlformats.org/drawingml/2006/main" xmlns:r="http://schemas.openxmlformats.org/officeDocument/2006/relationships" xmlns:p="http://schemas.openxmlformats.org/presentationml/2006/main">
-  <p:cSld>
-    <p:spTree>
-      <p:nvGrpSpPr>
-        <p:cNvPr id="1" name=""/>
-        <p:cNvGrpSpPr/>
-        <p:nvPr/>
-      </p:nvGrpSpPr>
-      <p:grpSpPr>
-        <a:xfrm>
-          <a:off x="0" y="0"/>
-          <a:ext cx="0" cy="0"/>
-          <a:chOff x="0" y="0"/>
-          <a:chExt cx="0" cy="0"/>
-        </a:xfrm>
-      </p:grpSpPr>
-      <p:sp>
-        <p:nvSpPr>
-          <p:cNvPr id="2" name="Title 1"/>
-          <p:cNvSpPr>
-            <a:spLocks noGrp="1"/>
-          </p:cNvSpPr>
-          <p:nvPr>
-            <p:ph type="title"/>
-          </p:nvPr>
-        </p:nvSpPr>
-        <p:spPr/>
-        <p:txBody>
-          <a:bodyPr/>
-          <a:lstStyle/>
-          <a:p>
-            <a:r>
-              <a:rPr lang="en-US" dirty="0" smtClean="0"/>
-              <a:t>Marcos / </a:t>
-            </a:r>
-            <a:r>
-              <a:rPr lang="pt-BR" dirty="0" smtClean="0"/>
-              <a:t>Orçamento</a:t>
-            </a:r>
-            <a:endParaRPr lang="pt-BR" dirty="0"/>
-          </a:p>
-        </p:txBody>
-      </p:sp>
-      <p:graphicFrame>
-        <p:nvGraphicFramePr>
-          <p:cNvPr id="8" name="Table 7"/>
-          <p:cNvGraphicFramePr>
-            <a:graphicFrameLocks noGrp="1"/>
-          </p:cNvGraphicFramePr>
-          <p:nvPr>
-            <p:extLst>
-              <p:ext uri="{D42A27DB-BD31-4B8C-83A1-F6EECF244321}">
-                <p14:modId xmlns:p14="http://schemas.microsoft.com/office/powerpoint/2010/main" val="3901789118"/>
-              </p:ext>
-            </p:extLst>
-          </p:nvPr>
-        </p:nvGraphicFramePr>
-        <p:xfrm>
-          <a:off x="611560" y="4077072"/>
-          <a:ext cx="7848872" cy="2346984"/>
-        </p:xfrm>
-        <a:graphic>
-          <a:graphicData uri="http://schemas.openxmlformats.org/drawingml/2006/table">
-            <a:tbl>
-              <a:tblPr firstRow="1">
-                <a:tableStyleId>{69012ECD-51FC-41F1-AA8D-1B2483CD663E}</a:tableStyleId>
-              </a:tblPr>
-              <a:tblGrid>
-                <a:gridCol w="4093282"/>
-                <a:gridCol w="1877795"/>
-                <a:gridCol w="1877795"/>
-              </a:tblGrid>
-              <a:tr h="0">
-                <a:tc>
-                  <a:txBody>
-                    <a:bodyPr/>
-                    <a:lstStyle/>
-                    <a:p>
-                      <a:pPr marL="0" marR="0" lvl="0" indent="0" algn="l" defTabSz="914400" rtl="0" eaLnBrk="1" fontAlgn="base" latinLnBrk="0" hangingPunct="1">
-                        <a:lnSpc>
-                          <a:spcPct val="100000"/>
-                        </a:lnSpc>
-                        <a:spcBef>
-                          <a:spcPct val="20000"/>
-                        </a:spcBef>
-                        <a:spcAft>
-                          <a:spcPct val="0"/>
-                        </a:spcAft>
-                        <a:buClr>
-                          <a:schemeClr val="accent1"/>
-                        </a:buClr>
-                        <a:buSzTx/>
-                        <a:buFont typeface="Webdings" pitchFamily="18" charset="2"/>
-                        <a:buNone/>
-                        <a:tabLst/>
-                      </a:pPr>
-                      <a:r>
-                        <a:rPr kumimoji="0" lang="pt-BR" sz="1600" u="none" strike="noStrike" cap="none" normalizeH="0" baseline="0" dirty="0" smtClean="0">
-                          <a:ln>
-                            <a:noFill/>
-                          </a:ln>
-                          <a:effectLst/>
-                        </a:rPr>
-                        <a:t>Marcos</a:t>
-                      </a:r>
-                      <a:endParaRPr kumimoji="0" lang="en-US" sz="1600" b="0" i="0" u="none" strike="noStrike" cap="none" normalizeH="0" baseline="0" dirty="0" smtClean="0">
-                        <a:ln>
-                          <a:noFill/>
-                        </a:ln>
-                        <a:solidFill>
-                          <a:schemeClr val="tx2"/>
-                        </a:solidFill>
-                        <a:effectLst/>
-                        <a:latin typeface="Arial" charset="0"/>
-                      </a:endParaRPr>
-                    </a:p>
-                  </a:txBody>
-                  <a:tcPr horzOverflow="overflow">
-                    <a:lnB w="12700" cap="flat" cmpd="sng" algn="ctr">
-                      <a:solidFill>
-                        <a:schemeClr val="tx1"/>
-                      </a:solidFill>
-                      <a:prstDash val="solid"/>
-                      <a:round/>
-                      <a:headEnd type="none" w="med" len="med"/>
-                      <a:tailEnd type="none" w="med" len="med"/>
-                    </a:lnB>
-                  </a:tcPr>
-                </a:tc>
-                <a:tc>
-                  <a:txBody>
-                    <a:bodyPr/>
-                    <a:lstStyle/>
-                    <a:p>
-                      <a:pPr marL="0" marR="0" lvl="0" indent="0" algn="l" defTabSz="914400" rtl="0" eaLnBrk="1" fontAlgn="base" latinLnBrk="0" hangingPunct="1">
-                        <a:lnSpc>
-                          <a:spcPct val="100000"/>
-                        </a:lnSpc>
-                        <a:spcBef>
-                          <a:spcPct val="20000"/>
-                        </a:spcBef>
-                        <a:spcAft>
-                          <a:spcPct val="0"/>
-                        </a:spcAft>
-                        <a:buClr>
-                          <a:schemeClr val="accent1"/>
-                        </a:buClr>
-                        <a:buSzTx/>
-                        <a:buFont typeface="Webdings" pitchFamily="18" charset="2"/>
-                        <a:buNone/>
-                        <a:tabLst/>
-                      </a:pPr>
-                      <a:r>
-                        <a:rPr kumimoji="0" lang="pt-BR" sz="1600" u="none" strike="noStrike" cap="none" normalizeH="0" baseline="0" dirty="0" smtClean="0">
-                          <a:ln>
-                            <a:noFill/>
-                          </a:ln>
-                          <a:effectLst/>
-                        </a:rPr>
-                        <a:t>Previsão</a:t>
-                      </a:r>
-                      <a:endParaRPr kumimoji="0" lang="en-US" sz="1600" b="0" i="0" u="none" strike="noStrike" cap="none" normalizeH="0" baseline="0" dirty="0" smtClean="0">
-                        <a:ln>
-                          <a:noFill/>
-                        </a:ln>
-                        <a:solidFill>
-                          <a:schemeClr val="tx2"/>
-                        </a:solidFill>
-                        <a:effectLst/>
-                        <a:latin typeface="Arial" charset="0"/>
-                      </a:endParaRPr>
-                    </a:p>
-                  </a:txBody>
-                  <a:tcPr horzOverflow="overflow">
-                    <a:lnB w="12700" cap="flat" cmpd="sng" algn="ctr">
-                      <a:solidFill>
-                        <a:schemeClr val="tx1"/>
-                      </a:solidFill>
-                      <a:prstDash val="solid"/>
-                      <a:round/>
-                      <a:headEnd type="none" w="med" len="med"/>
-                      <a:tailEnd type="none" w="med" len="med"/>
-                    </a:lnB>
-                  </a:tcPr>
-                </a:tc>
-                <a:tc>
-                  <a:txBody>
-                    <a:bodyPr/>
-                    <a:lstStyle/>
-                    <a:p>
-                      <a:pPr marL="0" marR="0" lvl="0" indent="0" algn="l" defTabSz="914400" rtl="0" eaLnBrk="1" fontAlgn="base" latinLnBrk="0" hangingPunct="1">
-                        <a:lnSpc>
-                          <a:spcPct val="100000"/>
-                        </a:lnSpc>
-                        <a:spcBef>
-                          <a:spcPct val="20000"/>
-                        </a:spcBef>
-                        <a:spcAft>
-                          <a:spcPct val="0"/>
-                        </a:spcAft>
-                        <a:buClr>
-                          <a:schemeClr val="accent1"/>
-                        </a:buClr>
-                        <a:buSzTx/>
-                        <a:buFont typeface="Webdings" pitchFamily="18" charset="2"/>
-                        <a:buNone/>
-                        <a:tabLst/>
-                      </a:pPr>
-                      <a:r>
-                        <a:rPr kumimoji="0" lang="pt-BR" sz="1600" u="none" strike="noStrike" cap="none" normalizeH="0" baseline="0" noProof="0" dirty="0" smtClean="0">
-                          <a:ln>
-                            <a:noFill/>
-                          </a:ln>
-                          <a:effectLst/>
-                        </a:rPr>
-                        <a:t>Custo</a:t>
-                      </a:r>
-                      <a:endParaRPr kumimoji="0" lang="pt-BR" sz="1600" b="0" i="0" u="none" strike="noStrike" cap="none" normalizeH="0" baseline="0" noProof="0" dirty="0" smtClean="0">
-                        <a:ln>
-                          <a:noFill/>
-                        </a:ln>
-                        <a:solidFill>
-                          <a:schemeClr val="tx2"/>
-                        </a:solidFill>
-                        <a:effectLst/>
-                        <a:latin typeface="Arial" charset="0"/>
-                      </a:endParaRPr>
-                    </a:p>
-                  </a:txBody>
-                  <a:tcPr horzOverflow="overflow">
-                    <a:lnB w="12700" cap="flat" cmpd="sng" algn="ctr">
-                      <a:solidFill>
-                        <a:schemeClr val="tx1"/>
-                      </a:solidFill>
-                      <a:prstDash val="solid"/>
-                      <a:round/>
-                      <a:headEnd type="none" w="med" len="med"/>
-                      <a:tailEnd type="none" w="med" len="med"/>
-                    </a:lnB>
-                  </a:tcPr>
-                </a:tc>
-              </a:tr>
-              <a:tr h="0">
-                <a:tc>
-                  <a:txBody>
-                    <a:bodyPr/>
-                    <a:lstStyle/>
-                    <a:p>
-                      <a:pPr marL="0" marR="0" lvl="0" indent="0" algn="l" defTabSz="914400" rtl="0" eaLnBrk="1" fontAlgn="base" latinLnBrk="0" hangingPunct="1">
-                        <a:lnSpc>
-                          <a:spcPct val="100000"/>
-                        </a:lnSpc>
-                        <a:spcBef>
-                          <a:spcPct val="20000"/>
-                        </a:spcBef>
-                        <a:spcAft>
-                          <a:spcPct val="0"/>
-                        </a:spcAft>
-                        <a:buClr>
-                          <a:schemeClr val="accent1"/>
-                        </a:buClr>
-                        <a:buSzTx/>
-                        <a:buFont typeface="Webdings" pitchFamily="18" charset="2"/>
-                        <a:buNone/>
-                        <a:tabLst/>
-                      </a:pPr>
-                      <a:endParaRPr kumimoji="0" lang="en-US" sz="1400" b="0" i="0" u="none" strike="noStrike" cap="none" normalizeH="0" baseline="0" dirty="0" smtClean="0">
-                        <a:ln>
-                          <a:noFill/>
-                        </a:ln>
-                        <a:solidFill>
-                          <a:schemeClr val="tx2"/>
-                        </a:solidFill>
-                        <a:effectLst/>
-                        <a:latin typeface="Arial" charset="0"/>
-                      </a:endParaRPr>
-                    </a:p>
-                  </a:txBody>
-                  <a:tcPr marT="45723" marB="45723" horzOverflow="overflow">
-                    <a:lnL w="12700" cap="flat" cmpd="sng" algn="ctr">
-                      <a:solidFill>
-                        <a:schemeClr val="tx1"/>
-                      </a:solidFill>
-                      <a:prstDash val="solid"/>
-                      <a:round/>
-                      <a:headEnd type="none" w="med" len="med"/>
-                      <a:tailEnd type="none" w="med" len="med"/>
-                    </a:lnL>
-                    <a:lnR w="12700" cap="flat" cmpd="sng" algn="ctr">
-                      <a:solidFill>
-                        <a:schemeClr val="tx1"/>
-                      </a:solidFill>
-                      <a:prstDash val="solid"/>
-                      <a:round/>
-                      <a:headEnd type="none" w="med" len="med"/>
-                      <a:tailEnd type="none" w="med" len="med"/>
-                    </a:lnR>
-                    <a:lnT w="12700" cap="flat" cmpd="sng" algn="ctr">
-                      <a:solidFill>
-                        <a:schemeClr val="tx1"/>
-                      </a:solidFill>
-                      <a:prstDash val="solid"/>
-                      <a:round/>
-                      <a:headEnd type="none" w="med" len="med"/>
-                      <a:tailEnd type="none" w="med" len="med"/>
-                    </a:lnT>
-                    <a:lnB w="12700" cap="flat" cmpd="sng" algn="ctr">
-                      <a:solidFill>
-                        <a:schemeClr val="tx1"/>
-                      </a:solidFill>
-                      <a:prstDash val="solid"/>
-                      <a:round/>
-                      <a:headEnd type="none" w="med" len="med"/>
-                      <a:tailEnd type="none" w="med" len="med"/>
-                    </a:lnB>
-                  </a:tcPr>
-                </a:tc>
-                <a:tc>
-                  <a:txBody>
-                    <a:bodyPr/>
-                    <a:lstStyle/>
-                    <a:p>
-                      <a:pPr marL="0" marR="0" lvl="0" indent="0" algn="l" defTabSz="914400" rtl="0" eaLnBrk="1" fontAlgn="base" latinLnBrk="0" hangingPunct="1">
-                        <a:lnSpc>
-                          <a:spcPct val="100000"/>
-                        </a:lnSpc>
-                        <a:spcBef>
-                          <a:spcPct val="20000"/>
-                        </a:spcBef>
-                        <a:spcAft>
-                          <a:spcPct val="0"/>
-                        </a:spcAft>
-                        <a:buClr>
-                          <a:schemeClr val="accent1"/>
-                        </a:buClr>
-                        <a:buSzTx/>
-                        <a:buFont typeface="Webdings" pitchFamily="18" charset="2"/>
-                        <a:buNone/>
-                        <a:tabLst/>
-                      </a:pPr>
-                      <a:endParaRPr kumimoji="0" lang="en-US" sz="1600" b="0" i="0" u="none" strike="noStrike" cap="none" normalizeH="0" baseline="0" dirty="0" smtClean="0">
-                        <a:ln>
-                          <a:noFill/>
-                        </a:ln>
-                        <a:solidFill>
-                          <a:schemeClr val="tx2"/>
-                        </a:solidFill>
-                        <a:effectLst/>
-                        <a:latin typeface="Arial" charset="0"/>
-                      </a:endParaRPr>
-                    </a:p>
-                  </a:txBody>
-                  <a:tcPr marT="45723" marB="45723" horzOverflow="overflow">
-                    <a:lnL w="12700" cap="flat" cmpd="sng" algn="ctr">
-                      <a:solidFill>
-                        <a:schemeClr val="tx1"/>
-                      </a:solidFill>
-                      <a:prstDash val="solid"/>
-                      <a:round/>
-                      <a:headEnd type="none" w="med" len="med"/>
-                      <a:tailEnd type="none" w="med" len="med"/>
-                    </a:lnL>
-                    <a:lnR w="12700" cap="flat" cmpd="sng" algn="ctr">
-                      <a:solidFill>
-                        <a:schemeClr val="tx1"/>
-                      </a:solidFill>
-                      <a:prstDash val="solid"/>
-                      <a:round/>
-                      <a:headEnd type="none" w="med" len="med"/>
-                      <a:tailEnd type="none" w="med" len="med"/>
-                    </a:lnR>
-                    <a:lnT w="12700" cap="flat" cmpd="sng" algn="ctr">
-                      <a:solidFill>
-                        <a:schemeClr val="tx1"/>
-                      </a:solidFill>
-                      <a:prstDash val="solid"/>
-                      <a:round/>
-                      <a:headEnd type="none" w="med" len="med"/>
-                      <a:tailEnd type="none" w="med" len="med"/>
-                    </a:lnT>
-                    <a:lnB w="12700" cap="flat" cmpd="sng" algn="ctr">
-                      <a:solidFill>
-                        <a:schemeClr val="tx1"/>
-                      </a:solidFill>
-                      <a:prstDash val="solid"/>
-                      <a:round/>
-                      <a:headEnd type="none" w="med" len="med"/>
-                      <a:tailEnd type="none" w="med" len="med"/>
-                    </a:lnB>
-                  </a:tcPr>
-                </a:tc>
-                <a:tc>
-                  <a:txBody>
-                    <a:bodyPr/>
-                    <a:lstStyle/>
-                    <a:p>
-                      <a:pPr marL="0" marR="0" lvl="0" indent="0" algn="l" defTabSz="914400" rtl="0" eaLnBrk="1" fontAlgn="base" latinLnBrk="0" hangingPunct="1">
-                        <a:lnSpc>
-                          <a:spcPct val="100000"/>
-                        </a:lnSpc>
-                        <a:spcBef>
-                          <a:spcPct val="20000"/>
-                        </a:spcBef>
-                        <a:spcAft>
-                          <a:spcPct val="0"/>
-                        </a:spcAft>
-                        <a:buClr>
-                          <a:schemeClr val="accent1"/>
-                        </a:buClr>
-                        <a:buSzTx/>
-                        <a:buFont typeface="Webdings" pitchFamily="18" charset="2"/>
-                        <a:buNone/>
-                        <a:tabLst/>
-                      </a:pPr>
-                      <a:endParaRPr kumimoji="0" lang="en-US" sz="1600" b="0" i="0" u="none" strike="noStrike" cap="none" normalizeH="0" baseline="0" dirty="0" smtClean="0">
-                        <a:ln>
-                          <a:noFill/>
-                        </a:ln>
-                        <a:solidFill>
-                          <a:schemeClr val="tx2"/>
-                        </a:solidFill>
-                        <a:effectLst/>
-                        <a:latin typeface="Arial" charset="0"/>
-                      </a:endParaRPr>
-                    </a:p>
-                  </a:txBody>
-                  <a:tcPr marT="45723" marB="45723" horzOverflow="overflow">
-                    <a:lnL w="12700" cap="flat" cmpd="sng" algn="ctr">
-                      <a:solidFill>
-                        <a:schemeClr val="tx1"/>
-                      </a:solidFill>
-                      <a:prstDash val="solid"/>
-                      <a:round/>
-                      <a:headEnd type="none" w="med" len="med"/>
-                      <a:tailEnd type="none" w="med" len="med"/>
-                    </a:lnL>
-                    <a:lnR w="12700" cap="flat" cmpd="sng" algn="ctr">
-                      <a:solidFill>
-                        <a:schemeClr val="tx1"/>
-                      </a:solidFill>
-                      <a:prstDash val="solid"/>
-                      <a:round/>
-                      <a:headEnd type="none" w="med" len="med"/>
-                      <a:tailEnd type="none" w="med" len="med"/>
-                    </a:lnR>
-                    <a:lnT w="12700" cap="flat" cmpd="sng" algn="ctr">
-                      <a:solidFill>
-                        <a:schemeClr val="tx1"/>
-                      </a:solidFill>
-                      <a:prstDash val="solid"/>
-                      <a:round/>
-                      <a:headEnd type="none" w="med" len="med"/>
-                      <a:tailEnd type="none" w="med" len="med"/>
-                    </a:lnT>
-                    <a:lnB w="12700" cap="flat" cmpd="sng" algn="ctr">
-                      <a:solidFill>
-                        <a:schemeClr val="tx1"/>
-                      </a:solidFill>
-                      <a:prstDash val="solid"/>
-                      <a:round/>
-                      <a:headEnd type="none" w="med" len="med"/>
-                      <a:tailEnd type="none" w="med" len="med"/>
-                    </a:lnB>
-                  </a:tcPr>
-                </a:tc>
-              </a:tr>
-              <a:tr h="0">
-                <a:tc>
-                  <a:txBody>
-                    <a:bodyPr/>
-                    <a:lstStyle/>
-                    <a:p>
-                      <a:pPr marL="0" marR="0" lvl="0" indent="0" algn="l" defTabSz="914400" rtl="0" eaLnBrk="1" fontAlgn="base" latinLnBrk="0" hangingPunct="1">
-                        <a:lnSpc>
-                          <a:spcPct val="100000"/>
-                        </a:lnSpc>
-                        <a:spcBef>
-                          <a:spcPct val="20000"/>
-                        </a:spcBef>
-                        <a:spcAft>
-                          <a:spcPct val="0"/>
-                        </a:spcAft>
-                        <a:buClr>
-                          <a:schemeClr val="accent1"/>
-                        </a:buClr>
-                        <a:buSzTx/>
-                        <a:buFont typeface="Webdings" pitchFamily="18" charset="2"/>
-                        <a:buNone/>
-                        <a:tabLst/>
-                      </a:pPr>
-                      <a:endParaRPr kumimoji="0" lang="en-US" sz="1400" b="0" i="0" u="none" strike="noStrike" cap="none" normalizeH="0" baseline="0" dirty="0" smtClean="0">
-                        <a:ln>
-                          <a:noFill/>
-                        </a:ln>
-                        <a:solidFill>
-                          <a:schemeClr val="tx2"/>
-                        </a:solidFill>
-                        <a:effectLst/>
-                        <a:latin typeface="Arial" charset="0"/>
-                      </a:endParaRPr>
-                    </a:p>
-                  </a:txBody>
-                  <a:tcPr marL="82333" marR="82333" horzOverflow="overflow">
-                    <a:lnL w="12700" cap="flat" cmpd="sng" algn="ctr">
-                      <a:solidFill>
-                        <a:schemeClr val="tx1"/>
-                      </a:solidFill>
-                      <a:prstDash val="solid"/>
-                      <a:round/>
-                      <a:headEnd type="none" w="med" len="med"/>
-                      <a:tailEnd type="none" w="med" len="med"/>
-                    </a:lnL>
-                    <a:lnR w="12700" cap="flat" cmpd="sng" algn="ctr">
-                      <a:solidFill>
-                        <a:schemeClr val="tx1"/>
-                      </a:solidFill>
-                      <a:prstDash val="solid"/>
-                      <a:round/>
-                      <a:headEnd type="none" w="med" len="med"/>
-                      <a:tailEnd type="none" w="med" len="med"/>
-                    </a:lnR>
-                    <a:lnT w="12700" cap="flat" cmpd="sng" algn="ctr">
-                      <a:solidFill>
-                        <a:schemeClr val="tx1"/>
-                      </a:solidFill>
-                      <a:prstDash val="solid"/>
-                      <a:round/>
-                      <a:headEnd type="none" w="med" len="med"/>
-                      <a:tailEnd type="none" w="med" len="med"/>
-                    </a:lnT>
-                    <a:lnB w="12700" cap="flat" cmpd="sng" algn="ctr">
-                      <a:solidFill>
-                        <a:schemeClr val="tx1"/>
-                      </a:solidFill>
-                      <a:prstDash val="solid"/>
-                      <a:round/>
-                      <a:headEnd type="none" w="med" len="med"/>
-                      <a:tailEnd type="none" w="med" len="med"/>
-                    </a:lnB>
-                  </a:tcPr>
-                </a:tc>
-                <a:tc>
-                  <a:txBody>
-                    <a:bodyPr/>
-                    <a:lstStyle/>
-                    <a:p>
-                      <a:pPr marL="0" marR="0" lvl="0" indent="0" algn="l" defTabSz="914400" rtl="0" eaLnBrk="1" fontAlgn="base" latinLnBrk="0" hangingPunct="1">
-                        <a:lnSpc>
-                          <a:spcPct val="100000"/>
-                        </a:lnSpc>
-                        <a:spcBef>
-                          <a:spcPct val="20000"/>
-                        </a:spcBef>
-                        <a:spcAft>
-                          <a:spcPct val="0"/>
-                        </a:spcAft>
-                        <a:buClr>
-                          <a:schemeClr val="accent1"/>
-                        </a:buClr>
-                        <a:buSzTx/>
-                        <a:buFont typeface="Webdings" pitchFamily="18" charset="2"/>
-                        <a:buNone/>
-                        <a:tabLst/>
-                      </a:pPr>
-                      <a:endParaRPr kumimoji="0" lang="en-US" sz="1600" b="0" i="0" u="none" strike="noStrike" cap="none" normalizeH="0" baseline="0" dirty="0" smtClean="0">
-                        <a:ln>
-                          <a:noFill/>
-                        </a:ln>
-                        <a:solidFill>
-                          <a:schemeClr val="tx2"/>
-                        </a:solidFill>
-                        <a:effectLst/>
-                        <a:latin typeface="Arial" charset="0"/>
-                      </a:endParaRPr>
-                    </a:p>
-                  </a:txBody>
-                  <a:tcPr marL="82333" marR="82333" horzOverflow="overflow">
-                    <a:lnL w="12700" cap="flat" cmpd="sng" algn="ctr">
-                      <a:solidFill>
-                        <a:schemeClr val="tx1"/>
-                      </a:solidFill>
-                      <a:prstDash val="solid"/>
-                      <a:round/>
-                      <a:headEnd type="none" w="med" len="med"/>
-                      <a:tailEnd type="none" w="med" len="med"/>
-                    </a:lnL>
-                    <a:lnR w="12700" cap="flat" cmpd="sng" algn="ctr">
-                      <a:solidFill>
-                        <a:schemeClr val="tx1"/>
-                      </a:solidFill>
-                      <a:prstDash val="solid"/>
-                      <a:round/>
-                      <a:headEnd type="none" w="med" len="med"/>
-                      <a:tailEnd type="none" w="med" len="med"/>
-                    </a:lnR>
-                    <a:lnT w="12700" cap="flat" cmpd="sng" algn="ctr">
-                      <a:solidFill>
-                        <a:schemeClr val="tx1"/>
-                      </a:solidFill>
-                      <a:prstDash val="solid"/>
-                      <a:round/>
-                      <a:headEnd type="none" w="med" len="med"/>
-                      <a:tailEnd type="none" w="med" len="med"/>
-                    </a:lnT>
-                    <a:lnB w="12700" cap="flat" cmpd="sng" algn="ctr">
-                      <a:solidFill>
-                        <a:schemeClr val="tx1"/>
-                      </a:solidFill>
-                      <a:prstDash val="solid"/>
-                      <a:round/>
-                      <a:headEnd type="none" w="med" len="med"/>
-                      <a:tailEnd type="none" w="med" len="med"/>
-                    </a:lnB>
-                  </a:tcPr>
-                </a:tc>
-                <a:tc>
-                  <a:txBody>
-                    <a:bodyPr/>
-                    <a:lstStyle/>
-                    <a:p>
-                      <a:pPr marL="0" marR="0" lvl="0" indent="0" algn="l" defTabSz="914400" rtl="0" eaLnBrk="1" fontAlgn="base" latinLnBrk="0" hangingPunct="1">
-                        <a:lnSpc>
-                          <a:spcPct val="100000"/>
-                        </a:lnSpc>
-                        <a:spcBef>
-                          <a:spcPct val="20000"/>
-                        </a:spcBef>
-                        <a:spcAft>
-                          <a:spcPct val="0"/>
-                        </a:spcAft>
-                        <a:buClr>
-                          <a:schemeClr val="accent1"/>
-                        </a:buClr>
-                        <a:buSzTx/>
-                        <a:buFont typeface="Webdings" pitchFamily="18" charset="2"/>
-                        <a:buNone/>
-                        <a:tabLst/>
-                      </a:pPr>
-                      <a:endParaRPr kumimoji="0" lang="en-US" sz="1600" b="0" i="0" u="none" strike="noStrike" cap="none" normalizeH="0" baseline="0" dirty="0" smtClean="0">
-                        <a:ln>
-                          <a:noFill/>
-                        </a:ln>
-                        <a:solidFill>
-                          <a:schemeClr val="tx2"/>
-                        </a:solidFill>
-                        <a:effectLst/>
-                        <a:latin typeface="Arial" charset="0"/>
-                      </a:endParaRPr>
-                    </a:p>
-                  </a:txBody>
-                  <a:tcPr marL="82333" marR="82333" horzOverflow="overflow">
-                    <a:lnL w="12700" cap="flat" cmpd="sng" algn="ctr">
-                      <a:solidFill>
-                        <a:schemeClr val="tx1"/>
-                      </a:solidFill>
-                      <a:prstDash val="solid"/>
-                      <a:round/>
-                      <a:headEnd type="none" w="med" len="med"/>
-                      <a:tailEnd type="none" w="med" len="med"/>
-                    </a:lnL>
-                    <a:lnR w="12700" cap="flat" cmpd="sng" algn="ctr">
-                      <a:solidFill>
-                        <a:schemeClr val="tx1"/>
-                      </a:solidFill>
-                      <a:prstDash val="solid"/>
-                      <a:round/>
-                      <a:headEnd type="none" w="med" len="med"/>
-                      <a:tailEnd type="none" w="med" len="med"/>
-                    </a:lnR>
-                    <a:lnT w="12700" cap="flat" cmpd="sng" algn="ctr">
-                      <a:solidFill>
-                        <a:schemeClr val="tx1"/>
-                      </a:solidFill>
-                      <a:prstDash val="solid"/>
-                      <a:round/>
-                      <a:headEnd type="none" w="med" len="med"/>
-                      <a:tailEnd type="none" w="med" len="med"/>
-                    </a:lnT>
-                    <a:lnB w="12700" cap="flat" cmpd="sng" algn="ctr">
-                      <a:solidFill>
-                        <a:schemeClr val="tx1"/>
-                      </a:solidFill>
-                      <a:prstDash val="solid"/>
-                      <a:round/>
-                      <a:headEnd type="none" w="med" len="med"/>
-                      <a:tailEnd type="none" w="med" len="med"/>
-                    </a:lnB>
-                  </a:tcPr>
-                </a:tc>
-              </a:tr>
-              <a:tr h="0">
-                <a:tc>
-                  <a:txBody>
-                    <a:bodyPr/>
-                    <a:lstStyle/>
-                    <a:p>
-                      <a:pPr marL="0" marR="0" lvl="0" indent="0" algn="l" defTabSz="914400" rtl="0" eaLnBrk="1" fontAlgn="base" latinLnBrk="0" hangingPunct="1">
-                        <a:lnSpc>
-                          <a:spcPct val="100000"/>
-                        </a:lnSpc>
-                        <a:spcBef>
-                          <a:spcPct val="20000"/>
-                        </a:spcBef>
-                        <a:spcAft>
-                          <a:spcPct val="0"/>
-                        </a:spcAft>
-                        <a:buClr>
-                          <a:schemeClr val="accent1"/>
-                        </a:buClr>
-                        <a:buSzTx/>
-                        <a:buFont typeface="Webdings" pitchFamily="18" charset="2"/>
-                        <a:buNone/>
-                        <a:tabLst/>
-                      </a:pPr>
-                      <a:endParaRPr kumimoji="0" lang="en-US" sz="1400" b="0" i="0" u="none" strike="noStrike" cap="none" normalizeH="0" baseline="0" dirty="0" smtClean="0">
-                        <a:ln>
-                          <a:noFill/>
-                        </a:ln>
-                        <a:solidFill>
-                          <a:schemeClr val="tx2"/>
-                        </a:solidFill>
-                        <a:effectLst/>
-                        <a:latin typeface="Arial" charset="0"/>
-                      </a:endParaRPr>
-                    </a:p>
-                  </a:txBody>
-                  <a:tcPr marT="45723" marB="45723" horzOverflow="overflow">
-                    <a:lnL w="12700" cap="flat" cmpd="sng" algn="ctr">
-                      <a:solidFill>
-                        <a:schemeClr val="tx1"/>
-                      </a:solidFill>
-                      <a:prstDash val="solid"/>
-                      <a:round/>
-                      <a:headEnd type="none" w="med" len="med"/>
-                      <a:tailEnd type="none" w="med" len="med"/>
-                    </a:lnL>
-                    <a:lnR w="12700" cap="flat" cmpd="sng" algn="ctr">
-                      <a:solidFill>
-                        <a:schemeClr val="tx1"/>
-                      </a:solidFill>
-                      <a:prstDash val="solid"/>
-                      <a:round/>
-                      <a:headEnd type="none" w="med" len="med"/>
-                      <a:tailEnd type="none" w="med" len="med"/>
-                    </a:lnR>
-                    <a:lnT w="12700" cap="flat" cmpd="sng" algn="ctr">
-                      <a:solidFill>
-                        <a:schemeClr val="tx1"/>
-                      </a:solidFill>
-                      <a:prstDash val="solid"/>
-                      <a:round/>
-                      <a:headEnd type="none" w="med" len="med"/>
-                      <a:tailEnd type="none" w="med" len="med"/>
-                    </a:lnT>
-                    <a:lnB w="12700" cap="flat" cmpd="sng" algn="ctr">
-                      <a:solidFill>
-                        <a:schemeClr val="tx1"/>
-                      </a:solidFill>
-                      <a:prstDash val="solid"/>
-                      <a:round/>
-                      <a:headEnd type="none" w="med" len="med"/>
-                      <a:tailEnd type="none" w="med" len="med"/>
-                    </a:lnB>
-                  </a:tcPr>
-                </a:tc>
-                <a:tc>
-                  <a:txBody>
-                    <a:bodyPr/>
-                    <a:lstStyle/>
-                    <a:p>
-                      <a:pPr marL="0" marR="0" lvl="0" indent="0" algn="l" defTabSz="914400" rtl="0" eaLnBrk="1" fontAlgn="base" latinLnBrk="0" hangingPunct="1">
-                        <a:lnSpc>
-                          <a:spcPct val="100000"/>
-                        </a:lnSpc>
-                        <a:spcBef>
-                          <a:spcPct val="20000"/>
-                        </a:spcBef>
-                        <a:spcAft>
-                          <a:spcPct val="0"/>
-                        </a:spcAft>
-                        <a:buClr>
-                          <a:schemeClr val="accent1"/>
-                        </a:buClr>
-                        <a:buSzTx/>
-                        <a:buFont typeface="Webdings" pitchFamily="18" charset="2"/>
-                        <a:buNone/>
-                        <a:tabLst/>
-                      </a:pPr>
-                      <a:endParaRPr kumimoji="0" lang="en-US" sz="1600" b="0" i="0" u="none" strike="noStrike" cap="none" normalizeH="0" baseline="0" dirty="0" smtClean="0">
-                        <a:ln>
-                          <a:noFill/>
-                        </a:ln>
-                        <a:solidFill>
-                          <a:schemeClr val="tx2"/>
-                        </a:solidFill>
-                        <a:effectLst/>
-                        <a:latin typeface="Arial" charset="0"/>
-                      </a:endParaRPr>
-                    </a:p>
-                  </a:txBody>
-                  <a:tcPr marT="45723" marB="45723" horzOverflow="overflow">
-                    <a:lnL w="12700" cap="flat" cmpd="sng" algn="ctr">
-                      <a:solidFill>
-                        <a:schemeClr val="tx1"/>
-                      </a:solidFill>
-                      <a:prstDash val="solid"/>
-                      <a:round/>
-                      <a:headEnd type="none" w="med" len="med"/>
-                      <a:tailEnd type="none" w="med" len="med"/>
-                    </a:lnL>
-                    <a:lnR w="12700" cap="flat" cmpd="sng" algn="ctr">
-                      <a:solidFill>
-                        <a:schemeClr val="tx1"/>
-                      </a:solidFill>
-                      <a:prstDash val="solid"/>
-                      <a:round/>
-                      <a:headEnd type="none" w="med" len="med"/>
-                      <a:tailEnd type="none" w="med" len="med"/>
-                    </a:lnR>
-                    <a:lnT w="12700" cap="flat" cmpd="sng" algn="ctr">
-                      <a:solidFill>
-                        <a:schemeClr val="tx1"/>
-                      </a:solidFill>
-                      <a:prstDash val="solid"/>
-                      <a:round/>
-                      <a:headEnd type="none" w="med" len="med"/>
-                      <a:tailEnd type="none" w="med" len="med"/>
-                    </a:lnT>
-                    <a:lnB w="12700" cap="flat" cmpd="sng" algn="ctr">
-                      <a:solidFill>
-                        <a:schemeClr val="tx1"/>
-                      </a:solidFill>
-                      <a:prstDash val="solid"/>
-                      <a:round/>
-                      <a:headEnd type="none" w="med" len="med"/>
-                      <a:tailEnd type="none" w="med" len="med"/>
-                    </a:lnB>
-                  </a:tcPr>
-                </a:tc>
-                <a:tc>
-                  <a:txBody>
-                    <a:bodyPr/>
-                    <a:lstStyle/>
-                    <a:p>
-                      <a:pPr marL="0" marR="0" lvl="0" indent="0" algn="l" defTabSz="914400" rtl="0" eaLnBrk="1" fontAlgn="base" latinLnBrk="0" hangingPunct="1">
-                        <a:lnSpc>
-                          <a:spcPct val="100000"/>
-                        </a:lnSpc>
-                        <a:spcBef>
-                          <a:spcPct val="20000"/>
-                        </a:spcBef>
-                        <a:spcAft>
-                          <a:spcPct val="0"/>
-                        </a:spcAft>
-                        <a:buClr>
-                          <a:schemeClr val="accent1"/>
-                        </a:buClr>
-                        <a:buSzTx/>
-                        <a:buFont typeface="Webdings" pitchFamily="18" charset="2"/>
-                        <a:buNone/>
-                        <a:tabLst/>
-                      </a:pPr>
-                      <a:endParaRPr kumimoji="0" lang="en-US" sz="1600" b="0" i="0" u="none" strike="noStrike" cap="none" normalizeH="0" baseline="0" dirty="0" smtClean="0">
-                        <a:ln>
-                          <a:noFill/>
-                        </a:ln>
-                        <a:solidFill>
-                          <a:schemeClr val="tx2"/>
-                        </a:solidFill>
-                        <a:effectLst/>
-                        <a:latin typeface="Arial" charset="0"/>
-                      </a:endParaRPr>
-                    </a:p>
-                  </a:txBody>
-                  <a:tcPr marT="45723" marB="45723" horzOverflow="overflow">
-                    <a:lnL w="12700" cap="flat" cmpd="sng" algn="ctr">
-                      <a:solidFill>
-                        <a:schemeClr val="tx1"/>
-                      </a:solidFill>
-                      <a:prstDash val="solid"/>
-                      <a:round/>
-                      <a:headEnd type="none" w="med" len="med"/>
-                      <a:tailEnd type="none" w="med" len="med"/>
-                    </a:lnL>
-                    <a:lnR w="12700" cap="flat" cmpd="sng" algn="ctr">
-                      <a:solidFill>
-                        <a:schemeClr val="tx1"/>
-                      </a:solidFill>
-                      <a:prstDash val="solid"/>
-                      <a:round/>
-                      <a:headEnd type="none" w="med" len="med"/>
-                      <a:tailEnd type="none" w="med" len="med"/>
-                    </a:lnR>
-                    <a:lnT w="12700" cap="flat" cmpd="sng" algn="ctr">
-                      <a:solidFill>
-                        <a:schemeClr val="tx1"/>
-                      </a:solidFill>
-                      <a:prstDash val="solid"/>
-                      <a:round/>
-                      <a:headEnd type="none" w="med" len="med"/>
-                      <a:tailEnd type="none" w="med" len="med"/>
-                    </a:lnT>
-                    <a:lnB w="12700" cap="flat" cmpd="sng" algn="ctr">
-                      <a:solidFill>
-                        <a:schemeClr val="tx1"/>
-                      </a:solidFill>
-                      <a:prstDash val="solid"/>
-                      <a:round/>
-                      <a:headEnd type="none" w="med" len="med"/>
-                      <a:tailEnd type="none" w="med" len="med"/>
-                    </a:lnB>
-                  </a:tcPr>
-                </a:tc>
-              </a:tr>
-              <a:tr h="166193">
-                <a:tc>
-                  <a:txBody>
-                    <a:bodyPr/>
-                    <a:lstStyle/>
-                    <a:p>
-                      <a:pPr marL="0" marR="0" lvl="0" indent="0" algn="l" defTabSz="914400" rtl="0" eaLnBrk="1" fontAlgn="base" latinLnBrk="0" hangingPunct="1">
-                        <a:lnSpc>
-                          <a:spcPct val="100000"/>
-                        </a:lnSpc>
-                        <a:spcBef>
-                          <a:spcPct val="20000"/>
-                        </a:spcBef>
-                        <a:spcAft>
-                          <a:spcPct val="0"/>
-                        </a:spcAft>
-                        <a:buClr>
-                          <a:schemeClr val="accent1"/>
-                        </a:buClr>
-                        <a:buSzTx/>
-                        <a:buFont typeface="Webdings" pitchFamily="18" charset="2"/>
-                        <a:buNone/>
-                        <a:tabLst/>
-                        <a:defRPr/>
-                      </a:pPr>
-                      <a:endParaRPr lang="pt-BR" sz="1400" dirty="0" smtClean="0"/>
-                    </a:p>
-                  </a:txBody>
-                  <a:tcPr marT="45723" marB="45723" horzOverflow="overflow">
-                    <a:lnL w="12700" cap="flat" cmpd="sng" algn="ctr">
-                      <a:solidFill>
-                        <a:schemeClr val="tx1"/>
-                      </a:solidFill>
-                      <a:prstDash val="solid"/>
-                      <a:round/>
-                      <a:headEnd type="none" w="med" len="med"/>
-                      <a:tailEnd type="none" w="med" len="med"/>
-                    </a:lnL>
-                    <a:lnR w="12700" cap="flat" cmpd="sng" algn="ctr">
-                      <a:solidFill>
-                        <a:schemeClr val="tx1"/>
-                      </a:solidFill>
-                      <a:prstDash val="solid"/>
-                      <a:round/>
-                      <a:headEnd type="none" w="med" len="med"/>
-                      <a:tailEnd type="none" w="med" len="med"/>
-                    </a:lnR>
-                    <a:lnT w="12700" cap="flat" cmpd="sng" algn="ctr">
-                      <a:solidFill>
-                        <a:schemeClr val="tx1"/>
-                      </a:solidFill>
-                      <a:prstDash val="solid"/>
-                      <a:round/>
-                      <a:headEnd type="none" w="med" len="med"/>
-                      <a:tailEnd type="none" w="med" len="med"/>
-                    </a:lnT>
-                    <a:lnB w="12700" cap="flat" cmpd="sng" algn="ctr">
-                      <a:solidFill>
-                        <a:schemeClr val="tx1"/>
-                      </a:solidFill>
-                      <a:prstDash val="solid"/>
-                      <a:round/>
-                      <a:headEnd type="none" w="med" len="med"/>
-                      <a:tailEnd type="none" w="med" len="med"/>
-                    </a:lnB>
-                  </a:tcPr>
-                </a:tc>
-                <a:tc>
-                  <a:txBody>
-                    <a:bodyPr/>
-                    <a:lstStyle/>
-                    <a:p>
-                      <a:pPr marL="0" marR="0" lvl="0" indent="0" algn="l" defTabSz="914400" rtl="0" eaLnBrk="1" fontAlgn="base" latinLnBrk="0" hangingPunct="1">
-                        <a:lnSpc>
-                          <a:spcPct val="100000"/>
-                        </a:lnSpc>
-                        <a:spcBef>
-                          <a:spcPct val="20000"/>
-                        </a:spcBef>
-                        <a:spcAft>
-                          <a:spcPct val="0"/>
-                        </a:spcAft>
-                        <a:buClr>
-                          <a:schemeClr val="accent1"/>
-                        </a:buClr>
-                        <a:buSzTx/>
-                        <a:buFont typeface="Webdings" pitchFamily="18" charset="2"/>
-                        <a:buNone/>
-                        <a:tabLst/>
-                      </a:pPr>
-                      <a:endParaRPr kumimoji="0" lang="pt-BR" sz="1600" b="0" i="0" u="none" strike="noStrike" cap="none" normalizeH="0" baseline="0" dirty="0" smtClean="0">
-                        <a:ln>
-                          <a:noFill/>
-                        </a:ln>
-                        <a:solidFill>
-                          <a:schemeClr val="tx2"/>
-                        </a:solidFill>
-                        <a:effectLst/>
-                        <a:latin typeface="Arial" charset="0"/>
-                      </a:endParaRPr>
-                    </a:p>
-                  </a:txBody>
-                  <a:tcPr marT="45723" marB="45723" horzOverflow="overflow">
-                    <a:lnL w="12700" cap="flat" cmpd="sng" algn="ctr">
-                      <a:solidFill>
-                        <a:schemeClr val="tx1"/>
-                      </a:solidFill>
-                      <a:prstDash val="solid"/>
-                      <a:round/>
-                      <a:headEnd type="none" w="med" len="med"/>
-                      <a:tailEnd type="none" w="med" len="med"/>
-                    </a:lnL>
-                    <a:lnR w="12700" cap="flat" cmpd="sng" algn="ctr">
-                      <a:solidFill>
-                        <a:schemeClr val="tx1"/>
-                      </a:solidFill>
-                      <a:prstDash val="solid"/>
-                      <a:round/>
-                      <a:headEnd type="none" w="med" len="med"/>
-                      <a:tailEnd type="none" w="med" len="med"/>
-                    </a:lnR>
-                    <a:lnT w="12700" cap="flat" cmpd="sng" algn="ctr">
-                      <a:solidFill>
-                        <a:schemeClr val="tx1"/>
-                      </a:solidFill>
-                      <a:prstDash val="solid"/>
-                      <a:round/>
-                      <a:headEnd type="none" w="med" len="med"/>
-                      <a:tailEnd type="none" w="med" len="med"/>
-                    </a:lnT>
-                    <a:lnB w="12700" cap="flat" cmpd="sng" algn="ctr">
-                      <a:solidFill>
-                        <a:schemeClr val="tx1"/>
-                      </a:solidFill>
-                      <a:prstDash val="solid"/>
-                      <a:round/>
-                      <a:headEnd type="none" w="med" len="med"/>
-                      <a:tailEnd type="none" w="med" len="med"/>
-                    </a:lnB>
-                  </a:tcPr>
-                </a:tc>
-                <a:tc>
-                  <a:txBody>
-                    <a:bodyPr/>
-                    <a:lstStyle/>
-                    <a:p>
-                      <a:pPr marL="0" marR="0" lvl="0" indent="0" algn="l" defTabSz="914400" rtl="0" eaLnBrk="1" fontAlgn="base" latinLnBrk="0" hangingPunct="1">
-                        <a:lnSpc>
-                          <a:spcPct val="100000"/>
-                        </a:lnSpc>
-                        <a:spcBef>
-                          <a:spcPct val="20000"/>
-                        </a:spcBef>
-                        <a:spcAft>
-                          <a:spcPct val="0"/>
-                        </a:spcAft>
-                        <a:buClr>
-                          <a:schemeClr val="accent1"/>
-                        </a:buClr>
-                        <a:buSzTx/>
-                        <a:buFont typeface="Webdings" pitchFamily="18" charset="2"/>
-                        <a:buNone/>
-                        <a:tabLst/>
-                      </a:pPr>
-                      <a:endParaRPr kumimoji="0" lang="pt-BR" sz="1600" b="0" i="0" u="none" strike="noStrike" cap="none" normalizeH="0" baseline="0" dirty="0" smtClean="0">
-                        <a:ln>
-                          <a:noFill/>
-                        </a:ln>
-                        <a:solidFill>
-                          <a:schemeClr val="tx2"/>
-                        </a:solidFill>
-                        <a:effectLst/>
-                        <a:latin typeface="Arial" charset="0"/>
-                      </a:endParaRPr>
-                    </a:p>
-                  </a:txBody>
-                  <a:tcPr marT="45723" marB="45723" horzOverflow="overflow">
-                    <a:lnL w="12700" cap="flat" cmpd="sng" algn="ctr">
-                      <a:solidFill>
-                        <a:schemeClr val="tx1"/>
-                      </a:solidFill>
-                      <a:prstDash val="solid"/>
-                      <a:round/>
-                      <a:headEnd type="none" w="med" len="med"/>
-                      <a:tailEnd type="none" w="med" len="med"/>
-                    </a:lnL>
-                    <a:lnR w="12700" cap="flat" cmpd="sng" algn="ctr">
-                      <a:solidFill>
-                        <a:schemeClr val="tx1"/>
-                      </a:solidFill>
-                      <a:prstDash val="solid"/>
-                      <a:round/>
-                      <a:headEnd type="none" w="med" len="med"/>
-                      <a:tailEnd type="none" w="med" len="med"/>
-                    </a:lnR>
-                    <a:lnT w="12700" cap="flat" cmpd="sng" algn="ctr">
-                      <a:solidFill>
-                        <a:schemeClr val="tx1"/>
-                      </a:solidFill>
-                      <a:prstDash val="solid"/>
-                      <a:round/>
-                      <a:headEnd type="none" w="med" len="med"/>
-                      <a:tailEnd type="none" w="med" len="med"/>
-                    </a:lnT>
-                    <a:lnB w="12700" cap="flat" cmpd="sng" algn="ctr">
-                      <a:solidFill>
-                        <a:schemeClr val="tx1"/>
-                      </a:solidFill>
-                      <a:prstDash val="solid"/>
-                      <a:round/>
-                      <a:headEnd type="none" w="med" len="med"/>
-                      <a:tailEnd type="none" w="med" len="med"/>
-                    </a:lnB>
-                  </a:tcPr>
-                </a:tc>
-              </a:tr>
-              <a:tr h="185743">
-                <a:tc>
-                  <a:txBody>
-                    <a:bodyPr/>
-                    <a:lstStyle/>
-                    <a:p>
-                      <a:pPr marL="0" marR="0" lvl="0" indent="0" algn="l" defTabSz="914400" rtl="0" eaLnBrk="1" fontAlgn="base" latinLnBrk="0" hangingPunct="1">
-                        <a:lnSpc>
-                          <a:spcPct val="100000"/>
-                        </a:lnSpc>
-                        <a:spcBef>
-                          <a:spcPct val="20000"/>
-                        </a:spcBef>
-                        <a:spcAft>
-                          <a:spcPct val="0"/>
-                        </a:spcAft>
-                        <a:buClr>
-                          <a:schemeClr val="accent1"/>
-                        </a:buClr>
-                        <a:buSzTx/>
-                        <a:buFont typeface="Webdings" pitchFamily="18" charset="2"/>
-                        <a:buNone/>
-                        <a:tabLst/>
-                      </a:pPr>
-                      <a:endParaRPr kumimoji="0" lang="pt-BR" sz="1400" b="0" i="0" u="none" strike="noStrike" cap="none" normalizeH="0" baseline="0" noProof="0" dirty="0" smtClean="0">
-                        <a:ln>
-                          <a:noFill/>
-                        </a:ln>
-                        <a:solidFill>
-                          <a:schemeClr val="bg2"/>
-                        </a:solidFill>
-                        <a:effectLst/>
-                        <a:latin typeface="Arial" charset="0"/>
-                      </a:endParaRPr>
-                    </a:p>
-                  </a:txBody>
-                  <a:tcPr marL="82333" marR="82333" horzOverflow="overflow">
-                    <a:lnL w="12700" cap="flat" cmpd="sng" algn="ctr">
-                      <a:solidFill>
-                        <a:schemeClr val="tx1"/>
-                      </a:solidFill>
-                      <a:prstDash val="solid"/>
-                      <a:round/>
-                      <a:headEnd type="none" w="med" len="med"/>
-                      <a:tailEnd type="none" w="med" len="med"/>
-                    </a:lnL>
-                    <a:lnR w="12700" cap="flat" cmpd="sng" algn="ctr">
-                      <a:solidFill>
-                        <a:schemeClr val="tx1"/>
-                      </a:solidFill>
-                      <a:prstDash val="solid"/>
-                      <a:round/>
-                      <a:headEnd type="none" w="med" len="med"/>
-                      <a:tailEnd type="none" w="med" len="med"/>
-                    </a:lnR>
-                    <a:lnT w="12700" cap="flat" cmpd="sng" algn="ctr">
-                      <a:solidFill>
-                        <a:schemeClr val="tx1"/>
-                      </a:solidFill>
-                      <a:prstDash val="solid"/>
-                      <a:round/>
-                      <a:headEnd type="none" w="med" len="med"/>
-                      <a:tailEnd type="none" w="med" len="med"/>
-                    </a:lnT>
-                    <a:lnB w="12700" cap="flat" cmpd="sng" algn="ctr">
-                      <a:solidFill>
-                        <a:schemeClr val="tx1"/>
-                      </a:solidFill>
-                      <a:prstDash val="solid"/>
-                      <a:round/>
-                      <a:headEnd type="none" w="med" len="med"/>
-                      <a:tailEnd type="none" w="med" len="med"/>
-                    </a:lnB>
-                  </a:tcPr>
-                </a:tc>
-                <a:tc>
-                  <a:txBody>
-                    <a:bodyPr/>
-                    <a:lstStyle/>
-                    <a:p>
-                      <a:pPr marL="0" marR="0" lvl="0" indent="0" algn="l" defTabSz="914400" rtl="0" eaLnBrk="1" fontAlgn="base" latinLnBrk="0" hangingPunct="1">
-                        <a:lnSpc>
-                          <a:spcPct val="100000"/>
-                        </a:lnSpc>
-                        <a:spcBef>
-                          <a:spcPct val="20000"/>
-                        </a:spcBef>
-                        <a:spcAft>
-                          <a:spcPct val="0"/>
-                        </a:spcAft>
-                        <a:buClr>
-                          <a:schemeClr val="accent1"/>
-                        </a:buClr>
-                        <a:buSzTx/>
-                        <a:buFont typeface="Webdings" pitchFamily="18" charset="2"/>
-                        <a:buNone/>
-                        <a:tabLst/>
-                      </a:pPr>
-                      <a:endParaRPr kumimoji="0" lang="en-US" sz="1600" b="0" i="0" u="none" strike="noStrike" cap="none" normalizeH="0" baseline="0" dirty="0" smtClean="0">
-                        <a:ln>
-                          <a:noFill/>
-                        </a:ln>
-                        <a:solidFill>
-                          <a:schemeClr val="tx2"/>
-                        </a:solidFill>
-                        <a:effectLst/>
-                        <a:latin typeface="Arial" charset="0"/>
-                      </a:endParaRPr>
-                    </a:p>
-                  </a:txBody>
-                  <a:tcPr marL="82333" marR="82333" horzOverflow="overflow">
-                    <a:lnL w="12700" cap="flat" cmpd="sng" algn="ctr">
-                      <a:solidFill>
-                        <a:schemeClr val="tx1"/>
-                      </a:solidFill>
-                      <a:prstDash val="solid"/>
-                      <a:round/>
-                      <a:headEnd type="none" w="med" len="med"/>
-                      <a:tailEnd type="none" w="med" len="med"/>
-                    </a:lnL>
-                    <a:lnR w="12700" cap="flat" cmpd="sng" algn="ctr">
-                      <a:solidFill>
-                        <a:schemeClr val="tx1"/>
-                      </a:solidFill>
-                      <a:prstDash val="solid"/>
-                      <a:round/>
-                      <a:headEnd type="none" w="med" len="med"/>
-                      <a:tailEnd type="none" w="med" len="med"/>
-                    </a:lnR>
-                    <a:lnT w="12700" cap="flat" cmpd="sng" algn="ctr">
-                      <a:solidFill>
-                        <a:schemeClr val="tx1"/>
-                      </a:solidFill>
-                      <a:prstDash val="solid"/>
-                      <a:round/>
-                      <a:headEnd type="none" w="med" len="med"/>
-                      <a:tailEnd type="none" w="med" len="med"/>
-                    </a:lnT>
-                    <a:lnB w="12700" cap="flat" cmpd="sng" algn="ctr">
-                      <a:solidFill>
-                        <a:schemeClr val="tx1"/>
-                      </a:solidFill>
-                      <a:prstDash val="solid"/>
-                      <a:round/>
-                      <a:headEnd type="none" w="med" len="med"/>
-                      <a:tailEnd type="none" w="med" len="med"/>
-                    </a:lnB>
-                  </a:tcPr>
-                </a:tc>
-                <a:tc>
-                  <a:txBody>
-                    <a:bodyPr/>
-                    <a:lstStyle/>
-                    <a:p>
-                      <a:pPr marL="0" marR="0" lvl="0" indent="0" algn="l" defTabSz="914400" rtl="0" eaLnBrk="1" fontAlgn="base" latinLnBrk="0" hangingPunct="1">
-                        <a:lnSpc>
-                          <a:spcPct val="100000"/>
-                        </a:lnSpc>
-                        <a:spcBef>
-                          <a:spcPct val="20000"/>
-                        </a:spcBef>
-                        <a:spcAft>
-                          <a:spcPct val="0"/>
-                        </a:spcAft>
-                        <a:buClr>
-                          <a:schemeClr val="accent1"/>
-                        </a:buClr>
-                        <a:buSzTx/>
-                        <a:buFont typeface="Webdings" pitchFamily="18" charset="2"/>
-                        <a:buNone/>
-                        <a:tabLst/>
-                      </a:pPr>
-                      <a:endParaRPr kumimoji="0" lang="en-US" sz="1600" b="0" i="0" u="none" strike="noStrike" cap="none" normalizeH="0" baseline="0" dirty="0" smtClean="0">
-                        <a:ln>
-                          <a:noFill/>
-                        </a:ln>
-                        <a:solidFill>
-                          <a:schemeClr val="tx2"/>
-                        </a:solidFill>
-                        <a:effectLst/>
-                        <a:latin typeface="Arial" charset="0"/>
-                      </a:endParaRPr>
-                    </a:p>
-                  </a:txBody>
-                  <a:tcPr marL="82333" marR="82333" horzOverflow="overflow">
-                    <a:lnL w="12700" cap="flat" cmpd="sng" algn="ctr">
-                      <a:solidFill>
-                        <a:schemeClr val="tx1"/>
-                      </a:solidFill>
-                      <a:prstDash val="solid"/>
-                      <a:round/>
-                      <a:headEnd type="none" w="med" len="med"/>
-                      <a:tailEnd type="none" w="med" len="med"/>
-                    </a:lnL>
-                    <a:lnR w="12700" cap="flat" cmpd="sng" algn="ctr">
-                      <a:solidFill>
-                        <a:schemeClr val="tx1"/>
-                      </a:solidFill>
-                      <a:prstDash val="solid"/>
-                      <a:round/>
-                      <a:headEnd type="none" w="med" len="med"/>
-                      <a:tailEnd type="none" w="med" len="med"/>
-                    </a:lnR>
-                    <a:lnT w="12700" cap="flat" cmpd="sng" algn="ctr">
-                      <a:solidFill>
-                        <a:schemeClr val="tx1"/>
-                      </a:solidFill>
-                      <a:prstDash val="solid"/>
-                      <a:round/>
-                      <a:headEnd type="none" w="med" len="med"/>
-                      <a:tailEnd type="none" w="med" len="med"/>
-                    </a:lnT>
-                    <a:lnB w="12700" cap="flat" cmpd="sng" algn="ctr">
-                      <a:solidFill>
-                        <a:schemeClr val="tx1"/>
-                      </a:solidFill>
-                      <a:prstDash val="solid"/>
-                      <a:round/>
-                      <a:headEnd type="none" w="med" len="med"/>
-                      <a:tailEnd type="none" w="med" len="med"/>
-                    </a:lnB>
-                  </a:tcPr>
-                </a:tc>
-              </a:tr>
-              <a:tr h="0">
-                <a:tc>
-                  <a:txBody>
-                    <a:bodyPr/>
-                    <a:lstStyle/>
-                    <a:p>
-                      <a:pPr marL="0" marR="0" lvl="0" indent="0" algn="l" defTabSz="914400" rtl="0" eaLnBrk="1" fontAlgn="base" latinLnBrk="0" hangingPunct="1">
-                        <a:lnSpc>
-                          <a:spcPct val="100000"/>
-                        </a:lnSpc>
-                        <a:spcBef>
-                          <a:spcPct val="20000"/>
-                        </a:spcBef>
-                        <a:spcAft>
-                          <a:spcPct val="0"/>
-                        </a:spcAft>
-                        <a:buClr>
-                          <a:schemeClr val="accent1"/>
-                        </a:buClr>
-                        <a:buSzTx/>
-                        <a:buFont typeface="Webdings" pitchFamily="18" charset="2"/>
-                        <a:buNone/>
-                        <a:tabLst/>
-                      </a:pPr>
-                      <a:endParaRPr kumimoji="0" lang="en-US" sz="1400" b="0" i="0" u="none" strike="noStrike" cap="none" normalizeH="0" baseline="0" dirty="0" smtClean="0">
-                        <a:ln>
-                          <a:noFill/>
-                        </a:ln>
-                        <a:solidFill>
-                          <a:schemeClr val="bg2"/>
-                        </a:solidFill>
-                        <a:effectLst/>
-                        <a:latin typeface="Arial" charset="0"/>
-                      </a:endParaRPr>
-                    </a:p>
-                  </a:txBody>
-                  <a:tcPr marT="45723" marB="45723" horzOverflow="overflow">
-                    <a:lnL w="12700" cap="flat" cmpd="sng" algn="ctr">
-                      <a:solidFill>
-                        <a:schemeClr val="tx1"/>
-                      </a:solidFill>
-                      <a:prstDash val="solid"/>
-                      <a:round/>
-                      <a:headEnd type="none" w="med" len="med"/>
-                      <a:tailEnd type="none" w="med" len="med"/>
-                    </a:lnL>
-                    <a:lnR w="12700" cap="flat" cmpd="sng" algn="ctr">
-                      <a:solidFill>
-                        <a:schemeClr val="tx1"/>
-                      </a:solidFill>
-                      <a:prstDash val="solid"/>
-                      <a:round/>
-                      <a:headEnd type="none" w="med" len="med"/>
-                      <a:tailEnd type="none" w="med" len="med"/>
-                    </a:lnR>
-                    <a:lnT w="12700" cap="flat" cmpd="sng" algn="ctr">
-                      <a:solidFill>
-                        <a:schemeClr val="tx1"/>
-                      </a:solidFill>
-                      <a:prstDash val="solid"/>
-                      <a:round/>
-                      <a:headEnd type="none" w="med" len="med"/>
-                      <a:tailEnd type="none" w="med" len="med"/>
-                    </a:lnT>
-                    <a:lnB w="12700" cap="flat" cmpd="sng" algn="ctr">
-                      <a:solidFill>
-                        <a:schemeClr val="tx1"/>
-                      </a:solidFill>
-                      <a:prstDash val="solid"/>
-                      <a:round/>
-                      <a:headEnd type="none" w="med" len="med"/>
-                      <a:tailEnd type="none" w="med" len="med"/>
-                    </a:lnB>
-                  </a:tcPr>
-                </a:tc>
-                <a:tc>
-                  <a:txBody>
-                    <a:bodyPr/>
-                    <a:lstStyle/>
-                    <a:p>
-                      <a:pPr marL="0" marR="0" lvl="0" indent="0" algn="l" defTabSz="914400" rtl="0" eaLnBrk="1" fontAlgn="base" latinLnBrk="0" hangingPunct="1">
-                        <a:lnSpc>
-                          <a:spcPct val="100000"/>
-                        </a:lnSpc>
-                        <a:spcBef>
-                          <a:spcPct val="20000"/>
-                        </a:spcBef>
-                        <a:spcAft>
-                          <a:spcPct val="0"/>
-                        </a:spcAft>
-                        <a:buClr>
-                          <a:schemeClr val="accent1"/>
-                        </a:buClr>
-                        <a:buSzTx/>
-                        <a:buFont typeface="Webdings" pitchFamily="18" charset="2"/>
-                        <a:buNone/>
-                        <a:tabLst/>
-                      </a:pPr>
-                      <a:endParaRPr kumimoji="0" lang="en-US" sz="1600" b="0" i="0" u="none" strike="noStrike" cap="none" normalizeH="0" baseline="0" dirty="0" smtClean="0">
-                        <a:ln>
-                          <a:noFill/>
-                        </a:ln>
-                        <a:solidFill>
-                          <a:schemeClr val="tx2"/>
-                        </a:solidFill>
-                        <a:effectLst/>
-                        <a:latin typeface="Arial" charset="0"/>
-                      </a:endParaRPr>
-                    </a:p>
-                  </a:txBody>
-                  <a:tcPr marT="45723" marB="45723" horzOverflow="overflow">
-                    <a:lnL w="12700" cap="flat" cmpd="sng" algn="ctr">
-                      <a:solidFill>
-                        <a:schemeClr val="tx1"/>
-                      </a:solidFill>
-                      <a:prstDash val="solid"/>
-                      <a:round/>
-                      <a:headEnd type="none" w="med" len="med"/>
-                      <a:tailEnd type="none" w="med" len="med"/>
-                    </a:lnL>
-                    <a:lnR w="12700" cap="flat" cmpd="sng" algn="ctr">
-                      <a:solidFill>
-                        <a:schemeClr val="tx1"/>
-                      </a:solidFill>
-                      <a:prstDash val="solid"/>
-                      <a:round/>
-                      <a:headEnd type="none" w="med" len="med"/>
-                      <a:tailEnd type="none" w="med" len="med"/>
-                    </a:lnR>
-                    <a:lnT w="12700" cap="flat" cmpd="sng" algn="ctr">
-                      <a:solidFill>
-                        <a:schemeClr val="tx1"/>
-                      </a:solidFill>
-                      <a:prstDash val="solid"/>
-                      <a:round/>
-                      <a:headEnd type="none" w="med" len="med"/>
-                      <a:tailEnd type="none" w="med" len="med"/>
-                    </a:lnT>
-                    <a:lnB w="12700" cap="flat" cmpd="sng" algn="ctr">
-                      <a:solidFill>
-                        <a:schemeClr val="tx1"/>
-                      </a:solidFill>
-                      <a:prstDash val="solid"/>
-                      <a:round/>
-                      <a:headEnd type="none" w="med" len="med"/>
-                      <a:tailEnd type="none" w="med" len="med"/>
-                    </a:lnB>
-                  </a:tcPr>
-                </a:tc>
-                <a:tc>
-                  <a:txBody>
-                    <a:bodyPr/>
-                    <a:lstStyle/>
-                    <a:p>
-                      <a:pPr marL="0" marR="0" lvl="0" indent="0" algn="l" defTabSz="914400" rtl="0" eaLnBrk="1" fontAlgn="base" latinLnBrk="0" hangingPunct="1">
-                        <a:lnSpc>
-                          <a:spcPct val="100000"/>
-                        </a:lnSpc>
-                        <a:spcBef>
-                          <a:spcPct val="20000"/>
-                        </a:spcBef>
-                        <a:spcAft>
-                          <a:spcPct val="0"/>
-                        </a:spcAft>
-                        <a:buClr>
-                          <a:schemeClr val="accent1"/>
-                        </a:buClr>
-                        <a:buSzTx/>
-                        <a:buFont typeface="Webdings" pitchFamily="18" charset="2"/>
-                        <a:buNone/>
-                        <a:tabLst/>
-                      </a:pPr>
-                      <a:endParaRPr kumimoji="0" lang="en-US" sz="1600" b="0" i="0" u="none" strike="noStrike" cap="none" normalizeH="0" baseline="0" dirty="0" smtClean="0">
-                        <a:ln>
-                          <a:noFill/>
-                        </a:ln>
-                        <a:solidFill>
-                          <a:schemeClr val="tx2"/>
-                        </a:solidFill>
-                        <a:effectLst/>
-                        <a:latin typeface="Arial" charset="0"/>
-                      </a:endParaRPr>
-                    </a:p>
-                  </a:txBody>
-                  <a:tcPr marT="45723" marB="45723" horzOverflow="overflow">
-                    <a:lnL w="12700" cap="flat" cmpd="sng" algn="ctr">
-                      <a:solidFill>
-                        <a:schemeClr val="tx1"/>
-                      </a:solidFill>
-                      <a:prstDash val="solid"/>
-                      <a:round/>
-                      <a:headEnd type="none" w="med" len="med"/>
-                      <a:tailEnd type="none" w="med" len="med"/>
-                    </a:lnL>
-                    <a:lnR w="12700" cap="flat" cmpd="sng" algn="ctr">
-                      <a:solidFill>
-                        <a:schemeClr val="tx1"/>
-                      </a:solidFill>
-                      <a:prstDash val="solid"/>
-                      <a:round/>
-                      <a:headEnd type="none" w="med" len="med"/>
-                      <a:tailEnd type="none" w="med" len="med"/>
-                    </a:lnR>
-                    <a:lnT w="12700" cap="flat" cmpd="sng" algn="ctr">
-                      <a:solidFill>
-                        <a:schemeClr val="tx1"/>
-                      </a:solidFill>
-                      <a:prstDash val="solid"/>
-                      <a:round/>
-                      <a:headEnd type="none" w="med" len="med"/>
-                      <a:tailEnd type="none" w="med" len="med"/>
-                    </a:lnT>
-                    <a:lnB w="12700" cap="flat" cmpd="sng" algn="ctr">
-                      <a:solidFill>
-                        <a:schemeClr val="tx1"/>
-                      </a:solidFill>
-                      <a:prstDash val="solid"/>
-                      <a:round/>
-                      <a:headEnd type="none" w="med" len="med"/>
-                      <a:tailEnd type="none" w="med" len="med"/>
-                    </a:lnB>
-                  </a:tcPr>
-                </a:tc>
-              </a:tr>
-            </a:tbl>
-          </a:graphicData>
-        </a:graphic>
-      </p:graphicFrame>
-      <p:sp>
-        <p:nvSpPr>
-          <p:cNvPr id="9" name="Content Placeholder 8"/>
-          <p:cNvSpPr>
-            <a:spLocks noGrp="1"/>
-          </p:cNvSpPr>
-          <p:nvPr>
-            <p:ph idx="1"/>
-          </p:nvPr>
-        </p:nvSpPr>
-        <p:spPr>
-          <a:xfrm>
-            <a:off x="539750" y="1066800"/>
-            <a:ext cx="8137525" cy="2722240"/>
-          </a:xfrm>
-        </p:spPr>
-        <p:txBody>
-          <a:bodyPr/>
-          <a:lstStyle/>
-          <a:p>
-            <a:endParaRPr lang="pt-BR" dirty="0"/>
-          </a:p>
-        </p:txBody>
-      </p:sp>
-    </p:spTree>
-    <p:extLst>
-      <p:ext uri="{BB962C8B-B14F-4D97-AF65-F5344CB8AC3E}">
-        <p14:creationId xmlns:p14="http://schemas.microsoft.com/office/powerpoint/2010/main" val="1436042675"/>
-      </p:ext>
-    </p:extLst>
-  </p:cSld>
-  <p:clrMapOvr>
-    <a:masterClrMapping/>
-  </p:clrMapOvr>
-  <p:timing>
-    <p:tnLst>
-      <p:par>
-        <p:cTn id="1" dur="indefinite" restart="never" nodeType="tmRoot"/>
-      </p:par>
-    </p:tnLst>
-  </p:timing>
-</p:sld>
-</file>
-
-<file path=ppt/slides/slide7.xml><?xml version="1.0" encoding="utf-8"?>
 <p:sld xmlns:a="http://schemas.openxmlformats.org/drawingml/2006/main" xmlns:r="http://schemas.openxmlformats.org/officeDocument/2006/relationships" xmlns:p="http://schemas.openxmlformats.org/presentationml/2006/main">
   <p:cSld>
     <p:spTree>
@@ -7308,18 +7123,17 @@
           <a:lstStyle/>
           <a:p>
             <a:r>
-              <a:rPr lang="pt-BR" dirty="0" smtClean="0"/>
+              <a:rPr lang="pt-BR" dirty="0"/>
               <a:t>Premissas</a:t>
             </a:r>
             <a:r>
-              <a:rPr lang="en-US" dirty="0" smtClean="0"/>
+              <a:rPr lang="en-US" dirty="0"/>
               <a:t> / </a:t>
             </a:r>
             <a:r>
-              <a:rPr lang="pt-BR" dirty="0" smtClean="0"/>
+              <a:rPr lang="pt-BR" dirty="0"/>
               <a:t>Restrições</a:t>
             </a:r>
-            <a:endParaRPr lang="pt-BR" dirty="0"/>
           </a:p>
         </p:txBody>
       </p:sp>
@@ -7352,17 +7166,10 @@
   <p:clrMapOvr>
     <a:masterClrMapping/>
   </p:clrMapOvr>
-  <p:timing>
-    <p:tnLst>
-      <p:par>
-        <p:cTn id="1" dur="indefinite" restart="never" nodeType="tmRoot"/>
-      </p:par>
-    </p:tnLst>
-  </p:timing>
 </p:sld>
 </file>
 
-<file path=ppt/slides/slide8.xml><?xml version="1.0" encoding="utf-8"?>
+<file path=ppt/slides/slide6.xml><?xml version="1.0" encoding="utf-8"?>
 <p:sld xmlns:a="http://schemas.openxmlformats.org/drawingml/2006/main" xmlns:r="http://schemas.openxmlformats.org/officeDocument/2006/relationships" xmlns:p="http://schemas.openxmlformats.org/presentationml/2006/main">
   <p:cSld>
     <p:spTree>
@@ -7395,10 +7202,9 @@
           <a:lstStyle/>
           <a:p>
             <a:r>
-              <a:rPr lang="pt-BR" dirty="0" smtClean="0"/>
+              <a:rPr lang="pt-BR" dirty="0"/>
               <a:t>Principais Pontos de Atenção / Riscos</a:t>
             </a:r>
-            <a:endParaRPr lang="pt-BR" dirty="0"/>
           </a:p>
         </p:txBody>
       </p:sp>
@@ -7431,13 +7237,309 @@
   <p:clrMapOvr>
     <a:masterClrMapping/>
   </p:clrMapOvr>
-  <p:timing>
-    <p:tnLst>
-      <p:par>
-        <p:cTn id="1" dur="indefinite" restart="never" nodeType="tmRoot"/>
-      </p:par>
-    </p:tnLst>
-  </p:timing>
+</p:sld>
+</file>
+
+<file path=ppt/slides/slide7.xml><?xml version="1.0" encoding="utf-8"?>
+<p:sld xmlns:a="http://schemas.openxmlformats.org/drawingml/2006/main" xmlns:r="http://schemas.openxmlformats.org/officeDocument/2006/relationships" xmlns:p="http://schemas.openxmlformats.org/presentationml/2006/main">
+  <p:cSld>
+    <p:spTree>
+      <p:nvGrpSpPr>
+        <p:cNvPr id="1" name=""/>
+        <p:cNvGrpSpPr/>
+        <p:nvPr/>
+      </p:nvGrpSpPr>
+      <p:grpSpPr>
+        <a:xfrm>
+          <a:off x="0" y="0"/>
+          <a:ext cx="0" cy="0"/>
+          <a:chOff x="0" y="0"/>
+          <a:chExt cx="0" cy="0"/>
+        </a:xfrm>
+      </p:grpSpPr>
+      <p:sp>
+        <p:nvSpPr>
+          <p:cNvPr id="18435" name="Rectangle 2"/>
+          <p:cNvSpPr>
+            <a:spLocks noGrp="1" noChangeArrowheads="1"/>
+          </p:cNvSpPr>
+          <p:nvPr>
+            <p:ph type="title"/>
+          </p:nvPr>
+        </p:nvSpPr>
+        <p:spPr/>
+        <p:txBody>
+          <a:bodyPr/>
+          <a:lstStyle/>
+          <a:p>
+            <a:pPr eaLnBrk="1" hangingPunct="1"/>
+            <a:r>
+              <a:rPr lang="pt-BR" dirty="0"/>
+              <a:t>Como o projeto será gerenciado</a:t>
+            </a:r>
+          </a:p>
+        </p:txBody>
+      </p:sp>
+      <p:sp>
+        <p:nvSpPr>
+          <p:cNvPr id="18436" name="Rectangle 3"/>
+          <p:cNvSpPr>
+            <a:spLocks noGrp="1" noChangeArrowheads="1"/>
+          </p:cNvSpPr>
+          <p:nvPr>
+            <p:ph idx="1"/>
+          </p:nvPr>
+        </p:nvSpPr>
+        <p:spPr/>
+        <p:txBody>
+          <a:bodyPr/>
+          <a:lstStyle/>
+          <a:p>
+            <a:pPr eaLnBrk="1" hangingPunct="1"/>
+            <a:r>
+              <a:rPr lang="pt-BR" dirty="0"/>
+              <a:t>Objetivo</a:t>
+            </a:r>
+            <a:r>
+              <a:rPr lang="en-US" dirty="0"/>
+              <a:t>: </a:t>
+            </a:r>
+          </a:p>
+          <a:p>
+            <a:pPr lvl="1" eaLnBrk="1" hangingPunct="1"/>
+            <a:r>
+              <a:rPr lang="pt-BR" dirty="0"/>
+              <a:t>Garantir que os módulos sejam entregues conforme prazo, custo e escopo já definidos.</a:t>
+            </a:r>
+          </a:p>
+          <a:p>
+            <a:pPr eaLnBrk="1" hangingPunct="1"/>
+            <a:r>
+              <a:rPr lang="pt-BR" dirty="0"/>
+              <a:t>Como:</a:t>
+            </a:r>
+          </a:p>
+          <a:p>
+            <a:pPr lvl="1" eaLnBrk="1" hangingPunct="1"/>
+            <a:r>
+              <a:rPr lang="pt-BR" dirty="0"/>
+              <a:t>Equipe de Projeto Eficiente </a:t>
+            </a:r>
+          </a:p>
+          <a:p>
+            <a:pPr lvl="1" eaLnBrk="1" hangingPunct="1"/>
+            <a:r>
+              <a:rPr lang="pt-BR" dirty="0"/>
+              <a:t>+ Gerente de Projeto Integrador</a:t>
+            </a:r>
+          </a:p>
+          <a:p>
+            <a:pPr lvl="1" eaLnBrk="1" hangingPunct="1"/>
+            <a:r>
+              <a:rPr lang="pt-BR" dirty="0"/>
+              <a:t>+ Metodologia otimizada baseada no Guia PMBOK®</a:t>
+            </a:r>
+          </a:p>
+          <a:p>
+            <a:pPr lvl="2" eaLnBrk="1" hangingPunct="1"/>
+            <a:r>
+              <a:rPr lang="pt-BR" dirty="0"/>
+              <a:t>Processos de gerenciamento de projetos e </a:t>
+            </a:r>
+          </a:p>
+          <a:p>
+            <a:pPr lvl="2" eaLnBrk="1" hangingPunct="1"/>
+            <a:r>
+              <a:rPr lang="pt-BR" dirty="0"/>
+              <a:t>Modelos de documentos </a:t>
+            </a:r>
+          </a:p>
+          <a:p>
+            <a:pPr lvl="2" eaLnBrk="1" hangingPunct="1"/>
+            <a:r>
+              <a:rPr lang="pt-BR" dirty="0"/>
+              <a:t>aperfeiçoados continuamente de acordo com as lições aprendidas e as melhores práticas identificadas.</a:t>
+            </a:r>
+          </a:p>
+          <a:p>
+            <a:pPr lvl="1" eaLnBrk="1" hangingPunct="1"/>
+            <a:endParaRPr lang="en-US" dirty="0"/>
+          </a:p>
+        </p:txBody>
+      </p:sp>
+    </p:spTree>
+    <p:extLst>
+      <p:ext uri="{BB962C8B-B14F-4D97-AF65-F5344CB8AC3E}">
+        <p14:creationId xmlns:p14="http://schemas.microsoft.com/office/powerpoint/2010/main" val="1944856321"/>
+      </p:ext>
+    </p:extLst>
+  </p:cSld>
+  <p:clrMapOvr>
+    <a:masterClrMapping/>
+  </p:clrMapOvr>
+</p:sld>
+</file>
+
+<file path=ppt/slides/slide8.xml><?xml version="1.0" encoding="utf-8"?>
+<p:sld xmlns:a="http://schemas.openxmlformats.org/drawingml/2006/main" xmlns:r="http://schemas.openxmlformats.org/officeDocument/2006/relationships" xmlns:p="http://schemas.openxmlformats.org/presentationml/2006/main">
+  <p:cSld>
+    <p:spTree>
+      <p:nvGrpSpPr>
+        <p:cNvPr id="1" name=""/>
+        <p:cNvGrpSpPr/>
+        <p:nvPr/>
+      </p:nvGrpSpPr>
+      <p:grpSpPr>
+        <a:xfrm>
+          <a:off x="0" y="0"/>
+          <a:ext cx="0" cy="0"/>
+          <a:chOff x="0" y="0"/>
+          <a:chExt cx="0" cy="0"/>
+        </a:xfrm>
+      </p:grpSpPr>
+      <p:sp>
+        <p:nvSpPr>
+          <p:cNvPr id="20483" name="Rectangle 2"/>
+          <p:cNvSpPr>
+            <a:spLocks noGrp="1" noChangeArrowheads="1"/>
+          </p:cNvSpPr>
+          <p:nvPr>
+            <p:ph type="title"/>
+          </p:nvPr>
+        </p:nvSpPr>
+        <p:spPr/>
+        <p:txBody>
+          <a:bodyPr/>
+          <a:lstStyle/>
+          <a:p>
+            <a:pPr eaLnBrk="1" hangingPunct="1"/>
+            <a:r>
+              <a:rPr lang="pt-BR" dirty="0"/>
+              <a:t>Iniciação</a:t>
+            </a:r>
+          </a:p>
+        </p:txBody>
+      </p:sp>
+      <p:sp>
+        <p:nvSpPr>
+          <p:cNvPr id="20484" name="Rectangle 3"/>
+          <p:cNvSpPr>
+            <a:spLocks noGrp="1" noChangeArrowheads="1"/>
+          </p:cNvSpPr>
+          <p:nvPr>
+            <p:ph idx="1"/>
+          </p:nvPr>
+        </p:nvSpPr>
+        <p:spPr>
+          <a:xfrm>
+            <a:off x="539750" y="908720"/>
+            <a:ext cx="8604250" cy="5334000"/>
+          </a:xfrm>
+        </p:spPr>
+        <p:txBody>
+          <a:bodyPr/>
+          <a:lstStyle/>
+          <a:p>
+            <a:pPr eaLnBrk="1" hangingPunct="1">
+              <a:lnSpc>
+                <a:spcPct val="90000"/>
+              </a:lnSpc>
+            </a:pPr>
+            <a:r>
+              <a:rPr lang="pt-BR" dirty="0"/>
+              <a:t>Objetivo: Kick-off para validar envolvidos e processos usados na gestão do projeto deixando todos alinhados.</a:t>
+            </a:r>
+          </a:p>
+          <a:p>
+            <a:pPr eaLnBrk="1" hangingPunct="1">
+              <a:lnSpc>
+                <a:spcPct val="90000"/>
+              </a:lnSpc>
+            </a:pPr>
+            <a:r>
+              <a:rPr lang="pt-BR" dirty="0"/>
+              <a:t>Fatores Críticos de Sucesso</a:t>
+            </a:r>
+          </a:p>
+          <a:p>
+            <a:pPr lvl="1" eaLnBrk="1" hangingPunct="1">
+              <a:lnSpc>
+                <a:spcPct val="90000"/>
+              </a:lnSpc>
+            </a:pPr>
+            <a:r>
+              <a:rPr lang="pt-BR" dirty="0"/>
+              <a:t>Definir com clareza o objetivo e a abrangência do projeto.</a:t>
+            </a:r>
+          </a:p>
+          <a:p>
+            <a:pPr lvl="1" eaLnBrk="1" hangingPunct="1">
+              <a:lnSpc>
+                <a:spcPct val="90000"/>
+              </a:lnSpc>
+            </a:pPr>
+            <a:r>
+              <a:rPr lang="pt-BR" dirty="0"/>
+              <a:t>Identificar partes interessadas no projeto e definir estratégias para ganhar suporte ou reduzir obstáculos.</a:t>
+            </a:r>
+          </a:p>
+          <a:p>
+            <a:pPr lvl="1" eaLnBrk="1" hangingPunct="1">
+              <a:lnSpc>
+                <a:spcPct val="90000"/>
+              </a:lnSpc>
+            </a:pPr>
+            <a:r>
+              <a:rPr lang="pt-BR" dirty="0"/>
+              <a:t>Identificação do gerente de projeto.</a:t>
+            </a:r>
+          </a:p>
+          <a:p>
+            <a:pPr lvl="1" eaLnBrk="1" hangingPunct="1">
+              <a:lnSpc>
+                <a:spcPct val="90000"/>
+              </a:lnSpc>
+            </a:pPr>
+            <a:r>
+              <a:rPr lang="pt-BR" dirty="0"/>
+              <a:t>Identificação da data de início e das dependências do projeto.</a:t>
+            </a:r>
+          </a:p>
+          <a:p>
+            <a:pPr lvl="1" eaLnBrk="1" hangingPunct="1">
+              <a:lnSpc>
+                <a:spcPct val="90000"/>
+              </a:lnSpc>
+            </a:pPr>
+            <a:r>
+              <a:rPr lang="pt-BR" dirty="0"/>
+              <a:t>Reconhecer no ambiente externo, oportunidades e ameaças.</a:t>
+            </a:r>
+          </a:p>
+          <a:p>
+            <a:pPr lvl="1" eaLnBrk="1" hangingPunct="1">
+              <a:lnSpc>
+                <a:spcPct val="90000"/>
+              </a:lnSpc>
+            </a:pPr>
+            <a:r>
+              <a:rPr lang="pt-BR" dirty="0"/>
+              <a:t>Aprovação do termo de abertura pelos clientes (Custos; Prazo; Escopo; ...).</a:t>
+            </a:r>
+            <a:endParaRPr lang="en-US" dirty="0"/>
+          </a:p>
+        </p:txBody>
+      </p:sp>
+    </p:spTree>
+    <p:extLst>
+      <p:ext uri="{BB962C8B-B14F-4D97-AF65-F5344CB8AC3E}">
+        <p14:creationId xmlns:p14="http://schemas.microsoft.com/office/powerpoint/2010/main" val="1465656448"/>
+      </p:ext>
+    </p:extLst>
+  </p:cSld>
+  <p:clrMapOvr>
+    <a:masterClrMapping/>
+  </p:clrMapOvr>
 </p:sld>
 </file>
 
@@ -7460,7 +7562,7 @@
       </p:grpSpPr>
       <p:sp>
         <p:nvSpPr>
-          <p:cNvPr id="35843" name="Rectangle 2"/>
+          <p:cNvPr id="24579" name="Rectangle 2"/>
           <p:cNvSpPr>
             <a:spLocks noGrp="1" noChangeArrowheads="1"/>
           </p:cNvSpPr>
@@ -7475,1129 +7577,175 @@
           <a:p>
             <a:pPr eaLnBrk="1" hangingPunct="1"/>
             <a:r>
-              <a:rPr lang="pt-BR" dirty="0" smtClean="0"/>
-              <a:t>Execução e Controle – Principais artefatos</a:t>
+              <a:rPr lang="pt-BR" dirty="0"/>
+              <a:t>Planejamento</a:t>
             </a:r>
           </a:p>
         </p:txBody>
       </p:sp>
-      <p:graphicFrame>
-        <p:nvGraphicFramePr>
-          <p:cNvPr id="5" name="Group 3"/>
-          <p:cNvGraphicFramePr>
-            <a:graphicFrameLocks/>
-          </p:cNvGraphicFramePr>
-          <p:nvPr>
-            <p:extLst>
-              <p:ext uri="{D42A27DB-BD31-4B8C-83A1-F6EECF244321}">
-                <p14:modId xmlns:p14="http://schemas.microsoft.com/office/powerpoint/2010/main" val="2900667527"/>
-              </p:ext>
-            </p:extLst>
-          </p:nvPr>
-        </p:nvGraphicFramePr>
-        <p:xfrm>
-          <a:off x="71438" y="1124744"/>
-          <a:ext cx="9037066" cy="2328672"/>
-        </p:xfrm>
-        <a:graphic>
-          <a:graphicData uri="http://schemas.openxmlformats.org/drawingml/2006/table">
-            <a:tbl>
-              <a:tblPr firstRow="1">
-                <a:tableStyleId>{69012ECD-51FC-41F1-AA8D-1B2483CD663E}</a:tableStyleId>
-              </a:tblPr>
-              <a:tblGrid>
-                <a:gridCol w="1672356"/>
-                <a:gridCol w="3415751"/>
-                <a:gridCol w="1280906"/>
-                <a:gridCol w="1707875"/>
-                <a:gridCol w="960178"/>
-              </a:tblGrid>
-              <a:tr h="329785">
-                <a:tc>
-                  <a:txBody>
-                    <a:bodyPr/>
-                    <a:lstStyle/>
-                    <a:p>
-                      <a:pPr marL="0" marR="0" lvl="0" indent="0" algn="l" defTabSz="914400" rtl="0" eaLnBrk="1" fontAlgn="base" latinLnBrk="0" hangingPunct="1">
-                        <a:lnSpc>
-                          <a:spcPct val="100000"/>
-                        </a:lnSpc>
-                        <a:spcBef>
-                          <a:spcPct val="20000"/>
-                        </a:spcBef>
-                        <a:spcAft>
-                          <a:spcPct val="0"/>
-                        </a:spcAft>
-                        <a:buClr>
-                          <a:schemeClr val="accent1"/>
-                        </a:buClr>
-                        <a:buSzTx/>
-                        <a:buFont typeface="Webdings" pitchFamily="18" charset="2"/>
-                        <a:buNone/>
-                        <a:tabLst/>
-                      </a:pPr>
-                      <a:r>
-                        <a:rPr kumimoji="0" lang="pt-BR" sz="1600" u="none" strike="noStrike" cap="none" normalizeH="0" baseline="0" dirty="0" smtClean="0">
-                          <a:ln>
-                            <a:noFill/>
-                          </a:ln>
-                          <a:effectLst/>
-                        </a:rPr>
-                        <a:t>What?</a:t>
-                      </a:r>
-                    </a:p>
-                    <a:p>
-                      <a:pPr marL="0" marR="0" lvl="0" indent="0" algn="l" defTabSz="914400" rtl="0" eaLnBrk="1" fontAlgn="base" latinLnBrk="0" hangingPunct="1">
-                        <a:lnSpc>
-                          <a:spcPct val="100000"/>
-                        </a:lnSpc>
-                        <a:spcBef>
-                          <a:spcPct val="20000"/>
-                        </a:spcBef>
-                        <a:spcAft>
-                          <a:spcPct val="0"/>
-                        </a:spcAft>
-                        <a:buClr>
-                          <a:schemeClr val="accent1"/>
-                        </a:buClr>
-                        <a:buSzTx/>
-                        <a:buFont typeface="Webdings" pitchFamily="18" charset="2"/>
-                        <a:buNone/>
-                        <a:tabLst/>
-                      </a:pPr>
-                      <a:r>
-                        <a:rPr kumimoji="0" lang="pt-BR" sz="1400" u="none" strike="noStrike" cap="none" normalizeH="0" baseline="0" dirty="0" smtClean="0">
-                          <a:ln>
-                            <a:noFill/>
-                          </a:ln>
-                          <a:effectLst/>
-                        </a:rPr>
-                        <a:t>Qual informação</a:t>
-                      </a:r>
-                      <a:endParaRPr kumimoji="0" lang="en-US" sz="1600" b="0" i="0" u="none" strike="noStrike" cap="none" normalizeH="0" baseline="0" dirty="0" smtClean="0">
-                        <a:ln>
-                          <a:noFill/>
-                        </a:ln>
-                        <a:solidFill>
-                          <a:schemeClr val="tx2"/>
-                        </a:solidFill>
-                        <a:effectLst/>
-                        <a:latin typeface="Arial" charset="0"/>
-                      </a:endParaRPr>
-                    </a:p>
-                  </a:txBody>
-                  <a:tcPr horzOverflow="overflow"/>
-                </a:tc>
-                <a:tc>
-                  <a:txBody>
-                    <a:bodyPr/>
-                    <a:lstStyle/>
-                    <a:p>
-                      <a:pPr marL="0" marR="0" lvl="0" indent="0" algn="l" defTabSz="914400" rtl="0" eaLnBrk="1" fontAlgn="base" latinLnBrk="0" hangingPunct="1">
-                        <a:lnSpc>
-                          <a:spcPct val="100000"/>
-                        </a:lnSpc>
-                        <a:spcBef>
-                          <a:spcPct val="20000"/>
-                        </a:spcBef>
-                        <a:spcAft>
-                          <a:spcPct val="0"/>
-                        </a:spcAft>
-                        <a:buClr>
-                          <a:schemeClr val="accent1"/>
-                        </a:buClr>
-                        <a:buSzTx/>
-                        <a:buFont typeface="Webdings" pitchFamily="18" charset="2"/>
-                        <a:buNone/>
-                        <a:tabLst/>
-                      </a:pPr>
-                      <a:r>
-                        <a:rPr kumimoji="0" lang="pt-BR" sz="1600" u="none" strike="noStrike" cap="none" normalizeH="0" baseline="0" dirty="0" smtClean="0">
-                          <a:ln>
-                            <a:noFill/>
-                          </a:ln>
-                          <a:effectLst/>
-                        </a:rPr>
-                        <a:t>Why?</a:t>
-                      </a:r>
-                    </a:p>
-                    <a:p>
-                      <a:pPr marL="0" marR="0" lvl="0" indent="0" algn="l" defTabSz="914400" rtl="0" eaLnBrk="1" fontAlgn="base" latinLnBrk="0" hangingPunct="1">
-                        <a:lnSpc>
-                          <a:spcPct val="100000"/>
-                        </a:lnSpc>
-                        <a:spcBef>
-                          <a:spcPct val="20000"/>
-                        </a:spcBef>
-                        <a:spcAft>
-                          <a:spcPct val="0"/>
-                        </a:spcAft>
-                        <a:buClr>
-                          <a:schemeClr val="accent1"/>
-                        </a:buClr>
-                        <a:buSzTx/>
-                        <a:buFont typeface="Webdings" pitchFamily="18" charset="2"/>
-                        <a:buNone/>
-                        <a:tabLst/>
-                      </a:pPr>
-                      <a:r>
-                        <a:rPr kumimoji="0" lang="pt-BR" sz="1400" u="none" strike="noStrike" cap="none" normalizeH="0" baseline="0" dirty="0" smtClean="0">
-                          <a:ln>
-                            <a:noFill/>
-                          </a:ln>
-                          <a:effectLst/>
-                        </a:rPr>
-                        <a:t>Qual propósito</a:t>
-                      </a:r>
-                      <a:endParaRPr kumimoji="0" lang="en-US" sz="1400" b="0" i="0" u="none" strike="noStrike" cap="none" normalizeH="0" baseline="0" dirty="0" smtClean="0">
-                        <a:ln>
-                          <a:noFill/>
-                        </a:ln>
-                        <a:solidFill>
-                          <a:schemeClr val="tx2"/>
-                        </a:solidFill>
-                        <a:effectLst/>
-                        <a:latin typeface="Arial" charset="0"/>
-                      </a:endParaRPr>
-                    </a:p>
-                  </a:txBody>
-                  <a:tcPr horzOverflow="overflow"/>
-                </a:tc>
-                <a:tc>
-                  <a:txBody>
-                    <a:bodyPr/>
-                    <a:lstStyle/>
-                    <a:p>
-                      <a:pPr marL="0" marR="0" lvl="0" indent="0" algn="l" defTabSz="914400" rtl="0" eaLnBrk="1" fontAlgn="base" latinLnBrk="0" hangingPunct="1">
-                        <a:lnSpc>
-                          <a:spcPct val="100000"/>
-                        </a:lnSpc>
-                        <a:spcBef>
-                          <a:spcPct val="20000"/>
-                        </a:spcBef>
-                        <a:spcAft>
-                          <a:spcPct val="0"/>
-                        </a:spcAft>
-                        <a:buClr>
-                          <a:schemeClr val="accent1"/>
-                        </a:buClr>
-                        <a:buSzTx/>
-                        <a:buFont typeface="Webdings" pitchFamily="18" charset="2"/>
-                        <a:buNone/>
-                        <a:tabLst/>
-                      </a:pPr>
-                      <a:r>
-                        <a:rPr kumimoji="0" lang="en-US" sz="1600" u="none" strike="noStrike" cap="none" normalizeH="0" baseline="0" dirty="0" smtClean="0">
-                          <a:ln>
-                            <a:noFill/>
-                          </a:ln>
-                          <a:effectLst/>
-                        </a:rPr>
-                        <a:t>Who?</a:t>
-                      </a:r>
-                      <a:br>
-                        <a:rPr kumimoji="0" lang="en-US" sz="1600" u="none" strike="noStrike" cap="none" normalizeH="0" baseline="0" dirty="0" smtClean="0">
-                          <a:ln>
-                            <a:noFill/>
-                          </a:ln>
-                          <a:effectLst/>
-                        </a:rPr>
-                      </a:br>
-                      <a:r>
-                        <a:rPr kumimoji="0" lang="pt-BR" sz="1400" u="none" strike="noStrike" cap="none" normalizeH="0" baseline="0" noProof="0" dirty="0" smtClean="0">
-                          <a:ln>
-                            <a:noFill/>
-                          </a:ln>
-                          <a:effectLst/>
-                        </a:rPr>
-                        <a:t>Responsável</a:t>
-                      </a:r>
-                      <a:endParaRPr kumimoji="0" lang="pt-BR" sz="1600" b="0" i="0" u="none" strike="noStrike" cap="none" normalizeH="0" baseline="0" noProof="0" dirty="0" smtClean="0">
-                        <a:ln>
-                          <a:noFill/>
-                        </a:ln>
-                        <a:solidFill>
-                          <a:schemeClr val="tx2"/>
-                        </a:solidFill>
-                        <a:effectLst/>
-                        <a:latin typeface="Arial" charset="0"/>
-                      </a:endParaRPr>
-                    </a:p>
-                  </a:txBody>
-                  <a:tcPr horzOverflow="overflow"/>
-                </a:tc>
-                <a:tc>
-                  <a:txBody>
-                    <a:bodyPr/>
-                    <a:lstStyle/>
-                    <a:p>
-                      <a:pPr marL="0" marR="0" lvl="0" indent="0" algn="l" defTabSz="914400" rtl="0" eaLnBrk="1" fontAlgn="base" latinLnBrk="0" hangingPunct="1">
-                        <a:lnSpc>
-                          <a:spcPct val="100000"/>
-                        </a:lnSpc>
-                        <a:spcBef>
-                          <a:spcPct val="20000"/>
-                        </a:spcBef>
-                        <a:spcAft>
-                          <a:spcPct val="0"/>
-                        </a:spcAft>
-                        <a:buClr>
-                          <a:schemeClr val="accent1"/>
-                        </a:buClr>
-                        <a:buSzTx/>
-                        <a:buFont typeface="Webdings" pitchFamily="18" charset="2"/>
-                        <a:buNone/>
-                        <a:tabLst/>
-                      </a:pPr>
-                      <a:r>
-                        <a:rPr kumimoji="0" lang="en-US" sz="1600" u="none" strike="noStrike" cap="none" normalizeH="0" baseline="0" dirty="0" smtClean="0">
-                          <a:ln>
-                            <a:noFill/>
-                          </a:ln>
-                          <a:effectLst/>
-                        </a:rPr>
-                        <a:t>When?</a:t>
-                      </a:r>
-                    </a:p>
-                    <a:p>
-                      <a:pPr marL="0" marR="0" lvl="0" indent="0" algn="l" defTabSz="914400" rtl="0" eaLnBrk="1" fontAlgn="base" latinLnBrk="0" hangingPunct="1">
-                        <a:lnSpc>
-                          <a:spcPct val="100000"/>
-                        </a:lnSpc>
-                        <a:spcBef>
-                          <a:spcPct val="20000"/>
-                        </a:spcBef>
-                        <a:spcAft>
-                          <a:spcPct val="0"/>
-                        </a:spcAft>
-                        <a:buClr>
-                          <a:schemeClr val="accent1"/>
-                        </a:buClr>
-                        <a:buSzTx/>
-                        <a:buFont typeface="Webdings" pitchFamily="18" charset="2"/>
-                        <a:buNone/>
-                        <a:tabLst/>
-                      </a:pPr>
-                      <a:r>
-                        <a:rPr kumimoji="0" lang="pt-BR" sz="1400" u="none" strike="noStrike" cap="none" normalizeH="0" baseline="0" noProof="0" dirty="0" smtClean="0">
-                          <a:ln>
-                            <a:noFill/>
-                          </a:ln>
-                          <a:effectLst/>
-                        </a:rPr>
-                        <a:t>Periodicidade</a:t>
-                      </a:r>
-                      <a:endParaRPr kumimoji="0" lang="pt-BR" sz="1400" b="0" i="0" u="none" strike="noStrike" cap="none" normalizeH="0" baseline="0" noProof="0" dirty="0" smtClean="0">
-                        <a:ln>
-                          <a:noFill/>
-                        </a:ln>
-                        <a:solidFill>
-                          <a:schemeClr val="tx2"/>
-                        </a:solidFill>
-                        <a:effectLst/>
-                        <a:latin typeface="Arial" charset="0"/>
-                      </a:endParaRPr>
-                    </a:p>
-                  </a:txBody>
-                  <a:tcPr horzOverflow="overflow"/>
-                </a:tc>
-                <a:tc>
-                  <a:txBody>
-                    <a:bodyPr/>
-                    <a:lstStyle/>
-                    <a:p>
-                      <a:pPr marL="0" marR="0" lvl="0" indent="0" algn="l" defTabSz="914400" rtl="0" eaLnBrk="1" fontAlgn="base" latinLnBrk="0" hangingPunct="1">
-                        <a:lnSpc>
-                          <a:spcPct val="100000"/>
-                        </a:lnSpc>
-                        <a:spcBef>
-                          <a:spcPct val="20000"/>
-                        </a:spcBef>
-                        <a:spcAft>
-                          <a:spcPct val="0"/>
-                        </a:spcAft>
-                        <a:buClr>
-                          <a:schemeClr val="accent1"/>
-                        </a:buClr>
-                        <a:buSzTx/>
-                        <a:buFont typeface="Webdings" pitchFamily="18" charset="2"/>
-                        <a:buNone/>
-                        <a:tabLst/>
-                      </a:pPr>
-                      <a:r>
-                        <a:rPr kumimoji="0" lang="en-US" sz="1600" u="none" strike="noStrike" cap="none" normalizeH="0" baseline="0" dirty="0" smtClean="0">
-                          <a:ln>
-                            <a:noFill/>
-                          </a:ln>
-                          <a:effectLst/>
-                        </a:rPr>
-                        <a:t>How?</a:t>
-                      </a:r>
-                    </a:p>
-                    <a:p>
-                      <a:pPr marL="0" marR="0" lvl="0" indent="0" algn="l" defTabSz="914400" rtl="0" eaLnBrk="1" fontAlgn="base" latinLnBrk="0" hangingPunct="1">
-                        <a:lnSpc>
-                          <a:spcPct val="100000"/>
-                        </a:lnSpc>
-                        <a:spcBef>
-                          <a:spcPct val="20000"/>
-                        </a:spcBef>
-                        <a:spcAft>
-                          <a:spcPct val="0"/>
-                        </a:spcAft>
-                        <a:buClr>
-                          <a:schemeClr val="accent1"/>
-                        </a:buClr>
-                        <a:buSzTx/>
-                        <a:buFont typeface="Webdings" pitchFamily="18" charset="2"/>
-                        <a:buNone/>
-                        <a:tabLst/>
-                      </a:pPr>
-                      <a:r>
-                        <a:rPr kumimoji="0" lang="en-US" sz="1400" u="none" strike="noStrike" cap="none" normalizeH="0" baseline="0" dirty="0" smtClean="0">
-                          <a:ln>
-                            <a:noFill/>
-                          </a:ln>
-                          <a:effectLst/>
-                        </a:rPr>
-                        <a:t>Forma</a:t>
-                      </a:r>
-                      <a:endParaRPr kumimoji="0" lang="en-US" sz="1400" b="0" i="0" u="none" strike="noStrike" cap="none" normalizeH="0" baseline="0" dirty="0" smtClean="0">
-                        <a:ln>
-                          <a:noFill/>
-                        </a:ln>
-                        <a:solidFill>
-                          <a:schemeClr val="tx2"/>
-                        </a:solidFill>
-                        <a:effectLst/>
-                        <a:latin typeface="Arial" charset="0"/>
-                      </a:endParaRPr>
-                    </a:p>
-                  </a:txBody>
-                  <a:tcPr horzOverflow="overflow"/>
-                </a:tc>
-              </a:tr>
-              <a:tr h="329785">
-                <a:tc>
-                  <a:txBody>
-                    <a:bodyPr/>
-                    <a:lstStyle/>
-                    <a:p>
-                      <a:pPr marL="0" lvl="1">
-                        <a:lnSpc>
-                          <a:spcPct val="90000"/>
-                        </a:lnSpc>
-                      </a:pPr>
-                      <a:r>
-                        <a:rPr lang="pt-BR" sz="1600" dirty="0" smtClean="0">
-                          <a:effectLst/>
-                          <a:hlinkClick r:id="rId3"/>
-                        </a:rPr>
-                        <a:t>Registro das mudanças</a:t>
-                      </a:r>
-                      <a:endParaRPr lang="pt-BR" sz="1600" kern="1200" dirty="0">
-                        <a:solidFill>
-                          <a:schemeClr val="tx2"/>
-                        </a:solidFill>
-                        <a:latin typeface="+mn-lt"/>
-                        <a:ea typeface="+mn-ea"/>
-                        <a:cs typeface="+mn-cs"/>
-                      </a:endParaRPr>
-                    </a:p>
-                  </a:txBody>
-                  <a:tcPr horzOverflow="overflow"/>
-                </a:tc>
-                <a:tc>
-                  <a:txBody>
-                    <a:bodyPr/>
-                    <a:lstStyle/>
-                    <a:p>
-                      <a:pPr marL="0" marR="0" lvl="0" indent="0" algn="l" defTabSz="914400" rtl="0" eaLnBrk="1" fontAlgn="base" latinLnBrk="0" hangingPunct="1">
-                        <a:lnSpc>
-                          <a:spcPct val="100000"/>
-                        </a:lnSpc>
-                        <a:spcBef>
-                          <a:spcPct val="20000"/>
-                        </a:spcBef>
-                        <a:spcAft>
-                          <a:spcPct val="0"/>
-                        </a:spcAft>
-                        <a:buClr>
-                          <a:schemeClr val="accent1"/>
-                        </a:buClr>
-                        <a:buSzTx/>
-                        <a:buFont typeface="Webdings" pitchFamily="18" charset="2"/>
-                        <a:buNone/>
-                        <a:tabLst/>
-                      </a:pPr>
-                      <a:r>
-                        <a:rPr kumimoji="0" lang="pt-BR" sz="1600" u="none" strike="noStrike" cap="none" normalizeH="0" baseline="0" dirty="0" smtClean="0">
-                          <a:ln>
-                            <a:noFill/>
-                          </a:ln>
-                          <a:effectLst/>
-                        </a:rPr>
-                        <a:t>Registrar cada mudança solicitada e controlar seu status</a:t>
-                      </a:r>
-                      <a:endParaRPr kumimoji="0" lang="en-US" sz="1600" b="0" i="0" u="none" strike="noStrike" cap="none" normalizeH="0" baseline="0" dirty="0" smtClean="0">
-                        <a:ln>
-                          <a:noFill/>
-                        </a:ln>
-                        <a:solidFill>
-                          <a:schemeClr val="tx2"/>
-                        </a:solidFill>
-                        <a:effectLst/>
-                        <a:latin typeface="Arial" charset="0"/>
-                      </a:endParaRPr>
-                    </a:p>
-                  </a:txBody>
-                  <a:tcPr horzOverflow="overflow"/>
-                </a:tc>
-                <a:tc>
-                  <a:txBody>
-                    <a:bodyPr/>
-                    <a:lstStyle/>
-                    <a:p>
-                      <a:pPr marL="0" marR="0" lvl="0" indent="0" algn="l" defTabSz="914400" rtl="0" eaLnBrk="1" fontAlgn="base" latinLnBrk="0" hangingPunct="1">
-                        <a:lnSpc>
-                          <a:spcPct val="100000"/>
-                        </a:lnSpc>
-                        <a:spcBef>
-                          <a:spcPct val="20000"/>
-                        </a:spcBef>
-                        <a:spcAft>
-                          <a:spcPct val="0"/>
-                        </a:spcAft>
-                        <a:buClr>
-                          <a:schemeClr val="accent1"/>
-                        </a:buClr>
-                        <a:buSzTx/>
-                        <a:buFont typeface="Webdings" pitchFamily="18" charset="2"/>
-                        <a:buNone/>
-                        <a:tabLst/>
-                      </a:pPr>
-                      <a:r>
-                        <a:rPr kumimoji="0" lang="en-US" sz="1600" u="none" strike="noStrike" cap="none" normalizeH="0" baseline="0" dirty="0" smtClean="0">
-                          <a:ln>
-                            <a:noFill/>
-                          </a:ln>
-                          <a:effectLst/>
-                        </a:rPr>
-                        <a:t>GP</a:t>
-                      </a:r>
-                      <a:endParaRPr kumimoji="0" lang="en-US" sz="1600" b="0" i="0" u="none" strike="noStrike" cap="none" normalizeH="0" baseline="0" dirty="0" smtClean="0">
-                        <a:ln>
-                          <a:noFill/>
-                        </a:ln>
-                        <a:solidFill>
-                          <a:schemeClr val="tx2"/>
-                        </a:solidFill>
-                        <a:effectLst/>
-                        <a:latin typeface="Arial" charset="0"/>
-                      </a:endParaRPr>
-                    </a:p>
-                  </a:txBody>
-                  <a:tcPr horzOverflow="overflow"/>
-                </a:tc>
-                <a:tc>
-                  <a:txBody>
-                    <a:bodyPr/>
-                    <a:lstStyle/>
-                    <a:p>
-                      <a:pPr marL="0" marR="0" lvl="0" indent="0" algn="l" defTabSz="914400" rtl="0" eaLnBrk="1" fontAlgn="base" latinLnBrk="0" hangingPunct="1">
-                        <a:lnSpc>
-                          <a:spcPct val="100000"/>
-                        </a:lnSpc>
-                        <a:spcBef>
-                          <a:spcPct val="20000"/>
-                        </a:spcBef>
-                        <a:spcAft>
-                          <a:spcPct val="0"/>
-                        </a:spcAft>
-                        <a:buClr>
-                          <a:schemeClr val="accent1"/>
-                        </a:buClr>
-                        <a:buSzTx/>
-                        <a:buFont typeface="Webdings" pitchFamily="18" charset="2"/>
-                        <a:buNone/>
-                        <a:tabLst/>
-                      </a:pPr>
-                      <a:r>
-                        <a:rPr kumimoji="0" lang="en-US" sz="1600" u="none" strike="noStrike" cap="none" normalizeH="0" baseline="0" dirty="0" smtClean="0">
-                          <a:ln>
-                            <a:noFill/>
-                          </a:ln>
-                          <a:effectLst/>
-                        </a:rPr>
-                        <a:t>Nova </a:t>
-                      </a:r>
-                      <a:r>
-                        <a:rPr kumimoji="0" lang="pt-BR" sz="1600" u="none" strike="noStrike" cap="none" normalizeH="0" baseline="0" noProof="0" dirty="0" smtClean="0">
-                          <a:ln>
-                            <a:noFill/>
-                          </a:ln>
-                          <a:effectLst/>
-                        </a:rPr>
-                        <a:t>solicitação</a:t>
-                      </a:r>
-                      <a:endParaRPr kumimoji="0" lang="pt-BR" sz="1600" b="0" i="0" u="none" strike="noStrike" cap="none" normalizeH="0" baseline="0" noProof="0" dirty="0" smtClean="0">
-                        <a:ln>
-                          <a:noFill/>
-                        </a:ln>
-                        <a:solidFill>
-                          <a:schemeClr val="tx2"/>
-                        </a:solidFill>
-                        <a:effectLst/>
-                        <a:latin typeface="Arial" charset="0"/>
-                      </a:endParaRPr>
-                    </a:p>
-                  </a:txBody>
-                  <a:tcPr horzOverflow="overflow"/>
-                </a:tc>
-                <a:tc>
-                  <a:txBody>
-                    <a:bodyPr/>
-                    <a:lstStyle/>
-                    <a:p>
-                      <a:pPr marL="0" marR="0" lvl="0" indent="0" algn="l" defTabSz="914400" rtl="0" eaLnBrk="1" fontAlgn="base" latinLnBrk="0" hangingPunct="1">
-                        <a:lnSpc>
-                          <a:spcPct val="100000"/>
-                        </a:lnSpc>
-                        <a:spcBef>
-                          <a:spcPct val="20000"/>
-                        </a:spcBef>
-                        <a:spcAft>
-                          <a:spcPct val="0"/>
-                        </a:spcAft>
-                        <a:buClr>
-                          <a:schemeClr val="accent1"/>
-                        </a:buClr>
-                        <a:buSzTx/>
-                        <a:buFont typeface="Webdings" pitchFamily="18" charset="2"/>
-                        <a:buNone/>
-                        <a:tabLst/>
-                      </a:pPr>
-                      <a:r>
-                        <a:rPr kumimoji="0" lang="en-US" sz="1600" u="none" strike="noStrike" cap="none" normalizeH="0" baseline="0" dirty="0" smtClean="0">
-                          <a:ln>
-                            <a:noFill/>
-                          </a:ln>
-                          <a:effectLst/>
-                        </a:rPr>
-                        <a:t>XLSX</a:t>
-                      </a:r>
-                      <a:endParaRPr kumimoji="0" lang="en-US" sz="1600" b="0" i="0" u="none" strike="noStrike" cap="none" normalizeH="0" baseline="0" dirty="0" smtClean="0">
-                        <a:ln>
-                          <a:noFill/>
-                        </a:ln>
-                        <a:solidFill>
-                          <a:schemeClr val="tx2"/>
-                        </a:solidFill>
-                        <a:effectLst/>
-                        <a:latin typeface="Arial" charset="0"/>
-                      </a:endParaRPr>
-                    </a:p>
-                  </a:txBody>
-                  <a:tcPr horzOverflow="overflow"/>
-                </a:tc>
-              </a:tr>
-              <a:tr h="329785">
-                <a:tc>
-                  <a:txBody>
-                    <a:bodyPr/>
-                    <a:lstStyle/>
-                    <a:p>
-                      <a:pPr marL="0" marR="0" lvl="0" indent="0" algn="l" defTabSz="914400" rtl="0" eaLnBrk="1" fontAlgn="base" latinLnBrk="0" hangingPunct="1">
-                        <a:lnSpc>
-                          <a:spcPct val="100000"/>
-                        </a:lnSpc>
-                        <a:spcBef>
-                          <a:spcPts val="0"/>
-                        </a:spcBef>
-                        <a:spcAft>
-                          <a:spcPct val="0"/>
-                        </a:spcAft>
-                        <a:buClr>
-                          <a:schemeClr val="accent1"/>
-                        </a:buClr>
-                        <a:buSzTx/>
-                        <a:buFont typeface="Webdings" pitchFamily="18" charset="2"/>
-                        <a:buNone/>
-                        <a:tabLst/>
-                        <a:defRPr/>
-                      </a:pPr>
-                      <a:r>
-                        <a:rPr lang="pt-BR" sz="1600" dirty="0" smtClean="0">
-                          <a:hlinkClick r:id="rId4"/>
-                        </a:rPr>
-                        <a:t>Status Report</a:t>
-                      </a:r>
-                      <a:endParaRPr lang="pt-BR" sz="1600" dirty="0" smtClean="0">
-                        <a:solidFill>
-                          <a:schemeClr val="bg2"/>
-                        </a:solidFill>
-                      </a:endParaRPr>
-                    </a:p>
-                  </a:txBody>
-                  <a:tcPr horzOverflow="overflow"/>
-                </a:tc>
-                <a:tc>
-                  <a:txBody>
-                    <a:bodyPr/>
-                    <a:lstStyle/>
-                    <a:p>
-                      <a:pPr marL="0" marR="0" lvl="0" indent="0" algn="l" defTabSz="914400" rtl="0" eaLnBrk="1" fontAlgn="base" latinLnBrk="0" hangingPunct="1">
-                        <a:lnSpc>
-                          <a:spcPct val="100000"/>
-                        </a:lnSpc>
-                        <a:spcBef>
-                          <a:spcPct val="20000"/>
-                        </a:spcBef>
-                        <a:spcAft>
-                          <a:spcPct val="0"/>
-                        </a:spcAft>
-                        <a:buClr>
-                          <a:schemeClr val="accent1"/>
-                        </a:buClr>
-                        <a:buSzTx/>
-                        <a:buFont typeface="Webdings" pitchFamily="18" charset="2"/>
-                        <a:buNone/>
-                        <a:tabLst/>
-                      </a:pPr>
-                      <a:r>
-                        <a:rPr kumimoji="0" lang="pt-BR" sz="1600" u="none" strike="noStrike" cap="none" normalizeH="0" baseline="0" dirty="0" smtClean="0">
-                          <a:ln>
-                            <a:noFill/>
-                          </a:ln>
-                          <a:effectLst/>
-                        </a:rPr>
-                        <a:t>Divulgar informações pertinentes ao projeto</a:t>
-                      </a:r>
-                      <a:endParaRPr kumimoji="0" lang="en-US" sz="1600" b="0" i="0" u="none" strike="noStrike" cap="none" normalizeH="0" baseline="0" dirty="0" smtClean="0">
-                        <a:ln>
-                          <a:noFill/>
-                        </a:ln>
-                        <a:solidFill>
-                          <a:schemeClr val="tx2"/>
-                        </a:solidFill>
-                        <a:effectLst/>
-                        <a:latin typeface="Arial" charset="0"/>
-                      </a:endParaRPr>
-                    </a:p>
-                  </a:txBody>
-                  <a:tcPr horzOverflow="overflow"/>
-                </a:tc>
-                <a:tc>
-                  <a:txBody>
-                    <a:bodyPr/>
-                    <a:lstStyle/>
-                    <a:p>
-                      <a:pPr marL="0" marR="0" lvl="0" indent="0" algn="l" defTabSz="914400" rtl="0" eaLnBrk="1" fontAlgn="base" latinLnBrk="0" hangingPunct="1">
-                        <a:lnSpc>
-                          <a:spcPct val="100000"/>
-                        </a:lnSpc>
-                        <a:spcBef>
-                          <a:spcPct val="20000"/>
-                        </a:spcBef>
-                        <a:spcAft>
-                          <a:spcPct val="0"/>
-                        </a:spcAft>
-                        <a:buClr>
-                          <a:schemeClr val="accent1"/>
-                        </a:buClr>
-                        <a:buSzTx/>
-                        <a:buFont typeface="Webdings" pitchFamily="18" charset="2"/>
-                        <a:buNone/>
-                        <a:tabLst/>
-                      </a:pPr>
-                      <a:r>
-                        <a:rPr kumimoji="0" lang="en-US" sz="1600" u="none" strike="noStrike" cap="none" normalizeH="0" baseline="0" dirty="0" smtClean="0">
-                          <a:ln>
-                            <a:noFill/>
-                          </a:ln>
-                          <a:effectLst/>
-                        </a:rPr>
-                        <a:t>GP</a:t>
-                      </a:r>
-                      <a:endParaRPr kumimoji="0" lang="en-US" sz="1600" b="0" i="0" u="none" strike="noStrike" cap="none" normalizeH="0" baseline="0" dirty="0" smtClean="0">
-                        <a:ln>
-                          <a:noFill/>
-                        </a:ln>
-                        <a:solidFill>
-                          <a:schemeClr val="tx2"/>
-                        </a:solidFill>
-                        <a:effectLst/>
-                        <a:latin typeface="Arial" charset="0"/>
-                      </a:endParaRPr>
-                    </a:p>
-                  </a:txBody>
-                  <a:tcPr horzOverflow="overflow"/>
-                </a:tc>
-                <a:tc>
-                  <a:txBody>
-                    <a:bodyPr/>
-                    <a:lstStyle/>
-                    <a:p>
-                      <a:pPr marL="0" marR="0" lvl="0" indent="0" algn="l" defTabSz="914400" rtl="0" eaLnBrk="1" fontAlgn="base" latinLnBrk="0" hangingPunct="1">
-                        <a:lnSpc>
-                          <a:spcPct val="100000"/>
-                        </a:lnSpc>
-                        <a:spcBef>
-                          <a:spcPct val="20000"/>
-                        </a:spcBef>
-                        <a:spcAft>
-                          <a:spcPct val="0"/>
-                        </a:spcAft>
-                        <a:buClr>
-                          <a:schemeClr val="accent1"/>
-                        </a:buClr>
-                        <a:buSzTx/>
-                        <a:buFont typeface="Webdings" pitchFamily="18" charset="2"/>
-                        <a:buNone/>
-                        <a:tabLst/>
-                      </a:pPr>
-                      <a:r>
-                        <a:rPr kumimoji="0" lang="pt-BR" sz="1600" u="none" strike="noStrike" cap="none" normalizeH="0" baseline="0" noProof="0" dirty="0" smtClean="0">
-                          <a:ln>
-                            <a:noFill/>
-                          </a:ln>
-                          <a:effectLst/>
-                        </a:rPr>
-                        <a:t>Semanal</a:t>
-                      </a:r>
-                      <a:endParaRPr kumimoji="0" lang="pt-BR" sz="1600" b="0" i="0" u="none" strike="noStrike" cap="none" normalizeH="0" baseline="0" noProof="0" dirty="0" smtClean="0">
-                        <a:ln>
-                          <a:noFill/>
-                        </a:ln>
-                        <a:solidFill>
-                          <a:schemeClr val="tx2"/>
-                        </a:solidFill>
-                        <a:effectLst/>
-                        <a:latin typeface="Arial" charset="0"/>
-                      </a:endParaRPr>
-                    </a:p>
-                  </a:txBody>
-                  <a:tcPr horzOverflow="overflow"/>
-                </a:tc>
-                <a:tc>
-                  <a:txBody>
-                    <a:bodyPr/>
-                    <a:lstStyle/>
-                    <a:p>
-                      <a:pPr marL="0" marR="0" lvl="0" indent="0" algn="l" defTabSz="914400" rtl="0" eaLnBrk="1" fontAlgn="base" latinLnBrk="0" hangingPunct="1">
-                        <a:lnSpc>
-                          <a:spcPct val="100000"/>
-                        </a:lnSpc>
-                        <a:spcBef>
-                          <a:spcPct val="20000"/>
-                        </a:spcBef>
-                        <a:spcAft>
-                          <a:spcPct val="0"/>
-                        </a:spcAft>
-                        <a:buClr>
-                          <a:schemeClr val="accent1"/>
-                        </a:buClr>
-                        <a:buSzTx/>
-                        <a:buFont typeface="Webdings" pitchFamily="18" charset="2"/>
-                        <a:buNone/>
-                        <a:tabLst/>
-                      </a:pPr>
-                      <a:r>
-                        <a:rPr kumimoji="0" lang="en-US" sz="1600" u="none" strike="noStrike" cap="none" normalizeH="0" baseline="0" dirty="0" smtClean="0">
-                          <a:ln>
-                            <a:noFill/>
-                          </a:ln>
-                          <a:effectLst/>
-                        </a:rPr>
-                        <a:t>PPTX</a:t>
-                      </a:r>
-                      <a:endParaRPr kumimoji="0" lang="en-US" sz="1600" b="0" i="0" u="none" strike="noStrike" cap="none" normalizeH="0" baseline="0" dirty="0" smtClean="0">
-                        <a:ln>
-                          <a:noFill/>
-                        </a:ln>
-                        <a:solidFill>
-                          <a:schemeClr val="tx2"/>
-                        </a:solidFill>
-                        <a:effectLst/>
-                        <a:latin typeface="Arial" charset="0"/>
-                      </a:endParaRPr>
-                    </a:p>
-                  </a:txBody>
-                  <a:tcPr horzOverflow="overflow"/>
-                </a:tc>
-              </a:tr>
-              <a:tr h="329785">
-                <a:tc>
-                  <a:txBody>
-                    <a:bodyPr/>
-                    <a:lstStyle/>
-                    <a:p>
-                      <a:pPr marL="0" marR="0" lvl="0" indent="0" algn="l" defTabSz="914400" rtl="0" eaLnBrk="1" fontAlgn="base" latinLnBrk="0" hangingPunct="1">
-                        <a:lnSpc>
-                          <a:spcPct val="100000"/>
-                        </a:lnSpc>
-                        <a:spcBef>
-                          <a:spcPct val="20000"/>
-                        </a:spcBef>
-                        <a:spcAft>
-                          <a:spcPct val="0"/>
-                        </a:spcAft>
-                        <a:buClr>
-                          <a:schemeClr val="accent1"/>
-                        </a:buClr>
-                        <a:buSzTx/>
-                        <a:buFont typeface="Webdings" pitchFamily="18" charset="2"/>
-                        <a:buNone/>
-                        <a:tabLst/>
-                        <a:defRPr/>
-                      </a:pPr>
-                      <a:r>
-                        <a:rPr lang="pt-BR" sz="1600" dirty="0" smtClean="0">
-                          <a:hlinkClick r:id="rId5"/>
-                        </a:rPr>
-                        <a:t>Issues Log</a:t>
-                      </a:r>
-                      <a:endParaRPr lang="pt-BR" sz="1600" dirty="0" smtClean="0">
-                        <a:solidFill>
-                          <a:schemeClr val="bg2"/>
-                        </a:solidFill>
-                      </a:endParaRPr>
-                    </a:p>
-                  </a:txBody>
-                  <a:tcPr horzOverflow="overflow"/>
-                </a:tc>
-                <a:tc>
-                  <a:txBody>
-                    <a:bodyPr/>
-                    <a:lstStyle/>
-                    <a:p>
-                      <a:pPr marL="0" marR="0" lvl="0" indent="0" algn="l" defTabSz="914400" rtl="0" eaLnBrk="1" fontAlgn="base" latinLnBrk="0" hangingPunct="1">
-                        <a:lnSpc>
-                          <a:spcPct val="100000"/>
-                        </a:lnSpc>
-                        <a:spcBef>
-                          <a:spcPct val="20000"/>
-                        </a:spcBef>
-                        <a:spcAft>
-                          <a:spcPct val="0"/>
-                        </a:spcAft>
-                        <a:buClr>
-                          <a:schemeClr val="accent1"/>
-                        </a:buClr>
-                        <a:buSzTx/>
-                        <a:buFont typeface="Webdings" pitchFamily="18" charset="2"/>
-                        <a:buNone/>
-                        <a:tabLst/>
-                      </a:pPr>
-                      <a:r>
-                        <a:rPr kumimoji="0" lang="pt-BR" sz="1600" u="none" strike="noStrike" cap="none" normalizeH="0" baseline="0" dirty="0" smtClean="0">
-                          <a:ln>
-                            <a:noFill/>
-                          </a:ln>
-                          <a:effectLst/>
-                        </a:rPr>
-                        <a:t>Registrar problemas enfrentados no projeto e monitora sua solução</a:t>
-                      </a:r>
-                      <a:endParaRPr kumimoji="0" lang="en-US" sz="1600" b="0" i="0" u="none" strike="noStrike" cap="none" normalizeH="0" baseline="0" dirty="0" smtClean="0">
-                        <a:ln>
-                          <a:noFill/>
-                        </a:ln>
-                        <a:solidFill>
-                          <a:schemeClr val="tx2"/>
-                        </a:solidFill>
-                        <a:effectLst/>
-                        <a:latin typeface="Arial" charset="0"/>
-                      </a:endParaRPr>
-                    </a:p>
-                  </a:txBody>
-                  <a:tcPr horzOverflow="overflow"/>
-                </a:tc>
-                <a:tc>
-                  <a:txBody>
-                    <a:bodyPr/>
-                    <a:lstStyle/>
-                    <a:p>
-                      <a:pPr marL="0" marR="0" lvl="0" indent="0" algn="l" defTabSz="914400" rtl="0" eaLnBrk="1" fontAlgn="base" latinLnBrk="0" hangingPunct="1">
-                        <a:lnSpc>
-                          <a:spcPct val="100000"/>
-                        </a:lnSpc>
-                        <a:spcBef>
-                          <a:spcPct val="20000"/>
-                        </a:spcBef>
-                        <a:spcAft>
-                          <a:spcPct val="0"/>
-                        </a:spcAft>
-                        <a:buClr>
-                          <a:schemeClr val="accent1"/>
-                        </a:buClr>
-                        <a:buSzTx/>
-                        <a:buFont typeface="Webdings" pitchFamily="18" charset="2"/>
-                        <a:buNone/>
-                        <a:tabLst/>
-                      </a:pPr>
-                      <a:r>
-                        <a:rPr kumimoji="0" lang="en-US" sz="1600" u="none" strike="noStrike" cap="none" normalizeH="0" baseline="0" dirty="0" smtClean="0">
-                          <a:ln>
-                            <a:noFill/>
-                          </a:ln>
-                          <a:effectLst/>
-                        </a:rPr>
-                        <a:t>GP</a:t>
-                      </a:r>
-                      <a:endParaRPr kumimoji="0" lang="en-US" sz="1600" b="0" i="0" u="none" strike="noStrike" cap="none" normalizeH="0" baseline="0" dirty="0" smtClean="0">
-                        <a:ln>
-                          <a:noFill/>
-                        </a:ln>
-                        <a:solidFill>
-                          <a:schemeClr val="tx2"/>
-                        </a:solidFill>
-                        <a:effectLst/>
-                        <a:latin typeface="Arial" charset="0"/>
-                      </a:endParaRPr>
-                    </a:p>
-                  </a:txBody>
-                  <a:tcPr horzOverflow="overflow"/>
-                </a:tc>
-                <a:tc>
-                  <a:txBody>
-                    <a:bodyPr/>
-                    <a:lstStyle/>
-                    <a:p>
-                      <a:pPr marL="0" marR="0" lvl="0" indent="0" algn="l" defTabSz="914400" rtl="0" eaLnBrk="1" fontAlgn="base" latinLnBrk="0" hangingPunct="1">
-                        <a:lnSpc>
-                          <a:spcPct val="100000"/>
-                        </a:lnSpc>
-                        <a:spcBef>
-                          <a:spcPct val="20000"/>
-                        </a:spcBef>
-                        <a:spcAft>
-                          <a:spcPct val="0"/>
-                        </a:spcAft>
-                        <a:buClr>
-                          <a:schemeClr val="accent1"/>
-                        </a:buClr>
-                        <a:buSzTx/>
-                        <a:buFont typeface="Webdings" pitchFamily="18" charset="2"/>
-                        <a:buNone/>
-                        <a:tabLst/>
-                      </a:pPr>
-                      <a:r>
-                        <a:rPr kumimoji="0" lang="en-US" sz="1600" u="none" strike="noStrike" cap="none" normalizeH="0" baseline="0" dirty="0" smtClean="0">
-                          <a:ln>
-                            <a:noFill/>
-                          </a:ln>
-                          <a:effectLst/>
-                        </a:rPr>
-                        <a:t>Novo </a:t>
-                      </a:r>
-                      <a:r>
-                        <a:rPr kumimoji="0" lang="pt-BR" sz="1600" u="none" strike="noStrike" cap="none" normalizeH="0" baseline="0" noProof="0" dirty="0" smtClean="0">
-                          <a:ln>
-                            <a:noFill/>
-                          </a:ln>
-                          <a:effectLst/>
-                        </a:rPr>
-                        <a:t>problema</a:t>
-                      </a:r>
-                      <a:endParaRPr kumimoji="0" lang="pt-BR" sz="1600" b="0" i="0" u="none" strike="noStrike" cap="none" normalizeH="0" baseline="0" noProof="0" dirty="0" smtClean="0">
-                        <a:ln>
-                          <a:noFill/>
-                        </a:ln>
-                        <a:solidFill>
-                          <a:schemeClr val="tx2"/>
-                        </a:solidFill>
-                        <a:effectLst/>
-                        <a:latin typeface="Arial" charset="0"/>
-                      </a:endParaRPr>
-                    </a:p>
-                  </a:txBody>
-                  <a:tcPr horzOverflow="overflow"/>
-                </a:tc>
-                <a:tc>
-                  <a:txBody>
-                    <a:bodyPr/>
-                    <a:lstStyle/>
-                    <a:p>
-                      <a:pPr marL="0" marR="0" lvl="0" indent="0" algn="l" defTabSz="914400" rtl="0" eaLnBrk="1" fontAlgn="base" latinLnBrk="0" hangingPunct="1">
-                        <a:lnSpc>
-                          <a:spcPct val="100000"/>
-                        </a:lnSpc>
-                        <a:spcBef>
-                          <a:spcPct val="20000"/>
-                        </a:spcBef>
-                        <a:spcAft>
-                          <a:spcPct val="0"/>
-                        </a:spcAft>
-                        <a:buClr>
-                          <a:schemeClr val="accent1"/>
-                        </a:buClr>
-                        <a:buSzTx/>
-                        <a:buFont typeface="Webdings" pitchFamily="18" charset="2"/>
-                        <a:buNone/>
-                        <a:tabLst/>
-                      </a:pPr>
-                      <a:r>
-                        <a:rPr kumimoji="0" lang="en-US" sz="1600" u="none" strike="noStrike" cap="none" normalizeH="0" baseline="0" dirty="0" smtClean="0">
-                          <a:ln>
-                            <a:noFill/>
-                          </a:ln>
-                          <a:effectLst/>
-                        </a:rPr>
-                        <a:t>XLSX</a:t>
-                      </a:r>
-                      <a:endParaRPr kumimoji="0" lang="en-US" sz="1600" b="0" i="0" u="none" strike="noStrike" cap="none" normalizeH="0" baseline="0" dirty="0" smtClean="0">
-                        <a:ln>
-                          <a:noFill/>
-                        </a:ln>
-                        <a:solidFill>
-                          <a:schemeClr val="tx2"/>
-                        </a:solidFill>
-                        <a:effectLst/>
-                        <a:latin typeface="Arial" charset="0"/>
-                      </a:endParaRPr>
-                    </a:p>
-                  </a:txBody>
-                  <a:tcPr horzOverflow="overflow"/>
-                </a:tc>
-              </a:tr>
-            </a:tbl>
-          </a:graphicData>
-        </a:graphic>
-      </p:graphicFrame>
       <p:sp>
         <p:nvSpPr>
-          <p:cNvPr id="2" name="CaixaDeTexto 1"/>
-          <p:cNvSpPr txBox="1"/>
-          <p:nvPr/>
+          <p:cNvPr id="24580" name="Rectangle 3"/>
+          <p:cNvSpPr>
+            <a:spLocks noGrp="1" noChangeArrowheads="1"/>
+          </p:cNvSpPr>
+          <p:nvPr>
+            <p:ph idx="1"/>
+          </p:nvPr>
         </p:nvSpPr>
-        <p:spPr>
-          <a:xfrm>
-            <a:off x="179512" y="4653136"/>
-            <a:ext cx="8089074" cy="461665"/>
-          </a:xfrm>
-          <a:prstGeom prst="rect">
-            <a:avLst/>
-          </a:prstGeom>
-          <a:noFill/>
-        </p:spPr>
+        <p:spPr/>
         <p:txBody>
-          <a:bodyPr wrap="none" rtlCol="0">
-            <a:spAutoFit/>
-          </a:bodyPr>
+          <a:bodyPr/>
           <a:lstStyle/>
           <a:p>
-            <a:r>
-              <a:rPr lang="pt-BR" dirty="0" smtClean="0"/>
-              <a:t>Plano de ação para o trabalho... Quem vai fazer o quê na equipe?</a:t>
-            </a:r>
-            <a:endParaRPr lang="pt-BR" dirty="0"/>
+            <a:pPr eaLnBrk="1" hangingPunct="1">
+              <a:lnSpc>
+                <a:spcPct val="80000"/>
+              </a:lnSpc>
+            </a:pPr>
+            <a:r>
+              <a:rPr lang="pt-BR" sz="2000" dirty="0"/>
+              <a:t>Objetivo: Refinar os objetivos do projeto e planejar o trabalho necessário para alcançá-los.</a:t>
+            </a:r>
+          </a:p>
+          <a:p>
+            <a:pPr eaLnBrk="1" hangingPunct="1">
+              <a:lnSpc>
+                <a:spcPct val="80000"/>
+              </a:lnSpc>
+            </a:pPr>
+            <a:r>
+              <a:rPr lang="pt-BR" sz="2000" dirty="0"/>
+              <a:t>GP desenvolve o plano de projeto e seus planos complementares.</a:t>
+            </a:r>
+          </a:p>
+          <a:p>
+            <a:pPr eaLnBrk="1" hangingPunct="1">
+              <a:lnSpc>
+                <a:spcPct val="80000"/>
+              </a:lnSpc>
+            </a:pPr>
+            <a:r>
+              <a:rPr lang="pt-BR" sz="2000" dirty="0"/>
+              <a:t>Pré-requisitos</a:t>
+            </a:r>
+          </a:p>
+          <a:p>
+            <a:pPr lvl="1" eaLnBrk="1" hangingPunct="1">
+              <a:lnSpc>
+                <a:spcPct val="80000"/>
+              </a:lnSpc>
+            </a:pPr>
+            <a:r>
+              <a:rPr lang="pt-BR" sz="1800" dirty="0"/>
+              <a:t>Termo de abertura aprovado;</a:t>
+            </a:r>
+          </a:p>
+          <a:p>
+            <a:pPr lvl="1" eaLnBrk="1" hangingPunct="1">
+              <a:lnSpc>
+                <a:spcPct val="80000"/>
+              </a:lnSpc>
+            </a:pPr>
+            <a:r>
+              <a:rPr lang="pt-BR" sz="1800" dirty="0"/>
+              <a:t>Gerente de projeto definido.</a:t>
+            </a:r>
+          </a:p>
+          <a:p>
+            <a:pPr eaLnBrk="1" hangingPunct="1">
+              <a:lnSpc>
+                <a:spcPct val="80000"/>
+              </a:lnSpc>
+            </a:pPr>
+            <a:r>
+              <a:rPr lang="pt-BR" sz="2000" dirty="0"/>
+              <a:t>Fatores críticos de sucesso:</a:t>
+            </a:r>
+          </a:p>
+          <a:p>
+            <a:pPr lvl="1" eaLnBrk="1" hangingPunct="1">
+              <a:lnSpc>
+                <a:spcPct val="80000"/>
+              </a:lnSpc>
+            </a:pPr>
+            <a:r>
+              <a:rPr lang="pt-BR" sz="1800" dirty="0"/>
+              <a:t>Definir o escopo e assegurar que as entregas estejam bem definidas;</a:t>
+            </a:r>
+          </a:p>
+          <a:p>
+            <a:pPr lvl="1" eaLnBrk="1" hangingPunct="1">
+              <a:lnSpc>
+                <a:spcPct val="80000"/>
+              </a:lnSpc>
+            </a:pPr>
+            <a:r>
+              <a:rPr lang="pt-BR" sz="1800" dirty="0"/>
+              <a:t>Definir equipe adequada as necessidades do projeto e assegurar que os recursos estejam disponíveis;</a:t>
+            </a:r>
+          </a:p>
+          <a:p>
+            <a:pPr lvl="1" eaLnBrk="1" hangingPunct="1">
+              <a:lnSpc>
+                <a:spcPct val="80000"/>
+              </a:lnSpc>
+            </a:pPr>
+            <a:r>
+              <a:rPr lang="pt-BR" sz="1800" dirty="0"/>
+              <a:t>Avaliar os riscos e criar plano de repostas;</a:t>
+            </a:r>
+          </a:p>
+          <a:p>
+            <a:pPr lvl="1" eaLnBrk="1" hangingPunct="1">
+              <a:lnSpc>
+                <a:spcPct val="80000"/>
+              </a:lnSpc>
+            </a:pPr>
+            <a:r>
+              <a:rPr lang="pt-BR" sz="1800" dirty="0"/>
+              <a:t>Definir a estratégia de comunicação do projeto;</a:t>
+            </a:r>
+          </a:p>
+          <a:p>
+            <a:pPr lvl="1" eaLnBrk="1" hangingPunct="1">
+              <a:lnSpc>
+                <a:spcPct val="80000"/>
+              </a:lnSpc>
+            </a:pPr>
+            <a:r>
+              <a:rPr lang="pt-BR" sz="1800" dirty="0"/>
+              <a:t>Salvar as linhas de base de prazo, custo e escopo;</a:t>
+            </a:r>
+          </a:p>
+          <a:p>
+            <a:pPr lvl="1" eaLnBrk="1" hangingPunct="1">
+              <a:lnSpc>
+                <a:spcPct val="80000"/>
+              </a:lnSpc>
+            </a:pPr>
+            <a:r>
+              <a:rPr lang="pt-BR" sz="1800" dirty="0"/>
+              <a:t>Definir a forma de monitorar as linhas de base de prazo, custo e escopo;</a:t>
+            </a:r>
+          </a:p>
+          <a:p>
+            <a:pPr lvl="1" eaLnBrk="1" hangingPunct="1">
+              <a:lnSpc>
+                <a:spcPct val="80000"/>
+              </a:lnSpc>
+            </a:pPr>
+            <a:r>
+              <a:rPr lang="pt-BR" sz="1800" dirty="0"/>
+              <a:t>Criar um ambiente no qual as partes interessadas possam contribuir de forma adequada.</a:t>
+            </a:r>
           </a:p>
         </p:txBody>
       </p:sp>
     </p:spTree>
     <p:extLst>
       <p:ext uri="{BB962C8B-B14F-4D97-AF65-F5344CB8AC3E}">
-        <p14:creationId xmlns:p14="http://schemas.microsoft.com/office/powerpoint/2010/main" val="385075204"/>
+        <p14:creationId xmlns:p14="http://schemas.microsoft.com/office/powerpoint/2010/main" val="4033426397"/>
       </p:ext>
     </p:extLst>
   </p:cSld>
@@ -8605,13 +7753,6 @@
     <a:masterClrMapping/>
   </p:clrMapOvr>
   <p:transition/>
-  <p:timing>
-    <p:tnLst>
-      <p:par>
-        <p:cTn id="1" dur="indefinite" restart="never" nodeType="tmRoot"/>
-      </p:par>
-    </p:tnLst>
-  </p:timing>
 </p:sld>
 </file>
 
